--- a/Doc/모두의 동영상_170501.pptx
+++ b/Doc/모두의 동영상_170501.pptx
@@ -18,7 +18,9 @@
     <p:sldId id="287" r:id="rId12"/>
     <p:sldId id="288" r:id="rId13"/>
     <p:sldId id="289" r:id="rId14"/>
-    <p:sldId id="280" r:id="rId15"/>
+    <p:sldId id="290" r:id="rId15"/>
+    <p:sldId id="291" r:id="rId16"/>
+    <p:sldId id="280" r:id="rId17"/>
   </p:sldIdLst>
   <p:sldSz cx="12192000" cy="6858000"/>
   <p:notesSz cx="6858000" cy="9144000"/>
@@ -249,7 +251,7 @@
           <a:p>
             <a:fld id="{3B71C276-D220-48A0-A9E1-9AB64ED9A023}" type="datetimeFigureOut">
               <a:rPr lang="ko-KR" altLang="en-US" smtClean="0"/>
-              <a:t>2017-05-08</a:t>
+              <a:t>2017-05-09</a:t>
             </a:fld>
             <a:endParaRPr lang="ko-KR" altLang="en-US"/>
           </a:p>
@@ -417,7 +419,7 @@
           <a:p>
             <a:fld id="{3B71C276-D220-48A0-A9E1-9AB64ED9A023}" type="datetimeFigureOut">
               <a:rPr lang="ko-KR" altLang="en-US" smtClean="0"/>
-              <a:t>2017-05-08</a:t>
+              <a:t>2017-05-09</a:t>
             </a:fld>
             <a:endParaRPr lang="ko-KR" altLang="en-US"/>
           </a:p>
@@ -595,7 +597,7 @@
           <a:p>
             <a:fld id="{3B71C276-D220-48A0-A9E1-9AB64ED9A023}" type="datetimeFigureOut">
               <a:rPr lang="ko-KR" altLang="en-US" smtClean="0"/>
-              <a:t>2017-05-08</a:t>
+              <a:t>2017-05-09</a:t>
             </a:fld>
             <a:endParaRPr lang="ko-KR" altLang="en-US"/>
           </a:p>
@@ -763,7 +765,7 @@
           <a:p>
             <a:fld id="{3B71C276-D220-48A0-A9E1-9AB64ED9A023}" type="datetimeFigureOut">
               <a:rPr lang="ko-KR" altLang="en-US" smtClean="0"/>
-              <a:t>2017-05-08</a:t>
+              <a:t>2017-05-09</a:t>
             </a:fld>
             <a:endParaRPr lang="ko-KR" altLang="en-US"/>
           </a:p>
@@ -1008,7 +1010,7 @@
           <a:p>
             <a:fld id="{3B71C276-D220-48A0-A9E1-9AB64ED9A023}" type="datetimeFigureOut">
               <a:rPr lang="ko-KR" altLang="en-US" smtClean="0"/>
-              <a:t>2017-05-08</a:t>
+              <a:t>2017-05-09</a:t>
             </a:fld>
             <a:endParaRPr lang="ko-KR" altLang="en-US"/>
           </a:p>
@@ -1237,7 +1239,7 @@
           <a:p>
             <a:fld id="{3B71C276-D220-48A0-A9E1-9AB64ED9A023}" type="datetimeFigureOut">
               <a:rPr lang="ko-KR" altLang="en-US" smtClean="0"/>
-              <a:t>2017-05-08</a:t>
+              <a:t>2017-05-09</a:t>
             </a:fld>
             <a:endParaRPr lang="ko-KR" altLang="en-US"/>
           </a:p>
@@ -1601,7 +1603,7 @@
           <a:p>
             <a:fld id="{3B71C276-D220-48A0-A9E1-9AB64ED9A023}" type="datetimeFigureOut">
               <a:rPr lang="ko-KR" altLang="en-US" smtClean="0"/>
-              <a:t>2017-05-08</a:t>
+              <a:t>2017-05-09</a:t>
             </a:fld>
             <a:endParaRPr lang="ko-KR" altLang="en-US"/>
           </a:p>
@@ -1718,7 +1720,7 @@
           <a:p>
             <a:fld id="{3B71C276-D220-48A0-A9E1-9AB64ED9A023}" type="datetimeFigureOut">
               <a:rPr lang="ko-KR" altLang="en-US" smtClean="0"/>
-              <a:t>2017-05-08</a:t>
+              <a:t>2017-05-09</a:t>
             </a:fld>
             <a:endParaRPr lang="ko-KR" altLang="en-US"/>
           </a:p>
@@ -1813,7 +1815,7 @@
           <a:p>
             <a:fld id="{3B71C276-D220-48A0-A9E1-9AB64ED9A023}" type="datetimeFigureOut">
               <a:rPr lang="ko-KR" altLang="en-US" smtClean="0"/>
-              <a:t>2017-05-08</a:t>
+              <a:t>2017-05-09</a:t>
             </a:fld>
             <a:endParaRPr lang="ko-KR" altLang="en-US"/>
           </a:p>
@@ -2088,7 +2090,7 @@
           <a:p>
             <a:fld id="{3B71C276-D220-48A0-A9E1-9AB64ED9A023}" type="datetimeFigureOut">
               <a:rPr lang="ko-KR" altLang="en-US" smtClean="0"/>
-              <a:t>2017-05-08</a:t>
+              <a:t>2017-05-09</a:t>
             </a:fld>
             <a:endParaRPr lang="ko-KR" altLang="en-US"/>
           </a:p>
@@ -2340,7 +2342,7 @@
           <a:p>
             <a:fld id="{3B71C276-D220-48A0-A9E1-9AB64ED9A023}" type="datetimeFigureOut">
               <a:rPr lang="ko-KR" altLang="en-US" smtClean="0"/>
-              <a:t>2017-05-08</a:t>
+              <a:t>2017-05-09</a:t>
             </a:fld>
             <a:endParaRPr lang="ko-KR" altLang="en-US"/>
           </a:p>
@@ -2551,7 +2553,7 @@
           <a:p>
             <a:fld id="{3B71C276-D220-48A0-A9E1-9AB64ED9A023}" type="datetimeFigureOut">
               <a:rPr lang="ko-KR" altLang="en-US" smtClean="0"/>
-              <a:t>2017-05-08</a:t>
+              <a:t>2017-05-09</a:t>
             </a:fld>
             <a:endParaRPr lang="ko-KR" altLang="en-US"/>
           </a:p>
@@ -3317,11 +3319,7 @@
           <a:p>
             <a:r>
               <a:rPr lang="en-US" altLang="ko-KR" sz="2000" b="1" dirty="0" smtClean="0"/>
-              <a:t>6. </a:t>
-            </a:r>
-            <a:r>
-              <a:rPr lang="en-US" altLang="ko-KR" sz="2000" b="1" dirty="0" smtClean="0"/>
-              <a:t>UI</a:t>
+              <a:t>6. UI</a:t>
             </a:r>
             <a:endParaRPr lang="ko-KR" altLang="en-US" sz="1400" dirty="0"/>
           </a:p>
@@ -3415,11 +3413,19 @@
               <a:buChar char="•"/>
             </a:pPr>
             <a:r>
-              <a:rPr lang="ko-KR" altLang="en-US" sz="1000" dirty="0" smtClean="0"/>
-              <a:t>어플리케이션 내의 페이지 종류를 설명한다</a:t>
-            </a:r>
-            <a:r>
-              <a:rPr lang="en-US" altLang="ko-KR" sz="1000" dirty="0" smtClean="0"/>
+              <a:rPr lang="ko-KR" altLang="en-US" sz="1000" dirty="0"/>
+              <a:t>어플리케이션 내의 </a:t>
+            </a:r>
+            <a:r>
+              <a:rPr lang="en-US" altLang="ko-KR" sz="1000" dirty="0"/>
+              <a:t>main </a:t>
+            </a:r>
+            <a:r>
+              <a:rPr lang="ko-KR" altLang="en-US" sz="1000" dirty="0"/>
+              <a:t>페이지를 설명한다</a:t>
+            </a:r>
+            <a:r>
+              <a:rPr lang="en-US" altLang="ko-KR" sz="1000" dirty="0"/>
               <a:t>.</a:t>
             </a:r>
           </a:p>
@@ -7097,11 +7103,7 @@
           <a:p>
             <a:r>
               <a:rPr lang="en-US" altLang="ko-KR" sz="2000" b="1" dirty="0" smtClean="0"/>
-              <a:t>6. </a:t>
-            </a:r>
-            <a:r>
-              <a:rPr lang="en-US" altLang="ko-KR" sz="2000" b="1" dirty="0" smtClean="0"/>
-              <a:t>UI</a:t>
+              <a:t>6. UI</a:t>
             </a:r>
             <a:endParaRPr lang="ko-KR" altLang="en-US" sz="1400" dirty="0"/>
           </a:p>
@@ -7174,7 +7176,7 @@
         <p:spPr>
           <a:xfrm>
             <a:off x="7553325" y="647239"/>
-            <a:ext cx="4638675" cy="5632311"/>
+            <a:ext cx="4638675" cy="6093976"/>
           </a:xfrm>
           <a:prstGeom prst="rect">
             <a:avLst/>
@@ -7195,11 +7197,19 @@
               <a:buChar char="•"/>
             </a:pPr>
             <a:r>
-              <a:rPr lang="ko-KR" altLang="en-US" sz="1000" dirty="0" smtClean="0"/>
-              <a:t>어플리케이션 내의 페이지 종류를 설명한다</a:t>
-            </a:r>
-            <a:r>
-              <a:rPr lang="en-US" altLang="ko-KR" sz="1000" dirty="0" smtClean="0"/>
+              <a:rPr lang="ko-KR" altLang="en-US" sz="1000" dirty="0"/>
+              <a:t>어플리케이션 내의 </a:t>
+            </a:r>
+            <a:r>
+              <a:rPr lang="en-US" altLang="ko-KR" sz="1000" dirty="0"/>
+              <a:t>main </a:t>
+            </a:r>
+            <a:r>
+              <a:rPr lang="ko-KR" altLang="en-US" sz="1000" dirty="0"/>
+              <a:t>페이지를 설명한다</a:t>
+            </a:r>
+            <a:r>
+              <a:rPr lang="en-US" altLang="ko-KR" sz="1000" dirty="0"/>
               <a:t>.</a:t>
             </a:r>
           </a:p>
@@ -7225,11 +7235,7 @@
             </a:r>
             <a:r>
               <a:rPr lang="ko-KR" altLang="en-US" sz="1000" b="1" dirty="0" smtClean="0"/>
-              <a:t>동영상 목록 </a:t>
-            </a:r>
-            <a:r>
-              <a:rPr lang="ko-KR" altLang="en-US" sz="1000" b="1" dirty="0" smtClean="0"/>
-              <a:t>영역</a:t>
+              <a:t>동영상 목록 영역</a:t>
             </a:r>
             <a:endParaRPr lang="en-US" altLang="ko-KR" sz="1000" b="1" dirty="0" smtClean="0"/>
           </a:p>
@@ -7274,7 +7280,6 @@
               <a:rPr lang="en-US" altLang="ko-KR" sz="1000" dirty="0" smtClean="0"/>
               <a:t>.</a:t>
             </a:r>
-            <a:endParaRPr lang="en-US" altLang="ko-KR" sz="1000" dirty="0" smtClean="0"/>
           </a:p>
           <a:p>
             <a:pPr>
@@ -7765,6 +7770,70 @@
             <a:r>
               <a:rPr lang="en-US" altLang="ko-KR" sz="1000" dirty="0" smtClean="0"/>
               <a:t>  </a:t>
+            </a:r>
+            <a:r>
+              <a:rPr lang="en-US" altLang="ko-KR" sz="1000" dirty="0" smtClean="0"/>
+              <a:t> - </a:t>
+            </a:r>
+            <a:r>
+              <a:rPr lang="ko-KR" altLang="en-US" sz="1000" dirty="0" smtClean="0"/>
+              <a:t>각 동영상 클릭 시</a:t>
+            </a:r>
+            <a:endParaRPr lang="en-US" altLang="ko-KR" sz="1000" dirty="0" smtClean="0"/>
+          </a:p>
+          <a:p>
+            <a:pPr>
+              <a:lnSpc>
+                <a:spcPct val="150000"/>
+              </a:lnSpc>
+            </a:pPr>
+            <a:r>
+              <a:rPr lang="en-US" altLang="ko-KR" sz="1000" dirty="0"/>
+              <a:t> </a:t>
+            </a:r>
+            <a:r>
+              <a:rPr lang="en-US" altLang="ko-KR" sz="1000" dirty="0" smtClean="0"/>
+              <a:t>       &gt; </a:t>
+            </a:r>
+            <a:r>
+              <a:rPr lang="ko-KR" altLang="en-US" sz="1000" dirty="0" smtClean="0"/>
+              <a:t>해당 동영상 </a:t>
+            </a:r>
+            <a:r>
+              <a:rPr lang="ko-KR" altLang="en-US" sz="1000" dirty="0" err="1" smtClean="0"/>
+              <a:t>게시글</a:t>
+            </a:r>
+            <a:r>
+              <a:rPr lang="ko-KR" altLang="en-US" sz="1000" dirty="0" smtClean="0"/>
+              <a:t> 열기 </a:t>
+            </a:r>
+            <a:r>
+              <a:rPr lang="en-US" altLang="ko-KR" sz="1000" dirty="0" smtClean="0"/>
+              <a:t>// 7)</a:t>
+            </a:r>
+            <a:r>
+              <a:rPr lang="ko-KR" altLang="en-US" sz="1000" dirty="0" smtClean="0"/>
+              <a:t>에서 확인</a:t>
+            </a:r>
+            <a:endParaRPr lang="en-US" altLang="ko-KR" sz="1000" dirty="0" smtClean="0"/>
+          </a:p>
+          <a:p>
+            <a:pPr>
+              <a:lnSpc>
+                <a:spcPct val="150000"/>
+              </a:lnSpc>
+            </a:pPr>
+            <a:r>
+              <a:rPr lang="en-US" altLang="ko-KR" sz="1000" dirty="0"/>
+              <a:t> </a:t>
+            </a:r>
+            <a:r>
+              <a:rPr lang="en-US" altLang="ko-KR" sz="1000" dirty="0" smtClean="0"/>
+              <a:t>       &gt; </a:t>
+            </a:r>
+            <a:r>
+              <a:rPr lang="ko-KR" altLang="en-US" sz="1000" dirty="0" smtClean="0"/>
+              <a:t>제목 텍스트 읽음 상태로 변경</a:t>
             </a:r>
             <a:endParaRPr lang="en-US" altLang="ko-KR" sz="1000" dirty="0"/>
           </a:p>
@@ -11466,11 +11535,7 @@
           <a:p>
             <a:r>
               <a:rPr lang="en-US" altLang="ko-KR" sz="2000" b="1" dirty="0" smtClean="0"/>
-              <a:t>6. </a:t>
-            </a:r>
-            <a:r>
-              <a:rPr lang="en-US" altLang="ko-KR" sz="2000" b="1" dirty="0" smtClean="0"/>
-              <a:t>UI</a:t>
+              <a:t>6. UI</a:t>
             </a:r>
             <a:endParaRPr lang="ko-KR" altLang="en-US" sz="1400" dirty="0"/>
           </a:p>
@@ -11564,11 +11629,19 @@
               <a:buChar char="•"/>
             </a:pPr>
             <a:r>
-              <a:rPr lang="ko-KR" altLang="en-US" sz="1000" dirty="0" smtClean="0"/>
-              <a:t>어플리케이션 내의 페이지 종류를 설명한다</a:t>
-            </a:r>
-            <a:r>
-              <a:rPr lang="en-US" altLang="ko-KR" sz="1000" dirty="0" smtClean="0"/>
+              <a:rPr lang="ko-KR" altLang="en-US" sz="1000" dirty="0"/>
+              <a:t>어플리케이션 내의 </a:t>
+            </a:r>
+            <a:r>
+              <a:rPr lang="en-US" altLang="ko-KR" sz="1000" dirty="0"/>
+              <a:t>main </a:t>
+            </a:r>
+            <a:r>
+              <a:rPr lang="ko-KR" altLang="en-US" sz="1000" dirty="0"/>
+              <a:t>페이지를 설명한다</a:t>
+            </a:r>
+            <a:r>
+              <a:rPr lang="en-US" altLang="ko-KR" sz="1000" dirty="0"/>
               <a:t>.</a:t>
             </a:r>
           </a:p>
@@ -11598,11 +11671,7 @@
             </a:r>
             <a:r>
               <a:rPr lang="ko-KR" altLang="en-US" sz="1000" b="1" dirty="0" smtClean="0"/>
-              <a:t> </a:t>
-            </a:r>
-            <a:r>
-              <a:rPr lang="ko-KR" altLang="en-US" sz="1000" b="1" dirty="0" smtClean="0"/>
-              <a:t>영역</a:t>
+              <a:t> 영역</a:t>
             </a:r>
             <a:endParaRPr lang="en-US" altLang="ko-KR" sz="1000" b="1" dirty="0" smtClean="0"/>
           </a:p>
@@ -15566,11 +15635,7 @@
           <a:p>
             <a:r>
               <a:rPr lang="en-US" altLang="ko-KR" sz="2000" b="1" dirty="0" smtClean="0"/>
-              <a:t>6. </a:t>
-            </a:r>
-            <a:r>
-              <a:rPr lang="en-US" altLang="ko-KR" sz="2000" b="1" dirty="0" smtClean="0"/>
-              <a:t>UI</a:t>
+              <a:t>6. UI</a:t>
             </a:r>
             <a:endParaRPr lang="ko-KR" altLang="en-US" sz="1400" dirty="0"/>
           </a:p>
@@ -15664,11 +15729,19 @@
               <a:buChar char="•"/>
             </a:pPr>
             <a:r>
-              <a:rPr lang="ko-KR" altLang="en-US" sz="1000" dirty="0" smtClean="0"/>
-              <a:t>어플리케이션 내의 페이지 종류를 설명한다</a:t>
-            </a:r>
-            <a:r>
-              <a:rPr lang="en-US" altLang="ko-KR" sz="1000" dirty="0" smtClean="0"/>
+              <a:rPr lang="ko-KR" altLang="en-US" sz="1000" dirty="0"/>
+              <a:t>어플리케이션 내의 </a:t>
+            </a:r>
+            <a:r>
+              <a:rPr lang="en-US" altLang="ko-KR" sz="1000" dirty="0"/>
+              <a:t>main </a:t>
+            </a:r>
+            <a:r>
+              <a:rPr lang="ko-KR" altLang="en-US" sz="1000" dirty="0"/>
+              <a:t>페이지를 설명한다</a:t>
+            </a:r>
+            <a:r>
+              <a:rPr lang="en-US" altLang="ko-KR" sz="1000" dirty="0"/>
               <a:t>.</a:t>
             </a:r>
           </a:p>
@@ -15706,11 +15779,7 @@
             </a:pPr>
             <a:r>
               <a:rPr lang="en-US" altLang="ko-KR" sz="1000" dirty="0" smtClean="0"/>
-              <a:t>   </a:t>
-            </a:r>
-            <a:r>
-              <a:rPr lang="en-US" altLang="ko-KR" sz="1000" dirty="0" smtClean="0"/>
-              <a:t>- </a:t>
+              <a:t>   - </a:t>
             </a:r>
             <a:r>
               <a:rPr lang="ko-KR" altLang="en-US" sz="1000" dirty="0" smtClean="0"/>
@@ -19440,6 +19509,5204 @@
 </file>
 
 <file path=ppt/slides/slide14.xml><?xml version="1.0" encoding="utf-8"?>
+<p:sld xmlns:a="http://schemas.openxmlformats.org/drawingml/2006/main" xmlns:r="http://schemas.openxmlformats.org/officeDocument/2006/relationships" xmlns:p="http://schemas.openxmlformats.org/presentationml/2006/main">
+  <p:cSld>
+    <p:spTree>
+      <p:nvGrpSpPr>
+        <p:cNvPr id="1" name=""/>
+        <p:cNvGrpSpPr/>
+        <p:nvPr/>
+      </p:nvGrpSpPr>
+      <p:grpSpPr>
+        <a:xfrm>
+          <a:off x="0" y="0"/>
+          <a:ext cx="0" cy="0"/>
+          <a:chOff x="0" y="0"/>
+          <a:chExt cx="0" cy="0"/>
+        </a:xfrm>
+      </p:grpSpPr>
+      <p:sp>
+        <p:nvSpPr>
+          <p:cNvPr id="12" name="TextBox 11"/>
+          <p:cNvSpPr txBox="1"/>
+          <p:nvPr/>
+        </p:nvSpPr>
+        <p:spPr>
+          <a:xfrm>
+            <a:off x="11003854" y="6519446"/>
+            <a:ext cx="1188146" cy="338554"/>
+          </a:xfrm>
+          <a:prstGeom prst="rect">
+            <a:avLst/>
+          </a:prstGeom>
+          <a:noFill/>
+        </p:spPr>
+        <p:txBody>
+          <a:bodyPr wrap="none" rtlCol="0">
+            <a:spAutoFit/>
+          </a:bodyPr>
+          <a:lstStyle/>
+          <a:p>
+            <a:r>
+              <a:rPr lang="en-US" altLang="ko-KR" sz="1600" b="1" dirty="0" err="1" smtClean="0">
+                <a:solidFill>
+                  <a:schemeClr val="bg1">
+                    <a:lumMod val="75000"/>
+                  </a:schemeClr>
+                </a:solidFill>
+                <a:latin typeface="HY얕은샘물M" pitchFamily="18" charset="-127"/>
+                <a:ea typeface="HY얕은샘물M" pitchFamily="18" charset="-127"/>
+              </a:rPr>
+              <a:t>MadFactory</a:t>
+            </a:r>
+            <a:r>
+              <a:rPr lang="ko-KR" altLang="en-US" sz="1600" dirty="0" smtClean="0">
+                <a:solidFill>
+                  <a:schemeClr val="bg1">
+                    <a:lumMod val="75000"/>
+                  </a:schemeClr>
+                </a:solidFill>
+                <a:latin typeface="HY얕은샘물M" pitchFamily="18" charset="-127"/>
+                <a:ea typeface="HY얕은샘물M" pitchFamily="18" charset="-127"/>
+              </a:rPr>
+              <a:t>™</a:t>
+            </a:r>
+            <a:endParaRPr lang="ko-KR" altLang="en-US" sz="1600" dirty="0">
+              <a:solidFill>
+                <a:schemeClr val="bg1">
+                  <a:lumMod val="75000"/>
+                </a:schemeClr>
+              </a:solidFill>
+              <a:latin typeface="HY얕은샘물M" pitchFamily="18" charset="-127"/>
+              <a:ea typeface="HY얕은샘물M" pitchFamily="18" charset="-127"/>
+            </a:endParaRPr>
+          </a:p>
+        </p:txBody>
+      </p:sp>
+      <p:sp>
+        <p:nvSpPr>
+          <p:cNvPr id="14" name="TextBox 13"/>
+          <p:cNvSpPr txBox="1"/>
+          <p:nvPr/>
+        </p:nvSpPr>
+        <p:spPr>
+          <a:xfrm>
+            <a:off x="7553325" y="647239"/>
+            <a:ext cx="4638675" cy="3093154"/>
+          </a:xfrm>
+          <a:prstGeom prst="rect">
+            <a:avLst/>
+          </a:prstGeom>
+          <a:noFill/>
+        </p:spPr>
+        <p:txBody>
+          <a:bodyPr wrap="square" rtlCol="0">
+            <a:spAutoFit/>
+          </a:bodyPr>
+          <a:lstStyle/>
+          <a:p>
+            <a:pPr marL="171450" indent="-171450">
+              <a:lnSpc>
+                <a:spcPct val="150000"/>
+              </a:lnSpc>
+              <a:buFont typeface="Arial" charset="0"/>
+              <a:buChar char="•"/>
+            </a:pPr>
+            <a:r>
+              <a:rPr lang="ko-KR" altLang="en-US" sz="1000" dirty="0"/>
+              <a:t>어플리케이션 내의 </a:t>
+            </a:r>
+            <a:r>
+              <a:rPr lang="en-US" altLang="ko-KR" sz="1000" dirty="0"/>
+              <a:t>main </a:t>
+            </a:r>
+            <a:r>
+              <a:rPr lang="ko-KR" altLang="en-US" sz="1000" dirty="0"/>
+              <a:t>페이지를 설명한다</a:t>
+            </a:r>
+            <a:r>
+              <a:rPr lang="en-US" altLang="ko-KR" sz="1000" dirty="0"/>
+              <a:t>.</a:t>
+            </a:r>
+          </a:p>
+          <a:p>
+            <a:pPr marL="171450" indent="-171450">
+              <a:lnSpc>
+                <a:spcPct val="150000"/>
+              </a:lnSpc>
+              <a:buFont typeface="Arial" charset="0"/>
+              <a:buChar char="•"/>
+            </a:pPr>
+            <a:endParaRPr lang="en-US" altLang="ko-KR" sz="1000" dirty="0" smtClean="0"/>
+          </a:p>
+          <a:p>
+            <a:pPr>
+              <a:lnSpc>
+                <a:spcPct val="150000"/>
+              </a:lnSpc>
+            </a:pPr>
+            <a:r>
+              <a:rPr lang="en-US" altLang="ko-KR" sz="1000" b="1" dirty="0"/>
+              <a:t>7</a:t>
+            </a:r>
+            <a:r>
+              <a:rPr lang="en-US" altLang="ko-KR" sz="1000" b="1" dirty="0" smtClean="0"/>
+              <a:t>) </a:t>
+            </a:r>
+            <a:r>
+              <a:rPr lang="ko-KR" altLang="en-US" sz="1000" b="1" dirty="0" smtClean="0"/>
+              <a:t>동영상 열기 상태</a:t>
+            </a:r>
+            <a:endParaRPr lang="en-US" altLang="ko-KR" sz="1000" b="1" dirty="0" smtClean="0"/>
+          </a:p>
+          <a:p>
+            <a:pPr>
+              <a:lnSpc>
+                <a:spcPct val="150000"/>
+              </a:lnSpc>
+            </a:pPr>
+            <a:r>
+              <a:rPr lang="en-US" altLang="ko-KR" sz="1000" dirty="0" smtClean="0"/>
+              <a:t>   - </a:t>
+            </a:r>
+            <a:r>
+              <a:rPr lang="ko-KR" altLang="en-US" sz="1000" dirty="0" smtClean="0"/>
+              <a:t>각 동영상 클릭을 통해 동영상 확인 시</a:t>
+            </a:r>
+            <a:r>
+              <a:rPr lang="en-US" altLang="ko-KR" sz="1000" dirty="0" smtClean="0"/>
+              <a:t>, </a:t>
+            </a:r>
+            <a:r>
+              <a:rPr lang="ko-KR" altLang="en-US" sz="1000" dirty="0" smtClean="0"/>
+              <a:t>열기 상태로 변경</a:t>
+            </a:r>
+            <a:endParaRPr lang="en-US" altLang="ko-KR" sz="1000" dirty="0" smtClean="0"/>
+          </a:p>
+          <a:p>
+            <a:pPr>
+              <a:lnSpc>
+                <a:spcPct val="150000"/>
+              </a:lnSpc>
+            </a:pPr>
+            <a:r>
+              <a:rPr lang="en-US" altLang="ko-KR" sz="1000" dirty="0"/>
+              <a:t> </a:t>
+            </a:r>
+            <a:r>
+              <a:rPr lang="en-US" altLang="ko-KR" sz="1000" dirty="0" smtClean="0"/>
+              <a:t>  - </a:t>
+            </a:r>
+            <a:r>
+              <a:rPr lang="ko-KR" altLang="en-US" sz="1000" dirty="0" smtClean="0"/>
+              <a:t>상단에 제목 </a:t>
+            </a:r>
+            <a:r>
+              <a:rPr lang="en-US" altLang="ko-KR" sz="1000" dirty="0" smtClean="0"/>
+              <a:t>/ </a:t>
+            </a:r>
+            <a:r>
+              <a:rPr lang="ko-KR" altLang="en-US" sz="1000" dirty="0" smtClean="0"/>
+              <a:t>조회수 </a:t>
+            </a:r>
+            <a:r>
+              <a:rPr lang="en-US" altLang="ko-KR" sz="1000" dirty="0" smtClean="0"/>
+              <a:t>/ </a:t>
+            </a:r>
+            <a:r>
+              <a:rPr lang="ko-KR" altLang="en-US" sz="1000" dirty="0" smtClean="0"/>
+              <a:t>재생 시간을 표시</a:t>
+            </a:r>
+            <a:endParaRPr lang="en-US" altLang="ko-KR" sz="1000" dirty="0" smtClean="0"/>
+          </a:p>
+          <a:p>
+            <a:pPr>
+              <a:lnSpc>
+                <a:spcPct val="150000"/>
+              </a:lnSpc>
+            </a:pPr>
+            <a:r>
+              <a:rPr lang="en-US" altLang="ko-KR" sz="1000" dirty="0"/>
+              <a:t> </a:t>
+            </a:r>
+            <a:r>
+              <a:rPr lang="en-US" altLang="ko-KR" sz="1000" dirty="0" smtClean="0"/>
+              <a:t>  - </a:t>
+            </a:r>
+            <a:r>
+              <a:rPr lang="ko-KR" altLang="en-US" sz="1000" dirty="0" smtClean="0"/>
+              <a:t>아래에 동영상 바로 보기 가능</a:t>
+            </a:r>
+            <a:endParaRPr lang="en-US" altLang="ko-KR" sz="1000" dirty="0" smtClean="0"/>
+          </a:p>
+          <a:p>
+            <a:pPr>
+              <a:lnSpc>
+                <a:spcPct val="150000"/>
+              </a:lnSpc>
+            </a:pPr>
+            <a:r>
+              <a:rPr lang="en-US" altLang="ko-KR" sz="1000" dirty="0"/>
+              <a:t> </a:t>
+            </a:r>
+            <a:r>
+              <a:rPr lang="en-US" altLang="ko-KR" sz="1000" dirty="0" smtClean="0"/>
+              <a:t>    (</a:t>
+            </a:r>
+            <a:r>
+              <a:rPr lang="ko-KR" altLang="en-US" sz="1000" dirty="0" smtClean="0"/>
+              <a:t>재생 버튼을 클릭하지 않아도</a:t>
+            </a:r>
+            <a:r>
+              <a:rPr lang="en-US" altLang="ko-KR" sz="1000" dirty="0" smtClean="0"/>
+              <a:t>, </a:t>
+            </a:r>
+            <a:r>
+              <a:rPr lang="ko-KR" altLang="en-US" sz="1000" dirty="0" smtClean="0"/>
+              <a:t>바로 재생될 수 있었으면 함</a:t>
+            </a:r>
+            <a:r>
+              <a:rPr lang="en-US" altLang="ko-KR" sz="1000" dirty="0" smtClean="0"/>
+              <a:t>)</a:t>
+            </a:r>
+          </a:p>
+          <a:p>
+            <a:pPr>
+              <a:lnSpc>
+                <a:spcPct val="150000"/>
+              </a:lnSpc>
+            </a:pPr>
+            <a:r>
+              <a:rPr lang="en-US" altLang="ko-KR" sz="1000" dirty="0"/>
+              <a:t> </a:t>
+            </a:r>
+            <a:r>
+              <a:rPr lang="en-US" altLang="ko-KR" sz="1000" dirty="0" smtClean="0"/>
+              <a:t>  - </a:t>
+            </a:r>
+            <a:r>
+              <a:rPr lang="ko-KR" altLang="en-US" sz="1000" dirty="0" smtClean="0"/>
+              <a:t>동영상 플레이어는 </a:t>
+            </a:r>
+            <a:r>
+              <a:rPr lang="ko-KR" altLang="en-US" sz="1000" dirty="0" err="1" smtClean="0"/>
+              <a:t>유튜브</a:t>
+            </a:r>
+            <a:r>
+              <a:rPr lang="ko-KR" altLang="en-US" sz="1000" dirty="0" smtClean="0"/>
+              <a:t> 자체 플레이어를 이용</a:t>
+            </a:r>
+            <a:endParaRPr lang="en-US" altLang="ko-KR" sz="1000" dirty="0" smtClean="0"/>
+          </a:p>
+          <a:p>
+            <a:pPr>
+              <a:lnSpc>
+                <a:spcPct val="150000"/>
+              </a:lnSpc>
+            </a:pPr>
+            <a:r>
+              <a:rPr lang="en-US" altLang="ko-KR" sz="1000" dirty="0"/>
+              <a:t> </a:t>
+            </a:r>
+            <a:r>
+              <a:rPr lang="en-US" altLang="ko-KR" sz="1000" dirty="0" smtClean="0"/>
+              <a:t>    (</a:t>
+            </a:r>
+            <a:r>
+              <a:rPr lang="ko-KR" altLang="en-US" sz="1000" dirty="0" smtClean="0"/>
+              <a:t>따라서 플레이어 자체 </a:t>
+            </a:r>
+            <a:r>
+              <a:rPr lang="en-US" altLang="ko-KR" sz="1000" dirty="0" err="1" smtClean="0"/>
+              <a:t>ui</a:t>
+            </a:r>
+            <a:r>
+              <a:rPr lang="ko-KR" altLang="en-US" sz="1000" dirty="0" smtClean="0"/>
+              <a:t>를 사용한다</a:t>
+            </a:r>
+            <a:r>
+              <a:rPr lang="en-US" altLang="ko-KR" sz="1000" dirty="0" smtClean="0"/>
+              <a:t>)</a:t>
+            </a:r>
+          </a:p>
+          <a:p>
+            <a:pPr>
+              <a:lnSpc>
+                <a:spcPct val="150000"/>
+              </a:lnSpc>
+            </a:pPr>
+            <a:r>
+              <a:rPr lang="en-US" altLang="ko-KR" sz="1000" dirty="0"/>
+              <a:t> </a:t>
+            </a:r>
+            <a:r>
+              <a:rPr lang="en-US" altLang="ko-KR" sz="1000" dirty="0" smtClean="0"/>
+              <a:t>  - </a:t>
+            </a:r>
+            <a:r>
+              <a:rPr lang="ko-KR" altLang="en-US" sz="1000" dirty="0" smtClean="0"/>
+              <a:t>해당 상태에서 </a:t>
+            </a:r>
+            <a:r>
+              <a:rPr lang="ko-KR" altLang="en-US" sz="1000" dirty="0" err="1" smtClean="0"/>
+              <a:t>뒤로가기</a:t>
+            </a:r>
+            <a:r>
+              <a:rPr lang="ko-KR" altLang="en-US" sz="1000" dirty="0" smtClean="0"/>
+              <a:t> 입력 시</a:t>
+            </a:r>
+            <a:r>
+              <a:rPr lang="en-US" altLang="ko-KR" sz="1000" dirty="0" smtClean="0"/>
+              <a:t>, </a:t>
+            </a:r>
+            <a:r>
+              <a:rPr lang="ko-KR" altLang="en-US" sz="1000" dirty="0" smtClean="0"/>
+              <a:t>이전 목록으로 돌아감</a:t>
+            </a:r>
+            <a:endParaRPr lang="en-US" altLang="ko-KR" sz="1000" dirty="0" smtClean="0"/>
+          </a:p>
+          <a:p>
+            <a:pPr>
+              <a:lnSpc>
+                <a:spcPct val="150000"/>
+              </a:lnSpc>
+            </a:pPr>
+            <a:r>
+              <a:rPr lang="en-US" altLang="ko-KR" sz="1000" dirty="0"/>
+              <a:t> </a:t>
+            </a:r>
+            <a:r>
+              <a:rPr lang="en-US" altLang="ko-KR" sz="1000" dirty="0" smtClean="0"/>
+              <a:t>  - </a:t>
+            </a:r>
+            <a:r>
+              <a:rPr lang="ko-KR" altLang="en-US" sz="1000" dirty="0" smtClean="0"/>
+              <a:t>해당 상태에서 상단 분류 탭 클릭 시</a:t>
+            </a:r>
+            <a:r>
+              <a:rPr lang="en-US" altLang="ko-KR" sz="1000" dirty="0" smtClean="0"/>
+              <a:t>, </a:t>
+            </a:r>
+            <a:r>
+              <a:rPr lang="ko-KR" altLang="en-US" sz="1000" dirty="0" smtClean="0"/>
+              <a:t>해당 탭 목록으로 돌아감</a:t>
+            </a:r>
+            <a:endParaRPr lang="en-US" altLang="ko-KR" sz="1000" dirty="0" smtClean="0"/>
+          </a:p>
+          <a:p>
+            <a:pPr>
+              <a:lnSpc>
+                <a:spcPct val="150000"/>
+              </a:lnSpc>
+            </a:pPr>
+            <a:endParaRPr lang="en-US" altLang="ko-KR" sz="1000" dirty="0"/>
+          </a:p>
+          <a:p>
+            <a:pPr>
+              <a:lnSpc>
+                <a:spcPct val="150000"/>
+              </a:lnSpc>
+            </a:pPr>
+            <a:r>
+              <a:rPr lang="en-US" altLang="ko-KR" sz="1000" dirty="0" smtClean="0"/>
+              <a:t> </a:t>
+            </a:r>
+            <a:endParaRPr lang="en-US" altLang="ko-KR" sz="1000" dirty="0"/>
+          </a:p>
+        </p:txBody>
+      </p:sp>
+      <p:cxnSp>
+        <p:nvCxnSpPr>
+          <p:cNvPr id="6" name="직선 연결선 5"/>
+          <p:cNvCxnSpPr>
+            <a:cxnSpLocks/>
+          </p:cNvCxnSpPr>
+          <p:nvPr/>
+        </p:nvCxnSpPr>
+        <p:spPr>
+          <a:xfrm flipV="1">
+            <a:off x="7553325" y="627708"/>
+            <a:ext cx="0" cy="6230291"/>
+          </a:xfrm>
+          <a:prstGeom prst="line">
+            <a:avLst/>
+          </a:prstGeom>
+          <a:ln w="12700">
+            <a:solidFill>
+              <a:schemeClr val="tx1">
+                <a:lumMod val="50000"/>
+                <a:lumOff val="50000"/>
+              </a:schemeClr>
+            </a:solidFill>
+          </a:ln>
+        </p:spPr>
+        <p:style>
+          <a:lnRef idx="1">
+            <a:schemeClr val="dk1"/>
+          </a:lnRef>
+          <a:fillRef idx="0">
+            <a:schemeClr val="dk1"/>
+          </a:fillRef>
+          <a:effectRef idx="0">
+            <a:schemeClr val="dk1"/>
+          </a:effectRef>
+          <a:fontRef idx="minor">
+            <a:schemeClr val="tx1"/>
+          </a:fontRef>
+        </p:style>
+      </p:cxnSp>
+      <p:sp>
+        <p:nvSpPr>
+          <p:cNvPr id="206" name="TextBox 205"/>
+          <p:cNvSpPr txBox="1"/>
+          <p:nvPr/>
+        </p:nvSpPr>
+        <p:spPr>
+          <a:xfrm>
+            <a:off x="2388213" y="2257053"/>
+            <a:ext cx="1531188" cy="253916"/>
+          </a:xfrm>
+          <a:prstGeom prst="rect">
+            <a:avLst/>
+          </a:prstGeom>
+          <a:noFill/>
+        </p:spPr>
+        <p:txBody>
+          <a:bodyPr wrap="none" rtlCol="0">
+            <a:spAutoFit/>
+          </a:bodyPr>
+          <a:lstStyle/>
+          <a:p>
+            <a:r>
+              <a:rPr lang="ko-KR" altLang="en-US" sz="1050" b="1" dirty="0" smtClean="0"/>
+              <a:t>제목제목제목제목제목</a:t>
+            </a:r>
+            <a:endParaRPr lang="ko-KR" altLang="en-US" sz="1050" b="1" dirty="0"/>
+          </a:p>
+        </p:txBody>
+      </p:sp>
+      <p:sp>
+        <p:nvSpPr>
+          <p:cNvPr id="207" name="직사각형 206"/>
+          <p:cNvSpPr/>
+          <p:nvPr/>
+        </p:nvSpPr>
+        <p:spPr>
+          <a:xfrm>
+            <a:off x="2195789" y="2528715"/>
+            <a:ext cx="3362760" cy="2337152"/>
+          </a:xfrm>
+          <a:prstGeom prst="rect">
+            <a:avLst/>
+          </a:prstGeom>
+          <a:solidFill>
+            <a:schemeClr val="bg1">
+              <a:lumMod val="95000"/>
+            </a:schemeClr>
+          </a:solidFill>
+          <a:ln>
+            <a:solidFill>
+              <a:schemeClr val="tx1">
+                <a:lumMod val="50000"/>
+                <a:lumOff val="50000"/>
+              </a:schemeClr>
+            </a:solidFill>
+          </a:ln>
+        </p:spPr>
+        <p:style>
+          <a:lnRef idx="2">
+            <a:schemeClr val="accent1">
+              <a:shade val="50000"/>
+            </a:schemeClr>
+          </a:lnRef>
+          <a:fillRef idx="1">
+            <a:schemeClr val="accent1"/>
+          </a:fillRef>
+          <a:effectRef idx="0">
+            <a:schemeClr val="accent1"/>
+          </a:effectRef>
+          <a:fontRef idx="minor">
+            <a:schemeClr val="lt1"/>
+          </a:fontRef>
+        </p:style>
+        <p:txBody>
+          <a:bodyPr rtlCol="0" anchor="ctr"/>
+          <a:lstStyle/>
+          <a:p>
+            <a:pPr algn="ctr"/>
+            <a:endParaRPr lang="ko-KR" altLang="en-US"/>
+          </a:p>
+        </p:txBody>
+      </p:sp>
+      <p:sp>
+        <p:nvSpPr>
+          <p:cNvPr id="255" name="이등변 삼각형 254"/>
+          <p:cNvSpPr/>
+          <p:nvPr/>
+        </p:nvSpPr>
+        <p:spPr>
+          <a:xfrm rot="5400000">
+            <a:off x="3712566" y="3520789"/>
+            <a:ext cx="374973" cy="323253"/>
+          </a:xfrm>
+          <a:prstGeom prst="triangle">
+            <a:avLst/>
+          </a:prstGeom>
+          <a:solidFill>
+            <a:schemeClr val="bg1">
+              <a:lumMod val="75000"/>
+            </a:schemeClr>
+          </a:solidFill>
+          <a:ln>
+            <a:noFill/>
+          </a:ln>
+        </p:spPr>
+        <p:style>
+          <a:lnRef idx="2">
+            <a:schemeClr val="accent1">
+              <a:shade val="50000"/>
+            </a:schemeClr>
+          </a:lnRef>
+          <a:fillRef idx="1">
+            <a:schemeClr val="accent1"/>
+          </a:fillRef>
+          <a:effectRef idx="0">
+            <a:schemeClr val="accent1"/>
+          </a:effectRef>
+          <a:fontRef idx="minor">
+            <a:schemeClr val="lt1"/>
+          </a:fontRef>
+        </p:style>
+        <p:txBody>
+          <a:bodyPr rtlCol="0" anchor="ctr"/>
+          <a:lstStyle/>
+          <a:p>
+            <a:pPr algn="ctr"/>
+            <a:endParaRPr lang="ko-KR" altLang="en-US"/>
+          </a:p>
+        </p:txBody>
+      </p:sp>
+      <p:cxnSp>
+        <p:nvCxnSpPr>
+          <p:cNvPr id="120" name="직선 연결선 119"/>
+          <p:cNvCxnSpPr>
+            <a:cxnSpLocks/>
+          </p:cNvCxnSpPr>
+          <p:nvPr/>
+        </p:nvCxnSpPr>
+        <p:spPr>
+          <a:xfrm>
+            <a:off x="0" y="627709"/>
+            <a:ext cx="12192000" cy="0"/>
+          </a:xfrm>
+          <a:prstGeom prst="line">
+            <a:avLst/>
+          </a:prstGeom>
+          <a:ln w="12700">
+            <a:solidFill>
+              <a:schemeClr val="tx1">
+                <a:lumMod val="50000"/>
+                <a:lumOff val="50000"/>
+              </a:schemeClr>
+            </a:solidFill>
+          </a:ln>
+        </p:spPr>
+        <p:style>
+          <a:lnRef idx="1">
+            <a:schemeClr val="dk1"/>
+          </a:lnRef>
+          <a:fillRef idx="0">
+            <a:schemeClr val="dk1"/>
+          </a:fillRef>
+          <a:effectRef idx="0">
+            <a:schemeClr val="dk1"/>
+          </a:effectRef>
+          <a:fontRef idx="minor">
+            <a:schemeClr val="tx1"/>
+          </a:fontRef>
+        </p:style>
+      </p:cxnSp>
+      <p:sp>
+        <p:nvSpPr>
+          <p:cNvPr id="121" name="TextBox 120"/>
+          <p:cNvSpPr txBox="1"/>
+          <p:nvPr/>
+        </p:nvSpPr>
+        <p:spPr>
+          <a:xfrm>
+            <a:off x="85152" y="122186"/>
+            <a:ext cx="758541" cy="400110"/>
+          </a:xfrm>
+          <a:prstGeom prst="rect">
+            <a:avLst/>
+          </a:prstGeom>
+          <a:noFill/>
+        </p:spPr>
+        <p:txBody>
+          <a:bodyPr wrap="none" rtlCol="0">
+            <a:spAutoFit/>
+          </a:bodyPr>
+          <a:lstStyle/>
+          <a:p>
+            <a:r>
+              <a:rPr lang="en-US" altLang="ko-KR" sz="2000" b="1" dirty="0" smtClean="0"/>
+              <a:t>6. UI</a:t>
+            </a:r>
+            <a:endParaRPr lang="ko-KR" altLang="en-US" sz="1400" dirty="0"/>
+          </a:p>
+        </p:txBody>
+      </p:sp>
+      <p:sp>
+        <p:nvSpPr>
+          <p:cNvPr id="122" name="TextBox 121"/>
+          <p:cNvSpPr txBox="1"/>
+          <p:nvPr/>
+        </p:nvSpPr>
+        <p:spPr>
+          <a:xfrm>
+            <a:off x="0" y="627708"/>
+            <a:ext cx="6515803" cy="323165"/>
+          </a:xfrm>
+          <a:prstGeom prst="rect">
+            <a:avLst/>
+          </a:prstGeom>
+          <a:noFill/>
+        </p:spPr>
+        <p:txBody>
+          <a:bodyPr wrap="square" rtlCol="0">
+            <a:spAutoFit/>
+          </a:bodyPr>
+          <a:lstStyle/>
+          <a:p>
+            <a:pPr marL="171450" indent="-171450">
+              <a:lnSpc>
+                <a:spcPct val="150000"/>
+              </a:lnSpc>
+              <a:buFont typeface="Arial" charset="0"/>
+              <a:buChar char="•"/>
+            </a:pPr>
+            <a:r>
+              <a:rPr lang="ko-KR" altLang="en-US" sz="1000" dirty="0" smtClean="0"/>
+              <a:t>참고 이미지</a:t>
+            </a:r>
+            <a:r>
+              <a:rPr lang="en-US" altLang="ko-KR" sz="1000" dirty="0" smtClean="0"/>
+              <a:t>_</a:t>
+            </a:r>
+            <a:r>
+              <a:rPr lang="ko-KR" altLang="en-US" sz="1000" dirty="0" smtClean="0"/>
+              <a:t>레이아웃</a:t>
+            </a:r>
+            <a:endParaRPr lang="en-US" altLang="ko-KR" sz="1000" dirty="0" smtClean="0"/>
+          </a:p>
+        </p:txBody>
+      </p:sp>
+      <p:sp>
+        <p:nvSpPr>
+          <p:cNvPr id="124" name="직사각형 123"/>
+          <p:cNvSpPr/>
+          <p:nvPr/>
+        </p:nvSpPr>
+        <p:spPr>
+          <a:xfrm>
+            <a:off x="2127998" y="1005591"/>
+            <a:ext cx="3532909" cy="5474524"/>
+          </a:xfrm>
+          <a:prstGeom prst="rect">
+            <a:avLst/>
+          </a:prstGeom>
+          <a:noFill/>
+          <a:ln>
+            <a:solidFill>
+              <a:schemeClr val="tx1">
+                <a:lumMod val="50000"/>
+                <a:lumOff val="50000"/>
+              </a:schemeClr>
+            </a:solidFill>
+          </a:ln>
+        </p:spPr>
+        <p:style>
+          <a:lnRef idx="2">
+            <a:schemeClr val="accent1">
+              <a:shade val="50000"/>
+            </a:schemeClr>
+          </a:lnRef>
+          <a:fillRef idx="1">
+            <a:schemeClr val="accent1"/>
+          </a:fillRef>
+          <a:effectRef idx="0">
+            <a:schemeClr val="accent1"/>
+          </a:effectRef>
+          <a:fontRef idx="minor">
+            <a:schemeClr val="lt1"/>
+          </a:fontRef>
+        </p:style>
+        <p:txBody>
+          <a:bodyPr rtlCol="0" anchor="ctr"/>
+          <a:lstStyle/>
+          <a:p>
+            <a:pPr algn="ctr"/>
+            <a:endParaRPr lang="ko-KR" altLang="en-US"/>
+          </a:p>
+        </p:txBody>
+      </p:sp>
+      <p:sp>
+        <p:nvSpPr>
+          <p:cNvPr id="125" name="TextBox 124"/>
+          <p:cNvSpPr txBox="1"/>
+          <p:nvPr/>
+        </p:nvSpPr>
+        <p:spPr>
+          <a:xfrm>
+            <a:off x="3559901" y="1587213"/>
+            <a:ext cx="466794" cy="261610"/>
+          </a:xfrm>
+          <a:prstGeom prst="rect">
+            <a:avLst/>
+          </a:prstGeom>
+          <a:noFill/>
+        </p:spPr>
+        <p:txBody>
+          <a:bodyPr wrap="none" rtlCol="0">
+            <a:spAutoFit/>
+          </a:bodyPr>
+          <a:lstStyle/>
+          <a:p>
+            <a:r>
+              <a:rPr lang="ko-KR" altLang="en-US" sz="1050" b="1" dirty="0" smtClean="0"/>
+              <a:t>음악</a:t>
+            </a:r>
+            <a:endParaRPr lang="ko-KR" altLang="en-US" sz="1050" b="1" dirty="0"/>
+          </a:p>
+        </p:txBody>
+      </p:sp>
+      <p:grpSp>
+        <p:nvGrpSpPr>
+          <p:cNvPr id="126" name="그룹 125"/>
+          <p:cNvGrpSpPr/>
+          <p:nvPr/>
+        </p:nvGrpSpPr>
+        <p:grpSpPr>
+          <a:xfrm>
+            <a:off x="5278029" y="1178791"/>
+            <a:ext cx="195943" cy="159629"/>
+            <a:chOff x="2131621" y="1793174"/>
+            <a:chExt cx="433727" cy="348875"/>
+          </a:xfrm>
+        </p:grpSpPr>
+        <p:sp>
+          <p:nvSpPr>
+            <p:cNvPr id="127" name="원형: 비어 있음 18"/>
+            <p:cNvSpPr/>
+            <p:nvPr/>
+          </p:nvSpPr>
+          <p:spPr>
+            <a:xfrm>
+              <a:off x="2131621" y="1793174"/>
+              <a:ext cx="332509" cy="332509"/>
+            </a:xfrm>
+            <a:prstGeom prst="donut">
+              <a:avLst>
+                <a:gd name="adj" fmla="val 16024"/>
+              </a:avLst>
+            </a:prstGeom>
+            <a:solidFill>
+              <a:schemeClr val="tx1">
+                <a:lumMod val="50000"/>
+                <a:lumOff val="50000"/>
+              </a:schemeClr>
+            </a:solidFill>
+            <a:ln>
+              <a:noFill/>
+            </a:ln>
+          </p:spPr>
+          <p:style>
+            <a:lnRef idx="2">
+              <a:schemeClr val="accent1">
+                <a:shade val="50000"/>
+              </a:schemeClr>
+            </a:lnRef>
+            <a:fillRef idx="1">
+              <a:schemeClr val="accent1"/>
+            </a:fillRef>
+            <a:effectRef idx="0">
+              <a:schemeClr val="accent1"/>
+            </a:effectRef>
+            <a:fontRef idx="minor">
+              <a:schemeClr val="lt1"/>
+            </a:fontRef>
+          </p:style>
+          <p:txBody>
+            <a:bodyPr rtlCol="0" anchor="ctr"/>
+            <a:lstStyle/>
+            <a:p>
+              <a:pPr algn="ctr"/>
+              <a:endParaRPr lang="ko-KR" altLang="en-US">
+                <a:solidFill>
+                  <a:schemeClr val="tx1"/>
+                </a:solidFill>
+              </a:endParaRPr>
+            </a:p>
+          </p:txBody>
+        </p:sp>
+        <p:sp>
+          <p:nvSpPr>
+            <p:cNvPr id="128" name="사각형: 둥근 모서리 19"/>
+            <p:cNvSpPr/>
+            <p:nvPr/>
+          </p:nvSpPr>
+          <p:spPr>
+            <a:xfrm rot="2346390">
+              <a:off x="2358649" y="2050205"/>
+              <a:ext cx="206699" cy="91844"/>
+            </a:xfrm>
+            <a:prstGeom prst="roundRect">
+              <a:avLst/>
+            </a:prstGeom>
+            <a:solidFill>
+              <a:schemeClr val="tx1">
+                <a:lumMod val="50000"/>
+                <a:lumOff val="50000"/>
+              </a:schemeClr>
+            </a:solidFill>
+            <a:ln>
+              <a:noFill/>
+            </a:ln>
+          </p:spPr>
+          <p:style>
+            <a:lnRef idx="2">
+              <a:schemeClr val="accent1">
+                <a:shade val="50000"/>
+              </a:schemeClr>
+            </a:lnRef>
+            <a:fillRef idx="1">
+              <a:schemeClr val="accent1"/>
+            </a:fillRef>
+            <a:effectRef idx="0">
+              <a:schemeClr val="accent1"/>
+            </a:effectRef>
+            <a:fontRef idx="minor">
+              <a:schemeClr val="lt1"/>
+            </a:fontRef>
+          </p:style>
+          <p:txBody>
+            <a:bodyPr rtlCol="0" anchor="ctr"/>
+            <a:lstStyle/>
+            <a:p>
+              <a:pPr algn="ctr"/>
+              <a:endParaRPr lang="ko-KR" altLang="en-US"/>
+            </a:p>
+          </p:txBody>
+        </p:sp>
+      </p:grpSp>
+      <p:cxnSp>
+        <p:nvCxnSpPr>
+          <p:cNvPr id="129" name="직선 연결선 128"/>
+          <p:cNvCxnSpPr/>
+          <p:nvPr/>
+        </p:nvCxnSpPr>
+        <p:spPr>
+          <a:xfrm>
+            <a:off x="3098905" y="1375138"/>
+            <a:ext cx="2113808" cy="0"/>
+          </a:xfrm>
+          <a:prstGeom prst="line">
+            <a:avLst/>
+          </a:prstGeom>
+          <a:ln>
+            <a:solidFill>
+              <a:schemeClr val="tx1">
+                <a:lumMod val="50000"/>
+                <a:lumOff val="50000"/>
+              </a:schemeClr>
+            </a:solidFill>
+          </a:ln>
+        </p:spPr>
+        <p:style>
+          <a:lnRef idx="1">
+            <a:schemeClr val="accent1"/>
+          </a:lnRef>
+          <a:fillRef idx="0">
+            <a:schemeClr val="accent1"/>
+          </a:fillRef>
+          <a:effectRef idx="0">
+            <a:schemeClr val="accent1"/>
+          </a:effectRef>
+          <a:fontRef idx="minor">
+            <a:schemeClr val="tx1"/>
+          </a:fontRef>
+        </p:style>
+      </p:cxnSp>
+      <p:sp>
+        <p:nvSpPr>
+          <p:cNvPr id="130" name="TextBox 129"/>
+          <p:cNvSpPr txBox="1"/>
+          <p:nvPr/>
+        </p:nvSpPr>
+        <p:spPr>
+          <a:xfrm>
+            <a:off x="2930235" y="1588931"/>
+            <a:ext cx="328936" cy="253916"/>
+          </a:xfrm>
+          <a:prstGeom prst="rect">
+            <a:avLst/>
+          </a:prstGeom>
+          <a:noFill/>
+        </p:spPr>
+        <p:txBody>
+          <a:bodyPr wrap="none" rtlCol="0">
+            <a:spAutoFit/>
+          </a:bodyPr>
+          <a:lstStyle/>
+          <a:p>
+            <a:r>
+              <a:rPr lang="en-US" altLang="ko-KR" sz="1050" b="1" dirty="0" smtClean="0">
+                <a:solidFill>
+                  <a:schemeClr val="bg1">
+                    <a:lumMod val="65000"/>
+                  </a:schemeClr>
+                </a:solidFill>
+              </a:rPr>
+              <a:t>BJ</a:t>
+            </a:r>
+            <a:endParaRPr lang="ko-KR" altLang="en-US" sz="1050" b="1" dirty="0">
+              <a:solidFill>
+                <a:schemeClr val="bg1">
+                  <a:lumMod val="65000"/>
+                </a:schemeClr>
+              </a:solidFill>
+            </a:endParaRPr>
+          </a:p>
+        </p:txBody>
+      </p:sp>
+      <p:sp>
+        <p:nvSpPr>
+          <p:cNvPr id="131" name="TextBox 130"/>
+          <p:cNvSpPr txBox="1"/>
+          <p:nvPr/>
+        </p:nvSpPr>
+        <p:spPr>
+          <a:xfrm>
+            <a:off x="4210684" y="1588931"/>
+            <a:ext cx="588623" cy="253916"/>
+          </a:xfrm>
+          <a:prstGeom prst="rect">
+            <a:avLst/>
+          </a:prstGeom>
+          <a:noFill/>
+        </p:spPr>
+        <p:txBody>
+          <a:bodyPr wrap="none" rtlCol="0">
+            <a:spAutoFit/>
+          </a:bodyPr>
+          <a:lstStyle/>
+          <a:p>
+            <a:r>
+              <a:rPr lang="ko-KR" altLang="en-US" sz="1050" b="1" dirty="0">
+                <a:solidFill>
+                  <a:schemeClr val="bg1">
+                    <a:lumMod val="65000"/>
+                  </a:schemeClr>
+                </a:solidFill>
+              </a:rPr>
+              <a:t>실시간</a:t>
+            </a:r>
+          </a:p>
+        </p:txBody>
+      </p:sp>
+      <p:sp>
+        <p:nvSpPr>
+          <p:cNvPr id="132" name="TextBox 131"/>
+          <p:cNvSpPr txBox="1"/>
+          <p:nvPr/>
+        </p:nvSpPr>
+        <p:spPr>
+          <a:xfrm>
+            <a:off x="2249240" y="1584814"/>
+            <a:ext cx="453970" cy="253916"/>
+          </a:xfrm>
+          <a:prstGeom prst="rect">
+            <a:avLst/>
+          </a:prstGeom>
+          <a:noFill/>
+        </p:spPr>
+        <p:txBody>
+          <a:bodyPr wrap="none" rtlCol="0">
+            <a:spAutoFit/>
+          </a:bodyPr>
+          <a:lstStyle/>
+          <a:p>
+            <a:r>
+              <a:rPr lang="ko-KR" altLang="en-US" sz="1050" b="1" dirty="0">
+                <a:solidFill>
+                  <a:schemeClr val="bg1">
+                    <a:lumMod val="65000"/>
+                  </a:schemeClr>
+                </a:solidFill>
+              </a:rPr>
+              <a:t>인기</a:t>
+            </a:r>
+          </a:p>
+        </p:txBody>
+      </p:sp>
+      <p:cxnSp>
+        <p:nvCxnSpPr>
+          <p:cNvPr id="133" name="직선 연결선 132"/>
+          <p:cNvCxnSpPr>
+            <a:cxnSpLocks/>
+          </p:cNvCxnSpPr>
+          <p:nvPr/>
+        </p:nvCxnSpPr>
+        <p:spPr>
+          <a:xfrm flipH="1">
+            <a:off x="2127998" y="1926484"/>
+            <a:ext cx="3544111" cy="0"/>
+          </a:xfrm>
+          <a:prstGeom prst="line">
+            <a:avLst/>
+          </a:prstGeom>
+          <a:ln w="28575">
+            <a:solidFill>
+              <a:schemeClr val="bg1">
+                <a:lumMod val="85000"/>
+              </a:schemeClr>
+            </a:solidFill>
+          </a:ln>
+        </p:spPr>
+        <p:style>
+          <a:lnRef idx="1">
+            <a:schemeClr val="accent1"/>
+          </a:lnRef>
+          <a:fillRef idx="0">
+            <a:schemeClr val="accent1"/>
+          </a:fillRef>
+          <a:effectRef idx="0">
+            <a:schemeClr val="accent1"/>
+          </a:effectRef>
+          <a:fontRef idx="minor">
+            <a:schemeClr val="tx1"/>
+          </a:fontRef>
+        </p:style>
+      </p:cxnSp>
+      <p:grpSp>
+        <p:nvGrpSpPr>
+          <p:cNvPr id="160" name="그룹 159"/>
+          <p:cNvGrpSpPr/>
+          <p:nvPr/>
+        </p:nvGrpSpPr>
+        <p:grpSpPr>
+          <a:xfrm rot="5400000">
+            <a:off x="3652323" y="4169904"/>
+            <a:ext cx="3921522" cy="2374"/>
+            <a:chOff x="8393749" y="3862854"/>
+            <a:chExt cx="3544111" cy="73705867"/>
+          </a:xfrm>
+        </p:grpSpPr>
+        <p:cxnSp>
+          <p:nvCxnSpPr>
+            <p:cNvPr id="161" name="직선 연결선 160"/>
+            <p:cNvCxnSpPr>
+              <a:cxnSpLocks/>
+            </p:cNvCxnSpPr>
+            <p:nvPr/>
+          </p:nvCxnSpPr>
+          <p:spPr>
+            <a:xfrm flipH="1">
+              <a:off x="8393749" y="3862854"/>
+              <a:ext cx="3544111" cy="0"/>
+            </a:xfrm>
+            <a:prstGeom prst="line">
+              <a:avLst/>
+            </a:prstGeom>
+            <a:ln w="28575">
+              <a:solidFill>
+                <a:schemeClr val="bg1">
+                  <a:lumMod val="85000"/>
+                </a:schemeClr>
+              </a:solidFill>
+            </a:ln>
+          </p:spPr>
+          <p:style>
+            <a:lnRef idx="1">
+              <a:schemeClr val="accent1"/>
+            </a:lnRef>
+            <a:fillRef idx="0">
+              <a:schemeClr val="accent1"/>
+            </a:fillRef>
+            <a:effectRef idx="0">
+              <a:schemeClr val="accent1"/>
+            </a:effectRef>
+            <a:fontRef idx="minor">
+              <a:schemeClr val="tx1"/>
+            </a:fontRef>
+          </p:style>
+        </p:cxnSp>
+        <p:cxnSp>
+          <p:nvCxnSpPr>
+            <p:cNvPr id="162" name="직선 연결선 161"/>
+            <p:cNvCxnSpPr>
+              <a:cxnSpLocks/>
+            </p:cNvCxnSpPr>
+            <p:nvPr/>
+          </p:nvCxnSpPr>
+          <p:spPr>
+            <a:xfrm flipH="1">
+              <a:off x="8854184" y="77568721"/>
+              <a:ext cx="453970" cy="0"/>
+            </a:xfrm>
+            <a:prstGeom prst="line">
+              <a:avLst/>
+            </a:prstGeom>
+            <a:ln w="28575">
+              <a:solidFill>
+                <a:schemeClr val="tx1">
+                  <a:lumMod val="50000"/>
+                  <a:lumOff val="50000"/>
+                </a:schemeClr>
+              </a:solidFill>
+            </a:ln>
+          </p:spPr>
+          <p:style>
+            <a:lnRef idx="1">
+              <a:schemeClr val="accent1"/>
+            </a:lnRef>
+            <a:fillRef idx="0">
+              <a:schemeClr val="accent1"/>
+            </a:fillRef>
+            <a:effectRef idx="0">
+              <a:schemeClr val="accent1"/>
+            </a:effectRef>
+            <a:fontRef idx="minor">
+              <a:schemeClr val="tx1"/>
+            </a:fontRef>
+          </p:style>
+        </p:cxnSp>
+      </p:grpSp>
+      <p:sp>
+        <p:nvSpPr>
+          <p:cNvPr id="163" name="TextBox 162"/>
+          <p:cNvSpPr txBox="1"/>
+          <p:nvPr/>
+        </p:nvSpPr>
+        <p:spPr>
+          <a:xfrm>
+            <a:off x="2958719" y="1960316"/>
+            <a:ext cx="453970" cy="253916"/>
+          </a:xfrm>
+          <a:prstGeom prst="rect">
+            <a:avLst/>
+          </a:prstGeom>
+          <a:noFill/>
+        </p:spPr>
+        <p:txBody>
+          <a:bodyPr wrap="none" rtlCol="0">
+            <a:spAutoFit/>
+          </a:bodyPr>
+          <a:lstStyle/>
+          <a:p>
+            <a:r>
+              <a:rPr lang="ko-KR" altLang="en-US" sz="1050" b="1" dirty="0" smtClean="0">
+                <a:solidFill>
+                  <a:schemeClr val="bg1">
+                    <a:lumMod val="65000"/>
+                  </a:schemeClr>
+                </a:solidFill>
+              </a:rPr>
+              <a:t>최신</a:t>
+            </a:r>
+            <a:endParaRPr lang="ko-KR" altLang="en-US" sz="1050" b="1" dirty="0">
+              <a:solidFill>
+                <a:schemeClr val="bg1">
+                  <a:lumMod val="65000"/>
+                </a:schemeClr>
+              </a:solidFill>
+            </a:endParaRPr>
+          </a:p>
+        </p:txBody>
+      </p:sp>
+      <p:sp>
+        <p:nvSpPr>
+          <p:cNvPr id="164" name="TextBox 163"/>
+          <p:cNvSpPr txBox="1"/>
+          <p:nvPr/>
+        </p:nvSpPr>
+        <p:spPr>
+          <a:xfrm>
+            <a:off x="2474445" y="1966833"/>
+            <a:ext cx="453970" cy="253916"/>
+          </a:xfrm>
+          <a:prstGeom prst="rect">
+            <a:avLst/>
+          </a:prstGeom>
+          <a:noFill/>
+        </p:spPr>
+        <p:txBody>
+          <a:bodyPr wrap="none" rtlCol="0">
+            <a:spAutoFit/>
+          </a:bodyPr>
+          <a:lstStyle/>
+          <a:p>
+            <a:r>
+              <a:rPr lang="ko-KR" altLang="en-US" sz="1050" b="1" dirty="0" smtClean="0"/>
+              <a:t>인기</a:t>
+            </a:r>
+            <a:endParaRPr lang="ko-KR" altLang="en-US" sz="1050" b="1" dirty="0"/>
+          </a:p>
+        </p:txBody>
+      </p:sp>
+      <p:sp>
+        <p:nvSpPr>
+          <p:cNvPr id="165" name="TextBox 164"/>
+          <p:cNvSpPr txBox="1"/>
+          <p:nvPr/>
+        </p:nvSpPr>
+        <p:spPr>
+          <a:xfrm>
+            <a:off x="3437406" y="1966833"/>
+            <a:ext cx="319318" cy="253916"/>
+          </a:xfrm>
+          <a:prstGeom prst="rect">
+            <a:avLst/>
+          </a:prstGeom>
+          <a:noFill/>
+        </p:spPr>
+        <p:txBody>
+          <a:bodyPr wrap="none" rtlCol="0">
+            <a:spAutoFit/>
+          </a:bodyPr>
+          <a:lstStyle/>
+          <a:p>
+            <a:r>
+              <a:rPr lang="ko-KR" altLang="en-US" sz="1050" b="1" dirty="0">
+                <a:solidFill>
+                  <a:schemeClr val="bg1">
+                    <a:lumMod val="65000"/>
+                  </a:schemeClr>
+                </a:solidFill>
+              </a:rPr>
+              <a:t>팝</a:t>
+            </a:r>
+          </a:p>
+        </p:txBody>
+      </p:sp>
+      <p:grpSp>
+        <p:nvGrpSpPr>
+          <p:cNvPr id="166" name="그룹 165"/>
+          <p:cNvGrpSpPr/>
+          <p:nvPr/>
+        </p:nvGrpSpPr>
+        <p:grpSpPr>
+          <a:xfrm>
+            <a:off x="2295700" y="1588591"/>
+            <a:ext cx="320189" cy="250349"/>
+            <a:chOff x="5455622" y="2522852"/>
+            <a:chExt cx="640378" cy="392393"/>
+          </a:xfrm>
+        </p:grpSpPr>
+        <p:sp>
+          <p:nvSpPr>
+            <p:cNvPr id="172" name="직사각형 171"/>
+            <p:cNvSpPr/>
+            <p:nvPr/>
+          </p:nvSpPr>
+          <p:spPr>
+            <a:xfrm>
+              <a:off x="5455622" y="2522852"/>
+              <a:ext cx="640378" cy="392393"/>
+            </a:xfrm>
+            <a:prstGeom prst="rect">
+              <a:avLst/>
+            </a:prstGeom>
+            <a:noFill/>
+            <a:ln>
+              <a:solidFill>
+                <a:schemeClr val="tx1">
+                  <a:lumMod val="50000"/>
+                  <a:lumOff val="50000"/>
+                </a:schemeClr>
+              </a:solidFill>
+            </a:ln>
+          </p:spPr>
+          <p:style>
+            <a:lnRef idx="2">
+              <a:schemeClr val="accent1">
+                <a:shade val="50000"/>
+              </a:schemeClr>
+            </a:lnRef>
+            <a:fillRef idx="1">
+              <a:schemeClr val="accent1"/>
+            </a:fillRef>
+            <a:effectRef idx="0">
+              <a:schemeClr val="accent1"/>
+            </a:effectRef>
+            <a:fontRef idx="minor">
+              <a:schemeClr val="lt1"/>
+            </a:fontRef>
+          </p:style>
+          <p:txBody>
+            <a:bodyPr rtlCol="0" anchor="ctr"/>
+            <a:lstStyle/>
+            <a:p>
+              <a:pPr algn="ctr"/>
+              <a:endParaRPr lang="ko-KR" altLang="en-US"/>
+            </a:p>
+          </p:txBody>
+        </p:sp>
+        <p:cxnSp>
+          <p:nvCxnSpPr>
+            <p:cNvPr id="173" name="직선 연결선 172"/>
+            <p:cNvCxnSpPr>
+              <a:cxnSpLocks/>
+            </p:cNvCxnSpPr>
+            <p:nvPr/>
+          </p:nvCxnSpPr>
+          <p:spPr>
+            <a:xfrm flipH="1">
+              <a:off x="5455622" y="2522852"/>
+              <a:ext cx="640378" cy="392393"/>
+            </a:xfrm>
+            <a:prstGeom prst="line">
+              <a:avLst/>
+            </a:prstGeom>
+            <a:ln>
+              <a:solidFill>
+                <a:schemeClr val="tx1">
+                  <a:lumMod val="50000"/>
+                  <a:lumOff val="50000"/>
+                </a:schemeClr>
+              </a:solidFill>
+            </a:ln>
+          </p:spPr>
+          <p:style>
+            <a:lnRef idx="1">
+              <a:schemeClr val="accent1"/>
+            </a:lnRef>
+            <a:fillRef idx="0">
+              <a:schemeClr val="accent1"/>
+            </a:fillRef>
+            <a:effectRef idx="0">
+              <a:schemeClr val="accent1"/>
+            </a:effectRef>
+            <a:fontRef idx="minor">
+              <a:schemeClr val="tx1"/>
+            </a:fontRef>
+          </p:style>
+        </p:cxnSp>
+      </p:grpSp>
+      <p:grpSp>
+        <p:nvGrpSpPr>
+          <p:cNvPr id="174" name="그룹 173"/>
+          <p:cNvGrpSpPr/>
+          <p:nvPr/>
+        </p:nvGrpSpPr>
+        <p:grpSpPr>
+          <a:xfrm>
+            <a:off x="3606526" y="1586598"/>
+            <a:ext cx="320189" cy="250349"/>
+            <a:chOff x="5455622" y="2522852"/>
+            <a:chExt cx="640378" cy="392393"/>
+          </a:xfrm>
+        </p:grpSpPr>
+        <p:sp>
+          <p:nvSpPr>
+            <p:cNvPr id="175" name="직사각형 174"/>
+            <p:cNvSpPr/>
+            <p:nvPr/>
+          </p:nvSpPr>
+          <p:spPr>
+            <a:xfrm>
+              <a:off x="5455622" y="2522852"/>
+              <a:ext cx="640378" cy="392393"/>
+            </a:xfrm>
+            <a:prstGeom prst="rect">
+              <a:avLst/>
+            </a:prstGeom>
+            <a:noFill/>
+            <a:ln>
+              <a:solidFill>
+                <a:schemeClr val="tx1">
+                  <a:lumMod val="50000"/>
+                  <a:lumOff val="50000"/>
+                </a:schemeClr>
+              </a:solidFill>
+            </a:ln>
+          </p:spPr>
+          <p:style>
+            <a:lnRef idx="2">
+              <a:schemeClr val="accent1">
+                <a:shade val="50000"/>
+              </a:schemeClr>
+            </a:lnRef>
+            <a:fillRef idx="1">
+              <a:schemeClr val="accent1"/>
+            </a:fillRef>
+            <a:effectRef idx="0">
+              <a:schemeClr val="accent1"/>
+            </a:effectRef>
+            <a:fontRef idx="minor">
+              <a:schemeClr val="lt1"/>
+            </a:fontRef>
+          </p:style>
+          <p:txBody>
+            <a:bodyPr rtlCol="0" anchor="ctr"/>
+            <a:lstStyle/>
+            <a:p>
+              <a:pPr algn="ctr"/>
+              <a:endParaRPr lang="ko-KR" altLang="en-US"/>
+            </a:p>
+          </p:txBody>
+        </p:sp>
+        <p:cxnSp>
+          <p:nvCxnSpPr>
+            <p:cNvPr id="176" name="직선 연결선 175"/>
+            <p:cNvCxnSpPr>
+              <a:cxnSpLocks/>
+            </p:cNvCxnSpPr>
+            <p:nvPr/>
+          </p:nvCxnSpPr>
+          <p:spPr>
+            <a:xfrm flipH="1">
+              <a:off x="5455622" y="2522852"/>
+              <a:ext cx="640378" cy="392393"/>
+            </a:xfrm>
+            <a:prstGeom prst="line">
+              <a:avLst/>
+            </a:prstGeom>
+            <a:ln>
+              <a:solidFill>
+                <a:schemeClr val="tx1">
+                  <a:lumMod val="50000"/>
+                  <a:lumOff val="50000"/>
+                </a:schemeClr>
+              </a:solidFill>
+            </a:ln>
+          </p:spPr>
+          <p:style>
+            <a:lnRef idx="1">
+              <a:schemeClr val="accent1"/>
+            </a:lnRef>
+            <a:fillRef idx="0">
+              <a:schemeClr val="accent1"/>
+            </a:fillRef>
+            <a:effectRef idx="0">
+              <a:schemeClr val="accent1"/>
+            </a:effectRef>
+            <a:fontRef idx="minor">
+              <a:schemeClr val="tx1"/>
+            </a:fontRef>
+          </p:style>
+        </p:cxnSp>
+      </p:grpSp>
+      <p:grpSp>
+        <p:nvGrpSpPr>
+          <p:cNvPr id="177" name="그룹 176"/>
+          <p:cNvGrpSpPr/>
+          <p:nvPr/>
+        </p:nvGrpSpPr>
+        <p:grpSpPr>
+          <a:xfrm>
+            <a:off x="2925051" y="1588526"/>
+            <a:ext cx="320189" cy="250349"/>
+            <a:chOff x="5455622" y="2522852"/>
+            <a:chExt cx="640378" cy="392393"/>
+          </a:xfrm>
+        </p:grpSpPr>
+        <p:sp>
+          <p:nvSpPr>
+            <p:cNvPr id="178" name="직사각형 177"/>
+            <p:cNvSpPr/>
+            <p:nvPr/>
+          </p:nvSpPr>
+          <p:spPr>
+            <a:xfrm>
+              <a:off x="5455622" y="2522852"/>
+              <a:ext cx="640378" cy="392393"/>
+            </a:xfrm>
+            <a:prstGeom prst="rect">
+              <a:avLst/>
+            </a:prstGeom>
+            <a:noFill/>
+            <a:ln>
+              <a:solidFill>
+                <a:schemeClr val="tx1">
+                  <a:lumMod val="50000"/>
+                  <a:lumOff val="50000"/>
+                </a:schemeClr>
+              </a:solidFill>
+            </a:ln>
+          </p:spPr>
+          <p:style>
+            <a:lnRef idx="2">
+              <a:schemeClr val="accent1">
+                <a:shade val="50000"/>
+              </a:schemeClr>
+            </a:lnRef>
+            <a:fillRef idx="1">
+              <a:schemeClr val="accent1"/>
+            </a:fillRef>
+            <a:effectRef idx="0">
+              <a:schemeClr val="accent1"/>
+            </a:effectRef>
+            <a:fontRef idx="minor">
+              <a:schemeClr val="lt1"/>
+            </a:fontRef>
+          </p:style>
+          <p:txBody>
+            <a:bodyPr rtlCol="0" anchor="ctr"/>
+            <a:lstStyle/>
+            <a:p>
+              <a:pPr algn="ctr"/>
+              <a:endParaRPr lang="ko-KR" altLang="en-US"/>
+            </a:p>
+          </p:txBody>
+        </p:sp>
+        <p:cxnSp>
+          <p:nvCxnSpPr>
+            <p:cNvPr id="179" name="직선 연결선 178"/>
+            <p:cNvCxnSpPr>
+              <a:cxnSpLocks/>
+            </p:cNvCxnSpPr>
+            <p:nvPr/>
+          </p:nvCxnSpPr>
+          <p:spPr>
+            <a:xfrm flipH="1">
+              <a:off x="5455622" y="2522852"/>
+              <a:ext cx="640378" cy="392393"/>
+            </a:xfrm>
+            <a:prstGeom prst="line">
+              <a:avLst/>
+            </a:prstGeom>
+            <a:ln>
+              <a:solidFill>
+                <a:schemeClr val="tx1">
+                  <a:lumMod val="50000"/>
+                  <a:lumOff val="50000"/>
+                </a:schemeClr>
+              </a:solidFill>
+            </a:ln>
+          </p:spPr>
+          <p:style>
+            <a:lnRef idx="1">
+              <a:schemeClr val="accent1"/>
+            </a:lnRef>
+            <a:fillRef idx="0">
+              <a:schemeClr val="accent1"/>
+            </a:fillRef>
+            <a:effectRef idx="0">
+              <a:schemeClr val="accent1"/>
+            </a:effectRef>
+            <a:fontRef idx="minor">
+              <a:schemeClr val="tx1"/>
+            </a:fontRef>
+          </p:style>
+        </p:cxnSp>
+      </p:grpSp>
+      <p:grpSp>
+        <p:nvGrpSpPr>
+          <p:cNvPr id="180" name="그룹 179"/>
+          <p:cNvGrpSpPr/>
+          <p:nvPr/>
+        </p:nvGrpSpPr>
+        <p:grpSpPr>
+          <a:xfrm>
+            <a:off x="4213858" y="1597853"/>
+            <a:ext cx="532953" cy="250349"/>
+            <a:chOff x="5455622" y="2522852"/>
+            <a:chExt cx="640378" cy="392393"/>
+          </a:xfrm>
+        </p:grpSpPr>
+        <p:sp>
+          <p:nvSpPr>
+            <p:cNvPr id="181" name="직사각형 180"/>
+            <p:cNvSpPr/>
+            <p:nvPr/>
+          </p:nvSpPr>
+          <p:spPr>
+            <a:xfrm>
+              <a:off x="5455622" y="2522852"/>
+              <a:ext cx="640378" cy="392393"/>
+            </a:xfrm>
+            <a:prstGeom prst="rect">
+              <a:avLst/>
+            </a:prstGeom>
+            <a:noFill/>
+            <a:ln>
+              <a:solidFill>
+                <a:schemeClr val="tx1">
+                  <a:lumMod val="50000"/>
+                  <a:lumOff val="50000"/>
+                </a:schemeClr>
+              </a:solidFill>
+            </a:ln>
+          </p:spPr>
+          <p:style>
+            <a:lnRef idx="2">
+              <a:schemeClr val="accent1">
+                <a:shade val="50000"/>
+              </a:schemeClr>
+            </a:lnRef>
+            <a:fillRef idx="1">
+              <a:schemeClr val="accent1"/>
+            </a:fillRef>
+            <a:effectRef idx="0">
+              <a:schemeClr val="accent1"/>
+            </a:effectRef>
+            <a:fontRef idx="minor">
+              <a:schemeClr val="lt1"/>
+            </a:fontRef>
+          </p:style>
+          <p:txBody>
+            <a:bodyPr rtlCol="0" anchor="ctr"/>
+            <a:lstStyle/>
+            <a:p>
+              <a:pPr algn="ctr"/>
+              <a:endParaRPr lang="ko-KR" altLang="en-US"/>
+            </a:p>
+          </p:txBody>
+        </p:sp>
+        <p:cxnSp>
+          <p:nvCxnSpPr>
+            <p:cNvPr id="183" name="직선 연결선 182"/>
+            <p:cNvCxnSpPr>
+              <a:cxnSpLocks/>
+            </p:cNvCxnSpPr>
+            <p:nvPr/>
+          </p:nvCxnSpPr>
+          <p:spPr>
+            <a:xfrm flipH="1">
+              <a:off x="5455622" y="2522852"/>
+              <a:ext cx="640378" cy="392393"/>
+            </a:xfrm>
+            <a:prstGeom prst="line">
+              <a:avLst/>
+            </a:prstGeom>
+            <a:ln>
+              <a:solidFill>
+                <a:schemeClr val="tx1">
+                  <a:lumMod val="50000"/>
+                  <a:lumOff val="50000"/>
+                </a:schemeClr>
+              </a:solidFill>
+            </a:ln>
+          </p:spPr>
+          <p:style>
+            <a:lnRef idx="1">
+              <a:schemeClr val="accent1"/>
+            </a:lnRef>
+            <a:fillRef idx="0">
+              <a:schemeClr val="accent1"/>
+            </a:fillRef>
+            <a:effectRef idx="0">
+              <a:schemeClr val="accent1"/>
+            </a:effectRef>
+            <a:fontRef idx="minor">
+              <a:schemeClr val="tx1"/>
+            </a:fontRef>
+          </p:style>
+        </p:cxnSp>
+      </p:grpSp>
+      <p:sp>
+        <p:nvSpPr>
+          <p:cNvPr id="222" name="직사각형 221"/>
+          <p:cNvSpPr/>
+          <p:nvPr/>
+        </p:nvSpPr>
+        <p:spPr>
+          <a:xfrm>
+            <a:off x="2131387" y="6131852"/>
+            <a:ext cx="3540722" cy="340901"/>
+          </a:xfrm>
+          <a:prstGeom prst="rect">
+            <a:avLst/>
+          </a:prstGeom>
+          <a:solidFill>
+            <a:schemeClr val="bg1">
+              <a:lumMod val="95000"/>
+            </a:schemeClr>
+          </a:solidFill>
+          <a:ln>
+            <a:solidFill>
+              <a:schemeClr val="tx1">
+                <a:lumMod val="50000"/>
+                <a:lumOff val="50000"/>
+              </a:schemeClr>
+            </a:solidFill>
+          </a:ln>
+        </p:spPr>
+        <p:style>
+          <a:lnRef idx="2">
+            <a:schemeClr val="accent1">
+              <a:shade val="50000"/>
+            </a:schemeClr>
+          </a:lnRef>
+          <a:fillRef idx="1">
+            <a:schemeClr val="accent1"/>
+          </a:fillRef>
+          <a:effectRef idx="0">
+            <a:schemeClr val="accent1"/>
+          </a:effectRef>
+          <a:fontRef idx="minor">
+            <a:schemeClr val="lt1"/>
+          </a:fontRef>
+        </p:style>
+        <p:txBody>
+          <a:bodyPr rtlCol="0" anchor="ctr"/>
+          <a:lstStyle/>
+          <a:p>
+            <a:pPr algn="ctr"/>
+            <a:endParaRPr lang="ko-KR" altLang="en-US"/>
+          </a:p>
+        </p:txBody>
+      </p:sp>
+      <p:sp>
+        <p:nvSpPr>
+          <p:cNvPr id="227" name="TextBox 226"/>
+          <p:cNvSpPr txBox="1"/>
+          <p:nvPr/>
+        </p:nvSpPr>
+        <p:spPr>
+          <a:xfrm>
+            <a:off x="3617834" y="6155595"/>
+            <a:ext cx="486348" cy="293414"/>
+          </a:xfrm>
+          <a:prstGeom prst="rect">
+            <a:avLst/>
+          </a:prstGeom>
+          <a:noFill/>
+        </p:spPr>
+        <p:txBody>
+          <a:bodyPr wrap="square" rtlCol="0">
+            <a:spAutoFit/>
+          </a:bodyPr>
+          <a:lstStyle/>
+          <a:p>
+            <a:pPr algn="ctr">
+              <a:lnSpc>
+                <a:spcPct val="150000"/>
+              </a:lnSpc>
+            </a:pPr>
+            <a:r>
+              <a:rPr lang="ko-KR" altLang="en-US" sz="1000" dirty="0" smtClean="0">
+                <a:solidFill>
+                  <a:schemeClr val="bg1">
+                    <a:lumMod val="65000"/>
+                  </a:schemeClr>
+                </a:solidFill>
+              </a:rPr>
+              <a:t>광고</a:t>
+            </a:r>
+            <a:endParaRPr lang="en-US" altLang="ko-KR" sz="1000" dirty="0" smtClean="0">
+              <a:solidFill>
+                <a:schemeClr val="bg1">
+                  <a:lumMod val="65000"/>
+                </a:schemeClr>
+              </a:solidFill>
+            </a:endParaRPr>
+          </a:p>
+        </p:txBody>
+      </p:sp>
+      <p:sp>
+        <p:nvSpPr>
+          <p:cNvPr id="229" name="TextBox 228"/>
+          <p:cNvSpPr txBox="1"/>
+          <p:nvPr/>
+        </p:nvSpPr>
+        <p:spPr>
+          <a:xfrm>
+            <a:off x="2325443" y="1129958"/>
+            <a:ext cx="453970" cy="253916"/>
+          </a:xfrm>
+          <a:prstGeom prst="rect">
+            <a:avLst/>
+          </a:prstGeom>
+          <a:noFill/>
+        </p:spPr>
+        <p:txBody>
+          <a:bodyPr wrap="none" rtlCol="0">
+            <a:spAutoFit/>
+          </a:bodyPr>
+          <a:lstStyle/>
+          <a:p>
+            <a:r>
+              <a:rPr lang="ko-KR" altLang="en-US" sz="1050" b="1" dirty="0">
+                <a:solidFill>
+                  <a:schemeClr val="bg1">
+                    <a:lumMod val="65000"/>
+                  </a:schemeClr>
+                </a:solidFill>
+              </a:rPr>
+              <a:t>로고</a:t>
+            </a:r>
+          </a:p>
+        </p:txBody>
+      </p:sp>
+      <p:sp>
+        <p:nvSpPr>
+          <p:cNvPr id="230" name="직사각형 229"/>
+          <p:cNvSpPr/>
+          <p:nvPr/>
+        </p:nvSpPr>
+        <p:spPr>
+          <a:xfrm>
+            <a:off x="2238651" y="1064567"/>
+            <a:ext cx="640378" cy="392393"/>
+          </a:xfrm>
+          <a:prstGeom prst="rect">
+            <a:avLst/>
+          </a:prstGeom>
+          <a:noFill/>
+          <a:ln>
+            <a:solidFill>
+              <a:schemeClr val="tx1">
+                <a:lumMod val="50000"/>
+                <a:lumOff val="50000"/>
+              </a:schemeClr>
+            </a:solidFill>
+          </a:ln>
+        </p:spPr>
+        <p:style>
+          <a:lnRef idx="2">
+            <a:schemeClr val="accent1">
+              <a:shade val="50000"/>
+            </a:schemeClr>
+          </a:lnRef>
+          <a:fillRef idx="1">
+            <a:schemeClr val="accent1"/>
+          </a:fillRef>
+          <a:effectRef idx="0">
+            <a:schemeClr val="accent1"/>
+          </a:effectRef>
+          <a:fontRef idx="minor">
+            <a:schemeClr val="lt1"/>
+          </a:fontRef>
+        </p:style>
+        <p:txBody>
+          <a:bodyPr rtlCol="0" anchor="ctr"/>
+          <a:lstStyle/>
+          <a:p>
+            <a:pPr algn="ctr"/>
+            <a:endParaRPr lang="ko-KR" altLang="en-US"/>
+          </a:p>
+        </p:txBody>
+      </p:sp>
+      <p:cxnSp>
+        <p:nvCxnSpPr>
+          <p:cNvPr id="231" name="직선 연결선 230"/>
+          <p:cNvCxnSpPr>
+            <a:cxnSpLocks/>
+          </p:cNvCxnSpPr>
+          <p:nvPr/>
+        </p:nvCxnSpPr>
+        <p:spPr>
+          <a:xfrm flipH="1">
+            <a:off x="2238651" y="1064567"/>
+            <a:ext cx="640378" cy="392393"/>
+          </a:xfrm>
+          <a:prstGeom prst="line">
+            <a:avLst/>
+          </a:prstGeom>
+          <a:ln>
+            <a:solidFill>
+              <a:schemeClr val="tx1">
+                <a:lumMod val="50000"/>
+                <a:lumOff val="50000"/>
+              </a:schemeClr>
+            </a:solidFill>
+          </a:ln>
+        </p:spPr>
+        <p:style>
+          <a:lnRef idx="1">
+            <a:schemeClr val="accent1"/>
+          </a:lnRef>
+          <a:fillRef idx="0">
+            <a:schemeClr val="accent1"/>
+          </a:fillRef>
+          <a:effectRef idx="0">
+            <a:schemeClr val="accent1"/>
+          </a:effectRef>
+          <a:fontRef idx="minor">
+            <a:schemeClr val="tx1"/>
+          </a:fontRef>
+        </p:style>
+      </p:cxnSp>
+      <p:sp>
+        <p:nvSpPr>
+          <p:cNvPr id="236" name="TextBox 235"/>
+          <p:cNvSpPr txBox="1"/>
+          <p:nvPr/>
+        </p:nvSpPr>
+        <p:spPr>
+          <a:xfrm>
+            <a:off x="4927172" y="1588931"/>
+            <a:ext cx="723275" cy="253916"/>
+          </a:xfrm>
+          <a:prstGeom prst="rect">
+            <a:avLst/>
+          </a:prstGeom>
+          <a:noFill/>
+        </p:spPr>
+        <p:txBody>
+          <a:bodyPr wrap="none" rtlCol="0">
+            <a:spAutoFit/>
+          </a:bodyPr>
+          <a:lstStyle/>
+          <a:p>
+            <a:r>
+              <a:rPr lang="ko-KR" altLang="en-US" sz="1050" b="1" dirty="0" err="1" smtClean="0">
+                <a:solidFill>
+                  <a:schemeClr val="bg1">
+                    <a:lumMod val="65000"/>
+                  </a:schemeClr>
+                </a:solidFill>
+              </a:rPr>
+              <a:t>즐겨찾기</a:t>
+            </a:r>
+            <a:endParaRPr lang="ko-KR" altLang="en-US" sz="1050" b="1" dirty="0">
+              <a:solidFill>
+                <a:schemeClr val="bg1">
+                  <a:lumMod val="65000"/>
+                </a:schemeClr>
+              </a:solidFill>
+            </a:endParaRPr>
+          </a:p>
+        </p:txBody>
+      </p:sp>
+      <p:grpSp>
+        <p:nvGrpSpPr>
+          <p:cNvPr id="237" name="그룹 236"/>
+          <p:cNvGrpSpPr/>
+          <p:nvPr/>
+        </p:nvGrpSpPr>
+        <p:grpSpPr>
+          <a:xfrm>
+            <a:off x="5025596" y="1597853"/>
+            <a:ext cx="532953" cy="250349"/>
+            <a:chOff x="5455622" y="2522852"/>
+            <a:chExt cx="640378" cy="392393"/>
+          </a:xfrm>
+        </p:grpSpPr>
+        <p:sp>
+          <p:nvSpPr>
+            <p:cNvPr id="238" name="직사각형 237"/>
+            <p:cNvSpPr/>
+            <p:nvPr/>
+          </p:nvSpPr>
+          <p:spPr>
+            <a:xfrm>
+              <a:off x="5455622" y="2522852"/>
+              <a:ext cx="640378" cy="392393"/>
+            </a:xfrm>
+            <a:prstGeom prst="rect">
+              <a:avLst/>
+            </a:prstGeom>
+            <a:noFill/>
+            <a:ln>
+              <a:solidFill>
+                <a:schemeClr val="tx1">
+                  <a:lumMod val="50000"/>
+                  <a:lumOff val="50000"/>
+                </a:schemeClr>
+              </a:solidFill>
+            </a:ln>
+          </p:spPr>
+          <p:style>
+            <a:lnRef idx="2">
+              <a:schemeClr val="accent1">
+                <a:shade val="50000"/>
+              </a:schemeClr>
+            </a:lnRef>
+            <a:fillRef idx="1">
+              <a:schemeClr val="accent1"/>
+            </a:fillRef>
+            <a:effectRef idx="0">
+              <a:schemeClr val="accent1"/>
+            </a:effectRef>
+            <a:fontRef idx="minor">
+              <a:schemeClr val="lt1"/>
+            </a:fontRef>
+          </p:style>
+          <p:txBody>
+            <a:bodyPr rtlCol="0" anchor="ctr"/>
+            <a:lstStyle/>
+            <a:p>
+              <a:pPr algn="ctr"/>
+              <a:endParaRPr lang="ko-KR" altLang="en-US"/>
+            </a:p>
+          </p:txBody>
+        </p:sp>
+        <p:cxnSp>
+          <p:nvCxnSpPr>
+            <p:cNvPr id="256" name="직선 연결선 255"/>
+            <p:cNvCxnSpPr>
+              <a:cxnSpLocks/>
+            </p:cNvCxnSpPr>
+            <p:nvPr/>
+          </p:nvCxnSpPr>
+          <p:spPr>
+            <a:xfrm flipH="1">
+              <a:off x="5455622" y="2522852"/>
+              <a:ext cx="640378" cy="392393"/>
+            </a:xfrm>
+            <a:prstGeom prst="line">
+              <a:avLst/>
+            </a:prstGeom>
+            <a:ln>
+              <a:solidFill>
+                <a:schemeClr val="tx1">
+                  <a:lumMod val="50000"/>
+                  <a:lumOff val="50000"/>
+                </a:schemeClr>
+              </a:solidFill>
+            </a:ln>
+          </p:spPr>
+          <p:style>
+            <a:lnRef idx="1">
+              <a:schemeClr val="accent1"/>
+            </a:lnRef>
+            <a:fillRef idx="0">
+              <a:schemeClr val="accent1"/>
+            </a:fillRef>
+            <a:effectRef idx="0">
+              <a:schemeClr val="accent1"/>
+            </a:effectRef>
+            <a:fontRef idx="minor">
+              <a:schemeClr val="tx1"/>
+            </a:fontRef>
+          </p:style>
+        </p:cxnSp>
+      </p:grpSp>
+      <p:sp>
+        <p:nvSpPr>
+          <p:cNvPr id="257" name="직사각형 256"/>
+          <p:cNvSpPr/>
+          <p:nvPr/>
+        </p:nvSpPr>
+        <p:spPr>
+          <a:xfrm>
+            <a:off x="2181865" y="4911707"/>
+            <a:ext cx="3362760" cy="284433"/>
+          </a:xfrm>
+          <a:prstGeom prst="rect">
+            <a:avLst/>
+          </a:prstGeom>
+          <a:solidFill>
+            <a:schemeClr val="bg1">
+              <a:lumMod val="95000"/>
+            </a:schemeClr>
+          </a:solidFill>
+          <a:ln>
+            <a:solidFill>
+              <a:schemeClr val="tx1">
+                <a:lumMod val="50000"/>
+                <a:lumOff val="50000"/>
+              </a:schemeClr>
+            </a:solidFill>
+          </a:ln>
+        </p:spPr>
+        <p:style>
+          <a:lnRef idx="2">
+            <a:schemeClr val="accent1">
+              <a:shade val="50000"/>
+            </a:schemeClr>
+          </a:lnRef>
+          <a:fillRef idx="1">
+            <a:schemeClr val="accent1"/>
+          </a:fillRef>
+          <a:effectRef idx="0">
+            <a:schemeClr val="accent1"/>
+          </a:effectRef>
+          <a:fontRef idx="minor">
+            <a:schemeClr val="lt1"/>
+          </a:fontRef>
+        </p:style>
+        <p:txBody>
+          <a:bodyPr rtlCol="0" anchor="ctr"/>
+          <a:lstStyle/>
+          <a:p>
+            <a:pPr algn="ctr"/>
+            <a:endParaRPr lang="ko-KR" altLang="en-US"/>
+          </a:p>
+        </p:txBody>
+      </p:sp>
+      <p:sp>
+        <p:nvSpPr>
+          <p:cNvPr id="258" name="TextBox 257"/>
+          <p:cNvSpPr txBox="1"/>
+          <p:nvPr/>
+        </p:nvSpPr>
+        <p:spPr>
+          <a:xfrm>
+            <a:off x="3253627" y="4915187"/>
+            <a:ext cx="797584" cy="293414"/>
+          </a:xfrm>
+          <a:prstGeom prst="rect">
+            <a:avLst/>
+          </a:prstGeom>
+          <a:noFill/>
+        </p:spPr>
+        <p:txBody>
+          <a:bodyPr wrap="square" rtlCol="0">
+            <a:spAutoFit/>
+          </a:bodyPr>
+          <a:lstStyle/>
+          <a:p>
+            <a:pPr algn="ctr">
+              <a:lnSpc>
+                <a:spcPct val="150000"/>
+              </a:lnSpc>
+            </a:pPr>
+            <a:r>
+              <a:rPr lang="ko-KR" altLang="en-US" sz="1000" b="1" dirty="0" smtClean="0">
+                <a:solidFill>
+                  <a:schemeClr val="bg1">
+                    <a:lumMod val="65000"/>
+                  </a:schemeClr>
+                </a:solidFill>
+              </a:rPr>
+              <a:t>광고</a:t>
+            </a:r>
+            <a:endParaRPr lang="en-US" altLang="ko-KR" sz="1000" b="1" dirty="0" smtClean="0">
+              <a:solidFill>
+                <a:schemeClr val="bg1">
+                  <a:lumMod val="65000"/>
+                </a:schemeClr>
+              </a:solidFill>
+            </a:endParaRPr>
+          </a:p>
+        </p:txBody>
+      </p:sp>
+      <p:sp>
+        <p:nvSpPr>
+          <p:cNvPr id="259" name="직사각형 258"/>
+          <p:cNvSpPr/>
+          <p:nvPr/>
+        </p:nvSpPr>
+        <p:spPr>
+          <a:xfrm>
+            <a:off x="2181865" y="5237075"/>
+            <a:ext cx="3362760" cy="884034"/>
+          </a:xfrm>
+          <a:prstGeom prst="rect">
+            <a:avLst/>
+          </a:prstGeom>
+          <a:solidFill>
+            <a:schemeClr val="bg1">
+              <a:lumMod val="95000"/>
+            </a:schemeClr>
+          </a:solidFill>
+          <a:ln>
+            <a:solidFill>
+              <a:schemeClr val="tx1">
+                <a:lumMod val="50000"/>
+                <a:lumOff val="50000"/>
+              </a:schemeClr>
+            </a:solidFill>
+          </a:ln>
+        </p:spPr>
+        <p:style>
+          <a:lnRef idx="2">
+            <a:schemeClr val="accent1">
+              <a:shade val="50000"/>
+            </a:schemeClr>
+          </a:lnRef>
+          <a:fillRef idx="1">
+            <a:schemeClr val="accent1"/>
+          </a:fillRef>
+          <a:effectRef idx="0">
+            <a:schemeClr val="accent1"/>
+          </a:effectRef>
+          <a:fontRef idx="minor">
+            <a:schemeClr val="lt1"/>
+          </a:fontRef>
+        </p:style>
+        <p:txBody>
+          <a:bodyPr rtlCol="0" anchor="ctr"/>
+          <a:lstStyle/>
+          <a:p>
+            <a:pPr algn="ctr"/>
+            <a:endParaRPr lang="ko-KR" altLang="en-US" sz="1050" dirty="0">
+              <a:solidFill>
+                <a:schemeClr val="tx1"/>
+              </a:solidFill>
+            </a:endParaRPr>
+          </a:p>
+        </p:txBody>
+      </p:sp>
+      <p:sp>
+        <p:nvSpPr>
+          <p:cNvPr id="260" name="직사각형 259"/>
+          <p:cNvSpPr/>
+          <p:nvPr/>
+        </p:nvSpPr>
+        <p:spPr>
+          <a:xfrm>
+            <a:off x="2256982" y="5269484"/>
+            <a:ext cx="2045240" cy="252782"/>
+          </a:xfrm>
+          <a:prstGeom prst="rect">
+            <a:avLst/>
+          </a:prstGeom>
+          <a:solidFill>
+            <a:schemeClr val="bg1"/>
+          </a:solidFill>
+          <a:ln>
+            <a:solidFill>
+              <a:schemeClr val="tx1">
+                <a:lumMod val="50000"/>
+                <a:lumOff val="50000"/>
+              </a:schemeClr>
+            </a:solidFill>
+          </a:ln>
+        </p:spPr>
+        <p:style>
+          <a:lnRef idx="2">
+            <a:schemeClr val="accent1">
+              <a:shade val="50000"/>
+            </a:schemeClr>
+          </a:lnRef>
+          <a:fillRef idx="1">
+            <a:schemeClr val="accent1"/>
+          </a:fillRef>
+          <a:effectRef idx="0">
+            <a:schemeClr val="accent1"/>
+          </a:effectRef>
+          <a:fontRef idx="minor">
+            <a:schemeClr val="lt1"/>
+          </a:fontRef>
+        </p:style>
+        <p:txBody>
+          <a:bodyPr rtlCol="0" anchor="ctr"/>
+          <a:lstStyle/>
+          <a:p>
+            <a:r>
+              <a:rPr lang="en-US" altLang="ko-KR" sz="1050" dirty="0" smtClean="0">
+                <a:solidFill>
+                  <a:schemeClr val="bg1">
+                    <a:lumMod val="75000"/>
+                  </a:schemeClr>
+                </a:solidFill>
+              </a:rPr>
+              <a:t>Add a Comments</a:t>
+            </a:r>
+            <a:endParaRPr lang="ko-KR" altLang="en-US" sz="1050" dirty="0">
+              <a:solidFill>
+                <a:schemeClr val="bg1">
+                  <a:lumMod val="75000"/>
+                </a:schemeClr>
+              </a:solidFill>
+            </a:endParaRPr>
+          </a:p>
+        </p:txBody>
+      </p:sp>
+      <p:sp>
+        <p:nvSpPr>
+          <p:cNvPr id="261" name="직사각형 260"/>
+          <p:cNvSpPr/>
+          <p:nvPr/>
+        </p:nvSpPr>
+        <p:spPr>
+          <a:xfrm>
+            <a:off x="4331982" y="5279073"/>
+            <a:ext cx="630394" cy="243192"/>
+          </a:xfrm>
+          <a:prstGeom prst="rect">
+            <a:avLst/>
+          </a:prstGeom>
+          <a:solidFill>
+            <a:schemeClr val="bg1">
+              <a:lumMod val="95000"/>
+            </a:schemeClr>
+          </a:solidFill>
+          <a:ln>
+            <a:solidFill>
+              <a:schemeClr val="tx1">
+                <a:lumMod val="50000"/>
+                <a:lumOff val="50000"/>
+              </a:schemeClr>
+            </a:solidFill>
+          </a:ln>
+        </p:spPr>
+        <p:style>
+          <a:lnRef idx="2">
+            <a:schemeClr val="accent1">
+              <a:shade val="50000"/>
+            </a:schemeClr>
+          </a:lnRef>
+          <a:fillRef idx="1">
+            <a:schemeClr val="accent1"/>
+          </a:fillRef>
+          <a:effectRef idx="0">
+            <a:schemeClr val="accent1"/>
+          </a:effectRef>
+          <a:fontRef idx="minor">
+            <a:schemeClr val="lt1"/>
+          </a:fontRef>
+        </p:style>
+        <p:txBody>
+          <a:bodyPr rtlCol="0" anchor="ctr"/>
+          <a:lstStyle/>
+          <a:p>
+            <a:pPr algn="ctr"/>
+            <a:r>
+              <a:rPr lang="ko-KR" altLang="en-US" sz="1050" dirty="0" smtClean="0">
+                <a:solidFill>
+                  <a:schemeClr val="tx1"/>
+                </a:solidFill>
+              </a:rPr>
+              <a:t>게시</a:t>
+            </a:r>
+            <a:endParaRPr lang="ko-KR" altLang="en-US" sz="1050" dirty="0">
+              <a:solidFill>
+                <a:schemeClr val="tx1"/>
+              </a:solidFill>
+            </a:endParaRPr>
+          </a:p>
+        </p:txBody>
+      </p:sp>
+      <p:sp>
+        <p:nvSpPr>
+          <p:cNvPr id="262" name="TextBox 261"/>
+          <p:cNvSpPr txBox="1"/>
+          <p:nvPr/>
+        </p:nvSpPr>
+        <p:spPr>
+          <a:xfrm>
+            <a:off x="2291634" y="5576119"/>
+            <a:ext cx="1531188" cy="253916"/>
+          </a:xfrm>
+          <a:prstGeom prst="rect">
+            <a:avLst/>
+          </a:prstGeom>
+          <a:noFill/>
+        </p:spPr>
+        <p:txBody>
+          <a:bodyPr wrap="none" rtlCol="0">
+            <a:spAutoFit/>
+          </a:bodyPr>
+          <a:lstStyle/>
+          <a:p>
+            <a:r>
+              <a:rPr lang="ko-KR" altLang="en-US" sz="1050" b="1" smtClean="0"/>
+              <a:t>제목제목제목제목제목</a:t>
+            </a:r>
+            <a:endParaRPr lang="ko-KR" altLang="en-US" sz="1050" b="1" dirty="0"/>
+          </a:p>
+        </p:txBody>
+      </p:sp>
+      <p:sp>
+        <p:nvSpPr>
+          <p:cNvPr id="263" name="TextBox 262"/>
+          <p:cNvSpPr txBox="1"/>
+          <p:nvPr/>
+        </p:nvSpPr>
+        <p:spPr>
+          <a:xfrm>
+            <a:off x="2318998" y="5769565"/>
+            <a:ext cx="1107996" cy="184666"/>
+          </a:xfrm>
+          <a:prstGeom prst="rect">
+            <a:avLst/>
+          </a:prstGeom>
+          <a:noFill/>
+        </p:spPr>
+        <p:txBody>
+          <a:bodyPr wrap="none" rtlCol="0">
+            <a:spAutoFit/>
+          </a:bodyPr>
+          <a:lstStyle/>
+          <a:p>
+            <a:r>
+              <a:rPr lang="en-US" altLang="ko-KR" sz="600" dirty="0" smtClean="0"/>
+              <a:t>223.62.***.*** | 2017-05-01</a:t>
+            </a:r>
+            <a:endParaRPr lang="ko-KR" altLang="en-US" sz="600" dirty="0"/>
+          </a:p>
+        </p:txBody>
+      </p:sp>
+      <p:sp>
+        <p:nvSpPr>
+          <p:cNvPr id="265" name="TextBox 264"/>
+          <p:cNvSpPr txBox="1"/>
+          <p:nvPr/>
+        </p:nvSpPr>
+        <p:spPr>
+          <a:xfrm>
+            <a:off x="4059859" y="2254172"/>
+            <a:ext cx="891591" cy="253916"/>
+          </a:xfrm>
+          <a:prstGeom prst="rect">
+            <a:avLst/>
+          </a:prstGeom>
+          <a:noFill/>
+        </p:spPr>
+        <p:txBody>
+          <a:bodyPr wrap="none" rtlCol="0">
+            <a:spAutoFit/>
+          </a:bodyPr>
+          <a:lstStyle/>
+          <a:p>
+            <a:r>
+              <a:rPr lang="en-US" altLang="ko-KR" sz="1050" b="1" dirty="0"/>
+              <a:t>123123123</a:t>
+            </a:r>
+            <a:endParaRPr lang="ko-KR" altLang="en-US" sz="1050" b="1" dirty="0"/>
+          </a:p>
+        </p:txBody>
+      </p:sp>
+      <p:sp>
+        <p:nvSpPr>
+          <p:cNvPr id="266" name="TextBox 265"/>
+          <p:cNvSpPr txBox="1"/>
+          <p:nvPr/>
+        </p:nvSpPr>
+        <p:spPr>
+          <a:xfrm>
+            <a:off x="5052085" y="2254172"/>
+            <a:ext cx="534121" cy="253916"/>
+          </a:xfrm>
+          <a:prstGeom prst="rect">
+            <a:avLst/>
+          </a:prstGeom>
+          <a:noFill/>
+        </p:spPr>
+        <p:txBody>
+          <a:bodyPr wrap="none" rtlCol="0">
+            <a:spAutoFit/>
+          </a:bodyPr>
+          <a:lstStyle/>
+          <a:p>
+            <a:r>
+              <a:rPr lang="en-US" altLang="ko-KR" sz="1050" b="1" dirty="0"/>
+              <a:t>00:00</a:t>
+            </a:r>
+            <a:endParaRPr lang="ko-KR" altLang="en-US" sz="1050" b="1" dirty="0"/>
+          </a:p>
+        </p:txBody>
+      </p:sp>
+      <p:sp>
+        <p:nvSpPr>
+          <p:cNvPr id="228" name="직사각형 227"/>
+          <p:cNvSpPr/>
+          <p:nvPr/>
+        </p:nvSpPr>
+        <p:spPr>
+          <a:xfrm>
+            <a:off x="2076175" y="2210330"/>
+            <a:ext cx="3595934" cy="2704858"/>
+          </a:xfrm>
+          <a:prstGeom prst="rect">
+            <a:avLst/>
+          </a:prstGeom>
+          <a:noFill/>
+          <a:ln w="28575">
+            <a:solidFill>
+              <a:srgbClr val="FF0000"/>
+            </a:solidFill>
+          </a:ln>
+        </p:spPr>
+        <p:style>
+          <a:lnRef idx="2">
+            <a:schemeClr val="accent1">
+              <a:shade val="50000"/>
+            </a:schemeClr>
+          </a:lnRef>
+          <a:fillRef idx="1">
+            <a:schemeClr val="accent1"/>
+          </a:fillRef>
+          <a:effectRef idx="0">
+            <a:schemeClr val="accent1"/>
+          </a:effectRef>
+          <a:fontRef idx="minor">
+            <a:schemeClr val="lt1"/>
+          </a:fontRef>
+        </p:style>
+        <p:txBody>
+          <a:bodyPr rtlCol="0" anchor="ctr"/>
+          <a:lstStyle/>
+          <a:p>
+            <a:pPr algn="ctr"/>
+            <a:endParaRPr lang="ko-KR" altLang="en-US"/>
+          </a:p>
+        </p:txBody>
+      </p:sp>
+      <p:cxnSp>
+        <p:nvCxnSpPr>
+          <p:cNvPr id="267" name="직선 화살표 연결선 266"/>
+          <p:cNvCxnSpPr/>
+          <p:nvPr/>
+        </p:nvCxnSpPr>
+        <p:spPr>
+          <a:xfrm flipH="1">
+            <a:off x="2181865" y="2384011"/>
+            <a:ext cx="229812" cy="0"/>
+          </a:xfrm>
+          <a:prstGeom prst="straightConnector1">
+            <a:avLst/>
+          </a:prstGeom>
+          <a:ln w="19050">
+            <a:solidFill>
+              <a:schemeClr val="tx1">
+                <a:lumMod val="50000"/>
+                <a:lumOff val="50000"/>
+              </a:schemeClr>
+            </a:solidFill>
+            <a:tailEnd type="arrow"/>
+          </a:ln>
+        </p:spPr>
+        <p:style>
+          <a:lnRef idx="1">
+            <a:schemeClr val="accent1"/>
+          </a:lnRef>
+          <a:fillRef idx="0">
+            <a:schemeClr val="accent1"/>
+          </a:fillRef>
+          <a:effectRef idx="0">
+            <a:schemeClr val="accent1"/>
+          </a:effectRef>
+          <a:fontRef idx="minor">
+            <a:schemeClr val="tx1"/>
+          </a:fontRef>
+        </p:style>
+      </p:cxnSp>
+    </p:spTree>
+    <p:extLst>
+      <p:ext uri="{BB962C8B-B14F-4D97-AF65-F5344CB8AC3E}">
+        <p14:creationId xmlns:p14="http://schemas.microsoft.com/office/powerpoint/2010/main" val="1766410057"/>
+      </p:ext>
+    </p:extLst>
+  </p:cSld>
+  <p:clrMapOvr>
+    <a:masterClrMapping/>
+  </p:clrMapOvr>
+</p:sld>
+</file>
+
+<file path=ppt/slides/slide15.xml><?xml version="1.0" encoding="utf-8"?>
+<p:sld xmlns:a="http://schemas.openxmlformats.org/drawingml/2006/main" xmlns:r="http://schemas.openxmlformats.org/officeDocument/2006/relationships" xmlns:p="http://schemas.openxmlformats.org/presentationml/2006/main">
+  <p:cSld>
+    <p:spTree>
+      <p:nvGrpSpPr>
+        <p:cNvPr id="1" name=""/>
+        <p:cNvGrpSpPr/>
+        <p:nvPr/>
+      </p:nvGrpSpPr>
+      <p:grpSpPr>
+        <a:xfrm>
+          <a:off x="0" y="0"/>
+          <a:ext cx="0" cy="0"/>
+          <a:chOff x="0" y="0"/>
+          <a:chExt cx="0" cy="0"/>
+        </a:xfrm>
+      </p:grpSpPr>
+      <p:sp>
+        <p:nvSpPr>
+          <p:cNvPr id="12" name="TextBox 11"/>
+          <p:cNvSpPr txBox="1"/>
+          <p:nvPr/>
+        </p:nvSpPr>
+        <p:spPr>
+          <a:xfrm>
+            <a:off x="11003854" y="6519446"/>
+            <a:ext cx="1188146" cy="338554"/>
+          </a:xfrm>
+          <a:prstGeom prst="rect">
+            <a:avLst/>
+          </a:prstGeom>
+          <a:noFill/>
+        </p:spPr>
+        <p:txBody>
+          <a:bodyPr wrap="none" rtlCol="0">
+            <a:spAutoFit/>
+          </a:bodyPr>
+          <a:lstStyle/>
+          <a:p>
+            <a:r>
+              <a:rPr lang="en-US" altLang="ko-KR" sz="1600" b="1" dirty="0" err="1" smtClean="0">
+                <a:solidFill>
+                  <a:schemeClr val="bg1">
+                    <a:lumMod val="75000"/>
+                  </a:schemeClr>
+                </a:solidFill>
+                <a:latin typeface="HY얕은샘물M" pitchFamily="18" charset="-127"/>
+                <a:ea typeface="HY얕은샘물M" pitchFamily="18" charset="-127"/>
+              </a:rPr>
+              <a:t>MadFactory</a:t>
+            </a:r>
+            <a:r>
+              <a:rPr lang="ko-KR" altLang="en-US" sz="1600" dirty="0" smtClean="0">
+                <a:solidFill>
+                  <a:schemeClr val="bg1">
+                    <a:lumMod val="75000"/>
+                  </a:schemeClr>
+                </a:solidFill>
+                <a:latin typeface="HY얕은샘물M" pitchFamily="18" charset="-127"/>
+                <a:ea typeface="HY얕은샘물M" pitchFamily="18" charset="-127"/>
+              </a:rPr>
+              <a:t>™</a:t>
+            </a:r>
+            <a:endParaRPr lang="ko-KR" altLang="en-US" sz="1600" dirty="0">
+              <a:solidFill>
+                <a:schemeClr val="bg1">
+                  <a:lumMod val="75000"/>
+                </a:schemeClr>
+              </a:solidFill>
+              <a:latin typeface="HY얕은샘물M" pitchFamily="18" charset="-127"/>
+              <a:ea typeface="HY얕은샘물M" pitchFamily="18" charset="-127"/>
+            </a:endParaRPr>
+          </a:p>
+        </p:txBody>
+      </p:sp>
+      <p:sp>
+        <p:nvSpPr>
+          <p:cNvPr id="14" name="TextBox 13"/>
+          <p:cNvSpPr txBox="1"/>
+          <p:nvPr/>
+        </p:nvSpPr>
+        <p:spPr>
+          <a:xfrm>
+            <a:off x="7553325" y="647239"/>
+            <a:ext cx="4638675" cy="3554819"/>
+          </a:xfrm>
+          <a:prstGeom prst="rect">
+            <a:avLst/>
+          </a:prstGeom>
+          <a:noFill/>
+        </p:spPr>
+        <p:txBody>
+          <a:bodyPr wrap="square" rtlCol="0">
+            <a:spAutoFit/>
+          </a:bodyPr>
+          <a:lstStyle/>
+          <a:p>
+            <a:pPr marL="171450" indent="-171450">
+              <a:lnSpc>
+                <a:spcPct val="150000"/>
+              </a:lnSpc>
+              <a:buFont typeface="Arial" charset="0"/>
+              <a:buChar char="•"/>
+            </a:pPr>
+            <a:r>
+              <a:rPr lang="ko-KR" altLang="en-US" sz="1000" dirty="0"/>
+              <a:t>어플리케이션 내의 </a:t>
+            </a:r>
+            <a:r>
+              <a:rPr lang="en-US" altLang="ko-KR" sz="1000" dirty="0"/>
+              <a:t>main </a:t>
+            </a:r>
+            <a:r>
+              <a:rPr lang="ko-KR" altLang="en-US" sz="1000" dirty="0"/>
+              <a:t>페이지를 설명한다</a:t>
+            </a:r>
+            <a:r>
+              <a:rPr lang="en-US" altLang="ko-KR" sz="1000" dirty="0"/>
+              <a:t>.</a:t>
+            </a:r>
+          </a:p>
+          <a:p>
+            <a:pPr marL="171450" indent="-171450">
+              <a:lnSpc>
+                <a:spcPct val="150000"/>
+              </a:lnSpc>
+              <a:buFont typeface="Arial" charset="0"/>
+              <a:buChar char="•"/>
+            </a:pPr>
+            <a:endParaRPr lang="en-US" altLang="ko-KR" sz="1000" dirty="0" smtClean="0"/>
+          </a:p>
+          <a:p>
+            <a:pPr>
+              <a:lnSpc>
+                <a:spcPct val="150000"/>
+              </a:lnSpc>
+            </a:pPr>
+            <a:r>
+              <a:rPr lang="en-US" altLang="ko-KR" sz="1000" b="1" dirty="0" smtClean="0"/>
+              <a:t>8</a:t>
+            </a:r>
+            <a:r>
+              <a:rPr lang="en-US" altLang="ko-KR" sz="1000" b="1" dirty="0" smtClean="0"/>
+              <a:t>) </a:t>
+            </a:r>
+            <a:r>
+              <a:rPr lang="ko-KR" altLang="en-US" sz="1000" b="1" dirty="0" smtClean="0"/>
+              <a:t>어플리케이션 자체 </a:t>
+            </a:r>
+            <a:r>
+              <a:rPr lang="ko-KR" altLang="en-US" sz="1000" b="1" dirty="0" err="1" smtClean="0"/>
+              <a:t>덧글</a:t>
+            </a:r>
+            <a:endParaRPr lang="en-US" altLang="ko-KR" sz="1000" b="1" dirty="0" smtClean="0"/>
+          </a:p>
+          <a:p>
+            <a:pPr>
+              <a:lnSpc>
+                <a:spcPct val="150000"/>
+              </a:lnSpc>
+            </a:pPr>
+            <a:r>
+              <a:rPr lang="en-US" altLang="ko-KR" sz="1000" dirty="0" smtClean="0"/>
+              <a:t>   - </a:t>
+            </a:r>
+            <a:r>
+              <a:rPr lang="ko-KR" altLang="en-US" sz="1000" dirty="0" smtClean="0"/>
+              <a:t>본 어플리케이션에서 지원하는 </a:t>
+            </a:r>
+            <a:r>
+              <a:rPr lang="ko-KR" altLang="en-US" sz="1000" dirty="0" err="1" smtClean="0"/>
+              <a:t>덧글</a:t>
+            </a:r>
+            <a:r>
+              <a:rPr lang="ko-KR" altLang="en-US" sz="1000" dirty="0" smtClean="0"/>
+              <a:t> 기능</a:t>
+            </a:r>
+            <a:endParaRPr lang="en-US" altLang="ko-KR" sz="1000" dirty="0" smtClean="0"/>
+          </a:p>
+          <a:p>
+            <a:pPr>
+              <a:lnSpc>
+                <a:spcPct val="150000"/>
+              </a:lnSpc>
+            </a:pPr>
+            <a:r>
+              <a:rPr lang="en-US" altLang="ko-KR" sz="1000" dirty="0"/>
+              <a:t> </a:t>
+            </a:r>
+            <a:r>
+              <a:rPr lang="en-US" altLang="ko-KR" sz="1000" dirty="0" smtClean="0"/>
+              <a:t>  - </a:t>
+            </a:r>
+            <a:r>
+              <a:rPr lang="ko-KR" altLang="en-US" sz="1000" dirty="0" smtClean="0"/>
+              <a:t>실제 </a:t>
+            </a:r>
+            <a:r>
+              <a:rPr lang="ko-KR" altLang="en-US" sz="1000" dirty="0" err="1" smtClean="0"/>
+              <a:t>유튜브의</a:t>
+            </a:r>
+            <a:r>
+              <a:rPr lang="ko-KR" altLang="en-US" sz="1000" dirty="0" smtClean="0"/>
+              <a:t> </a:t>
+            </a:r>
+            <a:r>
+              <a:rPr lang="ko-KR" altLang="en-US" sz="1000" dirty="0" err="1" smtClean="0"/>
+              <a:t>덧글</a:t>
+            </a:r>
+            <a:r>
+              <a:rPr lang="ko-KR" altLang="en-US" sz="1000" dirty="0" smtClean="0"/>
+              <a:t> 목록과는 별개이며</a:t>
+            </a:r>
+            <a:r>
+              <a:rPr lang="en-US" altLang="ko-KR" sz="1000" dirty="0" smtClean="0"/>
+              <a:t>, </a:t>
+            </a:r>
+            <a:r>
+              <a:rPr lang="ko-KR" altLang="en-US" sz="1000" dirty="0" smtClean="0"/>
+              <a:t>마치 본 어플리케이션에서</a:t>
+            </a:r>
+            <a:endParaRPr lang="en-US" altLang="ko-KR" sz="1000" dirty="0" smtClean="0"/>
+          </a:p>
+          <a:p>
+            <a:pPr>
+              <a:lnSpc>
+                <a:spcPct val="150000"/>
+              </a:lnSpc>
+            </a:pPr>
+            <a:r>
+              <a:rPr lang="en-US" altLang="ko-KR" sz="1000" dirty="0"/>
+              <a:t> </a:t>
+            </a:r>
+            <a:r>
+              <a:rPr lang="en-US" altLang="ko-KR" sz="1000" dirty="0" smtClean="0"/>
+              <a:t>    </a:t>
+            </a:r>
+            <a:r>
+              <a:rPr lang="ko-KR" altLang="en-US" sz="1000" dirty="0" smtClean="0"/>
+              <a:t>동영상을 제공하고 있는 착각을 심어주기 위함이다</a:t>
+            </a:r>
+            <a:r>
+              <a:rPr lang="en-US" altLang="ko-KR" sz="1000" dirty="0" smtClean="0"/>
+              <a:t>.</a:t>
+            </a:r>
+          </a:p>
+          <a:p>
+            <a:pPr>
+              <a:lnSpc>
+                <a:spcPct val="150000"/>
+              </a:lnSpc>
+            </a:pPr>
+            <a:r>
+              <a:rPr lang="en-US" altLang="ko-KR" sz="1000" dirty="0"/>
+              <a:t> </a:t>
+            </a:r>
+            <a:r>
+              <a:rPr lang="en-US" altLang="ko-KR" sz="1000" dirty="0" smtClean="0"/>
+              <a:t>  - </a:t>
+            </a:r>
+            <a:r>
+              <a:rPr lang="ko-KR" altLang="en-US" sz="1000" dirty="0" err="1" smtClean="0"/>
+              <a:t>덧글</a:t>
+            </a:r>
+            <a:r>
+              <a:rPr lang="ko-KR" altLang="en-US" sz="1000" dirty="0" smtClean="0"/>
+              <a:t> 목록의 개수에 따라 동영상 보기 상태의 페이지가 스크롤 되어야 한다</a:t>
+            </a:r>
+            <a:r>
+              <a:rPr lang="en-US" altLang="ko-KR" sz="1000" dirty="0" smtClean="0"/>
+              <a:t>.</a:t>
+            </a:r>
+          </a:p>
+          <a:p>
+            <a:pPr>
+              <a:lnSpc>
+                <a:spcPct val="150000"/>
+              </a:lnSpc>
+            </a:pPr>
+            <a:r>
+              <a:rPr lang="en-US" altLang="ko-KR" sz="1000" dirty="0"/>
+              <a:t> </a:t>
+            </a:r>
+            <a:r>
+              <a:rPr lang="en-US" altLang="ko-KR" sz="1000" dirty="0" smtClean="0"/>
+              <a:t>  - </a:t>
+            </a:r>
+            <a:r>
+              <a:rPr lang="ko-KR" altLang="en-US" sz="1000" dirty="0" err="1" smtClean="0"/>
+              <a:t>덧글</a:t>
+            </a:r>
+            <a:r>
+              <a:rPr lang="ko-KR" altLang="en-US" sz="1000" dirty="0" smtClean="0"/>
+              <a:t> 작성자의 </a:t>
+            </a:r>
+            <a:r>
+              <a:rPr lang="en-US" altLang="ko-KR" sz="1000" dirty="0" err="1" smtClean="0"/>
+              <a:t>ip</a:t>
+            </a:r>
+            <a:r>
+              <a:rPr lang="ko-KR" altLang="en-US" sz="1000" dirty="0" smtClean="0"/>
+              <a:t>와 작성 일자가 표시된다</a:t>
+            </a:r>
+            <a:r>
+              <a:rPr lang="en-US" altLang="ko-KR" sz="1000" dirty="0" smtClean="0"/>
+              <a:t>.</a:t>
+            </a:r>
+          </a:p>
+          <a:p>
+            <a:pPr>
+              <a:lnSpc>
+                <a:spcPct val="150000"/>
+              </a:lnSpc>
+            </a:pPr>
+            <a:r>
+              <a:rPr lang="en-US" altLang="ko-KR" sz="1000" dirty="0"/>
+              <a:t> </a:t>
+            </a:r>
+            <a:r>
+              <a:rPr lang="en-US" altLang="ko-KR" sz="1000" dirty="0" smtClean="0"/>
+              <a:t>  - </a:t>
+            </a:r>
+            <a:r>
+              <a:rPr lang="ko-KR" altLang="en-US" sz="1000" dirty="0" err="1" smtClean="0"/>
+              <a:t>덧글</a:t>
+            </a:r>
+            <a:r>
+              <a:rPr lang="ko-KR" altLang="en-US" sz="1000" dirty="0" smtClean="0"/>
+              <a:t> 텍스트 입력 상자 클릭 시</a:t>
+            </a:r>
+            <a:endParaRPr lang="en-US" altLang="ko-KR" sz="1000" dirty="0"/>
+          </a:p>
+          <a:p>
+            <a:pPr>
+              <a:lnSpc>
+                <a:spcPct val="150000"/>
+              </a:lnSpc>
+            </a:pPr>
+            <a:r>
+              <a:rPr lang="en-US" altLang="ko-KR" sz="1000" dirty="0" smtClean="0"/>
+              <a:t>     : </a:t>
+            </a:r>
+            <a:r>
+              <a:rPr lang="ko-KR" altLang="en-US" sz="1000" dirty="0" smtClean="0"/>
+              <a:t>하단에 </a:t>
+            </a:r>
+            <a:r>
+              <a:rPr lang="ko-KR" altLang="en-US" sz="1000" dirty="0"/>
+              <a:t>기기 사용 키보드가 </a:t>
+            </a:r>
+            <a:r>
+              <a:rPr lang="ko-KR" altLang="en-US" sz="1000" dirty="0" smtClean="0"/>
+              <a:t>등장한다</a:t>
+            </a:r>
+            <a:r>
+              <a:rPr lang="en-US" altLang="ko-KR" sz="1000" dirty="0" smtClean="0"/>
+              <a:t>.</a:t>
+            </a:r>
+          </a:p>
+          <a:p>
+            <a:pPr>
+              <a:lnSpc>
+                <a:spcPct val="150000"/>
+              </a:lnSpc>
+            </a:pPr>
+            <a:r>
+              <a:rPr lang="en-US" altLang="ko-KR" sz="1000" dirty="0"/>
+              <a:t> </a:t>
+            </a:r>
+            <a:r>
+              <a:rPr lang="en-US" altLang="ko-KR" sz="1000" dirty="0" smtClean="0"/>
+              <a:t>  - </a:t>
+            </a:r>
+            <a:r>
+              <a:rPr lang="ko-KR" altLang="en-US" sz="1000" dirty="0" smtClean="0"/>
+              <a:t>게시 버튼 입력 시</a:t>
+            </a:r>
+            <a:endParaRPr lang="en-US" altLang="ko-KR" sz="1000" dirty="0" smtClean="0"/>
+          </a:p>
+          <a:p>
+            <a:pPr>
+              <a:lnSpc>
+                <a:spcPct val="150000"/>
+              </a:lnSpc>
+            </a:pPr>
+            <a:r>
+              <a:rPr lang="en-US" altLang="ko-KR" sz="1000" dirty="0"/>
+              <a:t> </a:t>
+            </a:r>
+            <a:r>
+              <a:rPr lang="en-US" altLang="ko-KR" sz="1000" dirty="0" smtClean="0"/>
+              <a:t>    : </a:t>
+            </a:r>
+            <a:r>
+              <a:rPr lang="ko-KR" altLang="en-US" sz="1000" dirty="0" smtClean="0"/>
+              <a:t>입력한 </a:t>
+            </a:r>
+            <a:r>
+              <a:rPr lang="ko-KR" altLang="en-US" sz="1000" dirty="0" err="1" smtClean="0"/>
+              <a:t>덧글이</a:t>
+            </a:r>
+            <a:r>
+              <a:rPr lang="ko-KR" altLang="en-US" sz="1000" dirty="0" smtClean="0"/>
+              <a:t> </a:t>
+            </a:r>
+            <a:r>
+              <a:rPr lang="ko-KR" altLang="en-US" sz="1000" dirty="0" err="1" smtClean="0"/>
+              <a:t>덧글</a:t>
+            </a:r>
+            <a:r>
+              <a:rPr lang="ko-KR" altLang="en-US" sz="1000" dirty="0" smtClean="0"/>
+              <a:t> 목록에 추가된다</a:t>
+            </a:r>
+            <a:r>
+              <a:rPr lang="en-US" altLang="ko-KR" sz="1000" dirty="0" smtClean="0"/>
+              <a:t>.</a:t>
+            </a:r>
+          </a:p>
+          <a:p>
+            <a:pPr>
+              <a:lnSpc>
+                <a:spcPct val="150000"/>
+              </a:lnSpc>
+            </a:pPr>
+            <a:endParaRPr lang="en-US" altLang="ko-KR" sz="1000" dirty="0"/>
+          </a:p>
+          <a:p>
+            <a:pPr>
+              <a:lnSpc>
+                <a:spcPct val="150000"/>
+              </a:lnSpc>
+            </a:pPr>
+            <a:r>
+              <a:rPr lang="en-US" altLang="ko-KR" sz="1000" dirty="0" smtClean="0"/>
+              <a:t>   - </a:t>
+            </a:r>
+            <a:r>
+              <a:rPr lang="ko-KR" altLang="en-US" sz="1000" dirty="0" err="1" smtClean="0"/>
+              <a:t>덧글</a:t>
+            </a:r>
+            <a:r>
+              <a:rPr lang="ko-KR" altLang="en-US" sz="1000" dirty="0" smtClean="0"/>
+              <a:t> 목록이 없을 경우</a:t>
+            </a:r>
+            <a:r>
+              <a:rPr lang="en-US" altLang="ko-KR" sz="1000" dirty="0" smtClean="0"/>
+              <a:t>, </a:t>
+            </a:r>
+            <a:r>
+              <a:rPr lang="ko-KR" altLang="en-US" sz="1000" dirty="0" smtClean="0"/>
+              <a:t>입력 상자와 게시 버튼만이 위치한다</a:t>
+            </a:r>
+            <a:r>
+              <a:rPr lang="en-US" altLang="ko-KR" sz="1000" dirty="0" smtClean="0"/>
+              <a:t>.</a:t>
+            </a:r>
+          </a:p>
+        </p:txBody>
+      </p:sp>
+      <p:cxnSp>
+        <p:nvCxnSpPr>
+          <p:cNvPr id="6" name="직선 연결선 5"/>
+          <p:cNvCxnSpPr>
+            <a:cxnSpLocks/>
+          </p:cNvCxnSpPr>
+          <p:nvPr/>
+        </p:nvCxnSpPr>
+        <p:spPr>
+          <a:xfrm flipV="1">
+            <a:off x="7553325" y="627708"/>
+            <a:ext cx="0" cy="6230291"/>
+          </a:xfrm>
+          <a:prstGeom prst="line">
+            <a:avLst/>
+          </a:prstGeom>
+          <a:ln w="12700">
+            <a:solidFill>
+              <a:schemeClr val="tx1">
+                <a:lumMod val="50000"/>
+                <a:lumOff val="50000"/>
+              </a:schemeClr>
+            </a:solidFill>
+          </a:ln>
+        </p:spPr>
+        <p:style>
+          <a:lnRef idx="1">
+            <a:schemeClr val="dk1"/>
+          </a:lnRef>
+          <a:fillRef idx="0">
+            <a:schemeClr val="dk1"/>
+          </a:fillRef>
+          <a:effectRef idx="0">
+            <a:schemeClr val="dk1"/>
+          </a:effectRef>
+          <a:fontRef idx="minor">
+            <a:schemeClr val="tx1"/>
+          </a:fontRef>
+        </p:style>
+      </p:cxnSp>
+      <p:sp>
+        <p:nvSpPr>
+          <p:cNvPr id="207" name="직사각형 206"/>
+          <p:cNvSpPr/>
+          <p:nvPr/>
+        </p:nvSpPr>
+        <p:spPr>
+          <a:xfrm>
+            <a:off x="2195789" y="2528715"/>
+            <a:ext cx="3362760" cy="2337152"/>
+          </a:xfrm>
+          <a:prstGeom prst="rect">
+            <a:avLst/>
+          </a:prstGeom>
+          <a:solidFill>
+            <a:schemeClr val="bg1">
+              <a:lumMod val="95000"/>
+            </a:schemeClr>
+          </a:solidFill>
+          <a:ln>
+            <a:solidFill>
+              <a:schemeClr val="tx1">
+                <a:lumMod val="50000"/>
+                <a:lumOff val="50000"/>
+              </a:schemeClr>
+            </a:solidFill>
+          </a:ln>
+        </p:spPr>
+        <p:style>
+          <a:lnRef idx="2">
+            <a:schemeClr val="accent1">
+              <a:shade val="50000"/>
+            </a:schemeClr>
+          </a:lnRef>
+          <a:fillRef idx="1">
+            <a:schemeClr val="accent1"/>
+          </a:fillRef>
+          <a:effectRef idx="0">
+            <a:schemeClr val="accent1"/>
+          </a:effectRef>
+          <a:fontRef idx="minor">
+            <a:schemeClr val="lt1"/>
+          </a:fontRef>
+        </p:style>
+        <p:txBody>
+          <a:bodyPr rtlCol="0" anchor="ctr"/>
+          <a:lstStyle/>
+          <a:p>
+            <a:pPr algn="ctr"/>
+            <a:endParaRPr lang="ko-KR" altLang="en-US"/>
+          </a:p>
+        </p:txBody>
+      </p:sp>
+      <p:sp>
+        <p:nvSpPr>
+          <p:cNvPr id="255" name="이등변 삼각형 254"/>
+          <p:cNvSpPr/>
+          <p:nvPr/>
+        </p:nvSpPr>
+        <p:spPr>
+          <a:xfrm rot="5400000">
+            <a:off x="3712566" y="3520789"/>
+            <a:ext cx="374973" cy="323253"/>
+          </a:xfrm>
+          <a:prstGeom prst="triangle">
+            <a:avLst/>
+          </a:prstGeom>
+          <a:solidFill>
+            <a:schemeClr val="bg1">
+              <a:lumMod val="75000"/>
+            </a:schemeClr>
+          </a:solidFill>
+          <a:ln>
+            <a:noFill/>
+          </a:ln>
+        </p:spPr>
+        <p:style>
+          <a:lnRef idx="2">
+            <a:schemeClr val="accent1">
+              <a:shade val="50000"/>
+            </a:schemeClr>
+          </a:lnRef>
+          <a:fillRef idx="1">
+            <a:schemeClr val="accent1"/>
+          </a:fillRef>
+          <a:effectRef idx="0">
+            <a:schemeClr val="accent1"/>
+          </a:effectRef>
+          <a:fontRef idx="minor">
+            <a:schemeClr val="lt1"/>
+          </a:fontRef>
+        </p:style>
+        <p:txBody>
+          <a:bodyPr rtlCol="0" anchor="ctr"/>
+          <a:lstStyle/>
+          <a:p>
+            <a:pPr algn="ctr"/>
+            <a:endParaRPr lang="ko-KR" altLang="en-US"/>
+          </a:p>
+        </p:txBody>
+      </p:sp>
+      <p:cxnSp>
+        <p:nvCxnSpPr>
+          <p:cNvPr id="120" name="직선 연결선 119"/>
+          <p:cNvCxnSpPr>
+            <a:cxnSpLocks/>
+          </p:cNvCxnSpPr>
+          <p:nvPr/>
+        </p:nvCxnSpPr>
+        <p:spPr>
+          <a:xfrm>
+            <a:off x="0" y="627709"/>
+            <a:ext cx="12192000" cy="0"/>
+          </a:xfrm>
+          <a:prstGeom prst="line">
+            <a:avLst/>
+          </a:prstGeom>
+          <a:ln w="12700">
+            <a:solidFill>
+              <a:schemeClr val="tx1">
+                <a:lumMod val="50000"/>
+                <a:lumOff val="50000"/>
+              </a:schemeClr>
+            </a:solidFill>
+          </a:ln>
+        </p:spPr>
+        <p:style>
+          <a:lnRef idx="1">
+            <a:schemeClr val="dk1"/>
+          </a:lnRef>
+          <a:fillRef idx="0">
+            <a:schemeClr val="dk1"/>
+          </a:fillRef>
+          <a:effectRef idx="0">
+            <a:schemeClr val="dk1"/>
+          </a:effectRef>
+          <a:fontRef idx="minor">
+            <a:schemeClr val="tx1"/>
+          </a:fontRef>
+        </p:style>
+      </p:cxnSp>
+      <p:sp>
+        <p:nvSpPr>
+          <p:cNvPr id="121" name="TextBox 120"/>
+          <p:cNvSpPr txBox="1"/>
+          <p:nvPr/>
+        </p:nvSpPr>
+        <p:spPr>
+          <a:xfrm>
+            <a:off x="85152" y="122186"/>
+            <a:ext cx="758541" cy="400110"/>
+          </a:xfrm>
+          <a:prstGeom prst="rect">
+            <a:avLst/>
+          </a:prstGeom>
+          <a:noFill/>
+        </p:spPr>
+        <p:txBody>
+          <a:bodyPr wrap="none" rtlCol="0">
+            <a:spAutoFit/>
+          </a:bodyPr>
+          <a:lstStyle/>
+          <a:p>
+            <a:r>
+              <a:rPr lang="en-US" altLang="ko-KR" sz="2000" b="1" dirty="0" smtClean="0"/>
+              <a:t>6. UI</a:t>
+            </a:r>
+            <a:endParaRPr lang="ko-KR" altLang="en-US" sz="1400" dirty="0"/>
+          </a:p>
+        </p:txBody>
+      </p:sp>
+      <p:sp>
+        <p:nvSpPr>
+          <p:cNvPr id="122" name="TextBox 121"/>
+          <p:cNvSpPr txBox="1"/>
+          <p:nvPr/>
+        </p:nvSpPr>
+        <p:spPr>
+          <a:xfrm>
+            <a:off x="0" y="627708"/>
+            <a:ext cx="6515803" cy="323165"/>
+          </a:xfrm>
+          <a:prstGeom prst="rect">
+            <a:avLst/>
+          </a:prstGeom>
+          <a:noFill/>
+        </p:spPr>
+        <p:txBody>
+          <a:bodyPr wrap="square" rtlCol="0">
+            <a:spAutoFit/>
+          </a:bodyPr>
+          <a:lstStyle/>
+          <a:p>
+            <a:pPr marL="171450" indent="-171450">
+              <a:lnSpc>
+                <a:spcPct val="150000"/>
+              </a:lnSpc>
+              <a:buFont typeface="Arial" charset="0"/>
+              <a:buChar char="•"/>
+            </a:pPr>
+            <a:r>
+              <a:rPr lang="ko-KR" altLang="en-US" sz="1000" dirty="0" smtClean="0"/>
+              <a:t>참고 이미지</a:t>
+            </a:r>
+            <a:r>
+              <a:rPr lang="en-US" altLang="ko-KR" sz="1000" dirty="0" smtClean="0"/>
+              <a:t>_</a:t>
+            </a:r>
+            <a:r>
+              <a:rPr lang="ko-KR" altLang="en-US" sz="1000" dirty="0" smtClean="0"/>
+              <a:t>레이아웃</a:t>
+            </a:r>
+            <a:endParaRPr lang="en-US" altLang="ko-KR" sz="1000" dirty="0" smtClean="0"/>
+          </a:p>
+        </p:txBody>
+      </p:sp>
+      <p:sp>
+        <p:nvSpPr>
+          <p:cNvPr id="124" name="직사각형 123"/>
+          <p:cNvSpPr/>
+          <p:nvPr/>
+        </p:nvSpPr>
+        <p:spPr>
+          <a:xfrm>
+            <a:off x="2127998" y="1005591"/>
+            <a:ext cx="3532909" cy="5474524"/>
+          </a:xfrm>
+          <a:prstGeom prst="rect">
+            <a:avLst/>
+          </a:prstGeom>
+          <a:noFill/>
+          <a:ln>
+            <a:solidFill>
+              <a:schemeClr val="tx1">
+                <a:lumMod val="50000"/>
+                <a:lumOff val="50000"/>
+              </a:schemeClr>
+            </a:solidFill>
+          </a:ln>
+        </p:spPr>
+        <p:style>
+          <a:lnRef idx="2">
+            <a:schemeClr val="accent1">
+              <a:shade val="50000"/>
+            </a:schemeClr>
+          </a:lnRef>
+          <a:fillRef idx="1">
+            <a:schemeClr val="accent1"/>
+          </a:fillRef>
+          <a:effectRef idx="0">
+            <a:schemeClr val="accent1"/>
+          </a:effectRef>
+          <a:fontRef idx="minor">
+            <a:schemeClr val="lt1"/>
+          </a:fontRef>
+        </p:style>
+        <p:txBody>
+          <a:bodyPr rtlCol="0" anchor="ctr"/>
+          <a:lstStyle/>
+          <a:p>
+            <a:pPr algn="ctr"/>
+            <a:endParaRPr lang="ko-KR" altLang="en-US"/>
+          </a:p>
+        </p:txBody>
+      </p:sp>
+      <p:sp>
+        <p:nvSpPr>
+          <p:cNvPr id="125" name="TextBox 124"/>
+          <p:cNvSpPr txBox="1"/>
+          <p:nvPr/>
+        </p:nvSpPr>
+        <p:spPr>
+          <a:xfrm>
+            <a:off x="3559901" y="1587213"/>
+            <a:ext cx="466794" cy="261610"/>
+          </a:xfrm>
+          <a:prstGeom prst="rect">
+            <a:avLst/>
+          </a:prstGeom>
+          <a:noFill/>
+        </p:spPr>
+        <p:txBody>
+          <a:bodyPr wrap="none" rtlCol="0">
+            <a:spAutoFit/>
+          </a:bodyPr>
+          <a:lstStyle/>
+          <a:p>
+            <a:r>
+              <a:rPr lang="ko-KR" altLang="en-US" sz="1050" b="1" dirty="0" smtClean="0"/>
+              <a:t>음악</a:t>
+            </a:r>
+            <a:endParaRPr lang="ko-KR" altLang="en-US" sz="1050" b="1" dirty="0"/>
+          </a:p>
+        </p:txBody>
+      </p:sp>
+      <p:grpSp>
+        <p:nvGrpSpPr>
+          <p:cNvPr id="126" name="그룹 125"/>
+          <p:cNvGrpSpPr/>
+          <p:nvPr/>
+        </p:nvGrpSpPr>
+        <p:grpSpPr>
+          <a:xfrm>
+            <a:off x="5278029" y="1178791"/>
+            <a:ext cx="195943" cy="159629"/>
+            <a:chOff x="2131621" y="1793174"/>
+            <a:chExt cx="433727" cy="348875"/>
+          </a:xfrm>
+        </p:grpSpPr>
+        <p:sp>
+          <p:nvSpPr>
+            <p:cNvPr id="127" name="원형: 비어 있음 18"/>
+            <p:cNvSpPr/>
+            <p:nvPr/>
+          </p:nvSpPr>
+          <p:spPr>
+            <a:xfrm>
+              <a:off x="2131621" y="1793174"/>
+              <a:ext cx="332509" cy="332509"/>
+            </a:xfrm>
+            <a:prstGeom prst="donut">
+              <a:avLst>
+                <a:gd name="adj" fmla="val 16024"/>
+              </a:avLst>
+            </a:prstGeom>
+            <a:solidFill>
+              <a:schemeClr val="tx1">
+                <a:lumMod val="50000"/>
+                <a:lumOff val="50000"/>
+              </a:schemeClr>
+            </a:solidFill>
+            <a:ln>
+              <a:noFill/>
+            </a:ln>
+          </p:spPr>
+          <p:style>
+            <a:lnRef idx="2">
+              <a:schemeClr val="accent1">
+                <a:shade val="50000"/>
+              </a:schemeClr>
+            </a:lnRef>
+            <a:fillRef idx="1">
+              <a:schemeClr val="accent1"/>
+            </a:fillRef>
+            <a:effectRef idx="0">
+              <a:schemeClr val="accent1"/>
+            </a:effectRef>
+            <a:fontRef idx="minor">
+              <a:schemeClr val="lt1"/>
+            </a:fontRef>
+          </p:style>
+          <p:txBody>
+            <a:bodyPr rtlCol="0" anchor="ctr"/>
+            <a:lstStyle/>
+            <a:p>
+              <a:pPr algn="ctr"/>
+              <a:endParaRPr lang="ko-KR" altLang="en-US">
+                <a:solidFill>
+                  <a:schemeClr val="tx1"/>
+                </a:solidFill>
+              </a:endParaRPr>
+            </a:p>
+          </p:txBody>
+        </p:sp>
+        <p:sp>
+          <p:nvSpPr>
+            <p:cNvPr id="128" name="사각형: 둥근 모서리 19"/>
+            <p:cNvSpPr/>
+            <p:nvPr/>
+          </p:nvSpPr>
+          <p:spPr>
+            <a:xfrm rot="2346390">
+              <a:off x="2358649" y="2050205"/>
+              <a:ext cx="206699" cy="91844"/>
+            </a:xfrm>
+            <a:prstGeom prst="roundRect">
+              <a:avLst/>
+            </a:prstGeom>
+            <a:solidFill>
+              <a:schemeClr val="tx1">
+                <a:lumMod val="50000"/>
+                <a:lumOff val="50000"/>
+              </a:schemeClr>
+            </a:solidFill>
+            <a:ln>
+              <a:noFill/>
+            </a:ln>
+          </p:spPr>
+          <p:style>
+            <a:lnRef idx="2">
+              <a:schemeClr val="accent1">
+                <a:shade val="50000"/>
+              </a:schemeClr>
+            </a:lnRef>
+            <a:fillRef idx="1">
+              <a:schemeClr val="accent1"/>
+            </a:fillRef>
+            <a:effectRef idx="0">
+              <a:schemeClr val="accent1"/>
+            </a:effectRef>
+            <a:fontRef idx="minor">
+              <a:schemeClr val="lt1"/>
+            </a:fontRef>
+          </p:style>
+          <p:txBody>
+            <a:bodyPr rtlCol="0" anchor="ctr"/>
+            <a:lstStyle/>
+            <a:p>
+              <a:pPr algn="ctr"/>
+              <a:endParaRPr lang="ko-KR" altLang="en-US"/>
+            </a:p>
+          </p:txBody>
+        </p:sp>
+      </p:grpSp>
+      <p:cxnSp>
+        <p:nvCxnSpPr>
+          <p:cNvPr id="129" name="직선 연결선 128"/>
+          <p:cNvCxnSpPr/>
+          <p:nvPr/>
+        </p:nvCxnSpPr>
+        <p:spPr>
+          <a:xfrm>
+            <a:off x="3098905" y="1375138"/>
+            <a:ext cx="2113808" cy="0"/>
+          </a:xfrm>
+          <a:prstGeom prst="line">
+            <a:avLst/>
+          </a:prstGeom>
+          <a:ln>
+            <a:solidFill>
+              <a:schemeClr val="tx1">
+                <a:lumMod val="50000"/>
+                <a:lumOff val="50000"/>
+              </a:schemeClr>
+            </a:solidFill>
+          </a:ln>
+        </p:spPr>
+        <p:style>
+          <a:lnRef idx="1">
+            <a:schemeClr val="accent1"/>
+          </a:lnRef>
+          <a:fillRef idx="0">
+            <a:schemeClr val="accent1"/>
+          </a:fillRef>
+          <a:effectRef idx="0">
+            <a:schemeClr val="accent1"/>
+          </a:effectRef>
+          <a:fontRef idx="minor">
+            <a:schemeClr val="tx1"/>
+          </a:fontRef>
+        </p:style>
+      </p:cxnSp>
+      <p:sp>
+        <p:nvSpPr>
+          <p:cNvPr id="130" name="TextBox 129"/>
+          <p:cNvSpPr txBox="1"/>
+          <p:nvPr/>
+        </p:nvSpPr>
+        <p:spPr>
+          <a:xfrm>
+            <a:off x="2930235" y="1588931"/>
+            <a:ext cx="328936" cy="253916"/>
+          </a:xfrm>
+          <a:prstGeom prst="rect">
+            <a:avLst/>
+          </a:prstGeom>
+          <a:noFill/>
+        </p:spPr>
+        <p:txBody>
+          <a:bodyPr wrap="none" rtlCol="0">
+            <a:spAutoFit/>
+          </a:bodyPr>
+          <a:lstStyle/>
+          <a:p>
+            <a:r>
+              <a:rPr lang="en-US" altLang="ko-KR" sz="1050" b="1" dirty="0" smtClean="0">
+                <a:solidFill>
+                  <a:schemeClr val="bg1">
+                    <a:lumMod val="65000"/>
+                  </a:schemeClr>
+                </a:solidFill>
+              </a:rPr>
+              <a:t>BJ</a:t>
+            </a:r>
+            <a:endParaRPr lang="ko-KR" altLang="en-US" sz="1050" b="1" dirty="0">
+              <a:solidFill>
+                <a:schemeClr val="bg1">
+                  <a:lumMod val="65000"/>
+                </a:schemeClr>
+              </a:solidFill>
+            </a:endParaRPr>
+          </a:p>
+        </p:txBody>
+      </p:sp>
+      <p:sp>
+        <p:nvSpPr>
+          <p:cNvPr id="131" name="TextBox 130"/>
+          <p:cNvSpPr txBox="1"/>
+          <p:nvPr/>
+        </p:nvSpPr>
+        <p:spPr>
+          <a:xfrm>
+            <a:off x="4210684" y="1588931"/>
+            <a:ext cx="588623" cy="253916"/>
+          </a:xfrm>
+          <a:prstGeom prst="rect">
+            <a:avLst/>
+          </a:prstGeom>
+          <a:noFill/>
+        </p:spPr>
+        <p:txBody>
+          <a:bodyPr wrap="none" rtlCol="0">
+            <a:spAutoFit/>
+          </a:bodyPr>
+          <a:lstStyle/>
+          <a:p>
+            <a:r>
+              <a:rPr lang="ko-KR" altLang="en-US" sz="1050" b="1" dirty="0">
+                <a:solidFill>
+                  <a:schemeClr val="bg1">
+                    <a:lumMod val="65000"/>
+                  </a:schemeClr>
+                </a:solidFill>
+              </a:rPr>
+              <a:t>실시간</a:t>
+            </a:r>
+          </a:p>
+        </p:txBody>
+      </p:sp>
+      <p:sp>
+        <p:nvSpPr>
+          <p:cNvPr id="132" name="TextBox 131"/>
+          <p:cNvSpPr txBox="1"/>
+          <p:nvPr/>
+        </p:nvSpPr>
+        <p:spPr>
+          <a:xfrm>
+            <a:off x="2249240" y="1584814"/>
+            <a:ext cx="453970" cy="253916"/>
+          </a:xfrm>
+          <a:prstGeom prst="rect">
+            <a:avLst/>
+          </a:prstGeom>
+          <a:noFill/>
+        </p:spPr>
+        <p:txBody>
+          <a:bodyPr wrap="none" rtlCol="0">
+            <a:spAutoFit/>
+          </a:bodyPr>
+          <a:lstStyle/>
+          <a:p>
+            <a:r>
+              <a:rPr lang="ko-KR" altLang="en-US" sz="1050" b="1" dirty="0">
+                <a:solidFill>
+                  <a:schemeClr val="bg1">
+                    <a:lumMod val="65000"/>
+                  </a:schemeClr>
+                </a:solidFill>
+              </a:rPr>
+              <a:t>인기</a:t>
+            </a:r>
+          </a:p>
+        </p:txBody>
+      </p:sp>
+      <p:cxnSp>
+        <p:nvCxnSpPr>
+          <p:cNvPr id="133" name="직선 연결선 132"/>
+          <p:cNvCxnSpPr>
+            <a:cxnSpLocks/>
+          </p:cNvCxnSpPr>
+          <p:nvPr/>
+        </p:nvCxnSpPr>
+        <p:spPr>
+          <a:xfrm flipH="1">
+            <a:off x="2127998" y="1926484"/>
+            <a:ext cx="3544111" cy="0"/>
+          </a:xfrm>
+          <a:prstGeom prst="line">
+            <a:avLst/>
+          </a:prstGeom>
+          <a:ln w="28575">
+            <a:solidFill>
+              <a:schemeClr val="bg1">
+                <a:lumMod val="85000"/>
+              </a:schemeClr>
+            </a:solidFill>
+          </a:ln>
+        </p:spPr>
+        <p:style>
+          <a:lnRef idx="1">
+            <a:schemeClr val="accent1"/>
+          </a:lnRef>
+          <a:fillRef idx="0">
+            <a:schemeClr val="accent1"/>
+          </a:fillRef>
+          <a:effectRef idx="0">
+            <a:schemeClr val="accent1"/>
+          </a:effectRef>
+          <a:fontRef idx="minor">
+            <a:schemeClr val="tx1"/>
+          </a:fontRef>
+        </p:style>
+      </p:cxnSp>
+      <p:grpSp>
+        <p:nvGrpSpPr>
+          <p:cNvPr id="160" name="그룹 159"/>
+          <p:cNvGrpSpPr/>
+          <p:nvPr/>
+        </p:nvGrpSpPr>
+        <p:grpSpPr>
+          <a:xfrm rot="5400000">
+            <a:off x="3652323" y="4169904"/>
+            <a:ext cx="3921522" cy="2374"/>
+            <a:chOff x="8393749" y="3862854"/>
+            <a:chExt cx="3544111" cy="73705867"/>
+          </a:xfrm>
+        </p:grpSpPr>
+        <p:cxnSp>
+          <p:nvCxnSpPr>
+            <p:cNvPr id="161" name="직선 연결선 160"/>
+            <p:cNvCxnSpPr>
+              <a:cxnSpLocks/>
+            </p:cNvCxnSpPr>
+            <p:nvPr/>
+          </p:nvCxnSpPr>
+          <p:spPr>
+            <a:xfrm flipH="1">
+              <a:off x="8393749" y="3862854"/>
+              <a:ext cx="3544111" cy="0"/>
+            </a:xfrm>
+            <a:prstGeom prst="line">
+              <a:avLst/>
+            </a:prstGeom>
+            <a:ln w="28575">
+              <a:solidFill>
+                <a:schemeClr val="bg1">
+                  <a:lumMod val="85000"/>
+                </a:schemeClr>
+              </a:solidFill>
+            </a:ln>
+          </p:spPr>
+          <p:style>
+            <a:lnRef idx="1">
+              <a:schemeClr val="accent1"/>
+            </a:lnRef>
+            <a:fillRef idx="0">
+              <a:schemeClr val="accent1"/>
+            </a:fillRef>
+            <a:effectRef idx="0">
+              <a:schemeClr val="accent1"/>
+            </a:effectRef>
+            <a:fontRef idx="minor">
+              <a:schemeClr val="tx1"/>
+            </a:fontRef>
+          </p:style>
+        </p:cxnSp>
+        <p:cxnSp>
+          <p:nvCxnSpPr>
+            <p:cNvPr id="162" name="직선 연결선 161"/>
+            <p:cNvCxnSpPr>
+              <a:cxnSpLocks/>
+            </p:cNvCxnSpPr>
+            <p:nvPr/>
+          </p:nvCxnSpPr>
+          <p:spPr>
+            <a:xfrm flipH="1">
+              <a:off x="8854184" y="77568721"/>
+              <a:ext cx="453970" cy="0"/>
+            </a:xfrm>
+            <a:prstGeom prst="line">
+              <a:avLst/>
+            </a:prstGeom>
+            <a:ln w="28575">
+              <a:solidFill>
+                <a:schemeClr val="tx1">
+                  <a:lumMod val="50000"/>
+                  <a:lumOff val="50000"/>
+                </a:schemeClr>
+              </a:solidFill>
+            </a:ln>
+          </p:spPr>
+          <p:style>
+            <a:lnRef idx="1">
+              <a:schemeClr val="accent1"/>
+            </a:lnRef>
+            <a:fillRef idx="0">
+              <a:schemeClr val="accent1"/>
+            </a:fillRef>
+            <a:effectRef idx="0">
+              <a:schemeClr val="accent1"/>
+            </a:effectRef>
+            <a:fontRef idx="minor">
+              <a:schemeClr val="tx1"/>
+            </a:fontRef>
+          </p:style>
+        </p:cxnSp>
+      </p:grpSp>
+      <p:sp>
+        <p:nvSpPr>
+          <p:cNvPr id="163" name="TextBox 162"/>
+          <p:cNvSpPr txBox="1"/>
+          <p:nvPr/>
+        </p:nvSpPr>
+        <p:spPr>
+          <a:xfrm>
+            <a:off x="2958719" y="1960316"/>
+            <a:ext cx="453970" cy="253916"/>
+          </a:xfrm>
+          <a:prstGeom prst="rect">
+            <a:avLst/>
+          </a:prstGeom>
+          <a:noFill/>
+        </p:spPr>
+        <p:txBody>
+          <a:bodyPr wrap="none" rtlCol="0">
+            <a:spAutoFit/>
+          </a:bodyPr>
+          <a:lstStyle/>
+          <a:p>
+            <a:r>
+              <a:rPr lang="ko-KR" altLang="en-US" sz="1050" b="1" dirty="0" smtClean="0">
+                <a:solidFill>
+                  <a:schemeClr val="bg1">
+                    <a:lumMod val="65000"/>
+                  </a:schemeClr>
+                </a:solidFill>
+              </a:rPr>
+              <a:t>최신</a:t>
+            </a:r>
+            <a:endParaRPr lang="ko-KR" altLang="en-US" sz="1050" b="1" dirty="0">
+              <a:solidFill>
+                <a:schemeClr val="bg1">
+                  <a:lumMod val="65000"/>
+                </a:schemeClr>
+              </a:solidFill>
+            </a:endParaRPr>
+          </a:p>
+        </p:txBody>
+      </p:sp>
+      <p:sp>
+        <p:nvSpPr>
+          <p:cNvPr id="164" name="TextBox 163"/>
+          <p:cNvSpPr txBox="1"/>
+          <p:nvPr/>
+        </p:nvSpPr>
+        <p:spPr>
+          <a:xfrm>
+            <a:off x="2474445" y="1966833"/>
+            <a:ext cx="453970" cy="253916"/>
+          </a:xfrm>
+          <a:prstGeom prst="rect">
+            <a:avLst/>
+          </a:prstGeom>
+          <a:noFill/>
+        </p:spPr>
+        <p:txBody>
+          <a:bodyPr wrap="none" rtlCol="0">
+            <a:spAutoFit/>
+          </a:bodyPr>
+          <a:lstStyle/>
+          <a:p>
+            <a:r>
+              <a:rPr lang="ko-KR" altLang="en-US" sz="1050" b="1" dirty="0" smtClean="0"/>
+              <a:t>인기</a:t>
+            </a:r>
+            <a:endParaRPr lang="ko-KR" altLang="en-US" sz="1050" b="1" dirty="0"/>
+          </a:p>
+        </p:txBody>
+      </p:sp>
+      <p:sp>
+        <p:nvSpPr>
+          <p:cNvPr id="165" name="TextBox 164"/>
+          <p:cNvSpPr txBox="1"/>
+          <p:nvPr/>
+        </p:nvSpPr>
+        <p:spPr>
+          <a:xfrm>
+            <a:off x="3437406" y="1966833"/>
+            <a:ext cx="319318" cy="253916"/>
+          </a:xfrm>
+          <a:prstGeom prst="rect">
+            <a:avLst/>
+          </a:prstGeom>
+          <a:noFill/>
+        </p:spPr>
+        <p:txBody>
+          <a:bodyPr wrap="none" rtlCol="0">
+            <a:spAutoFit/>
+          </a:bodyPr>
+          <a:lstStyle/>
+          <a:p>
+            <a:r>
+              <a:rPr lang="ko-KR" altLang="en-US" sz="1050" b="1" dirty="0">
+                <a:solidFill>
+                  <a:schemeClr val="bg1">
+                    <a:lumMod val="65000"/>
+                  </a:schemeClr>
+                </a:solidFill>
+              </a:rPr>
+              <a:t>팝</a:t>
+            </a:r>
+          </a:p>
+        </p:txBody>
+      </p:sp>
+      <p:grpSp>
+        <p:nvGrpSpPr>
+          <p:cNvPr id="166" name="그룹 165"/>
+          <p:cNvGrpSpPr/>
+          <p:nvPr/>
+        </p:nvGrpSpPr>
+        <p:grpSpPr>
+          <a:xfrm>
+            <a:off x="2295700" y="1588591"/>
+            <a:ext cx="320189" cy="250349"/>
+            <a:chOff x="5455622" y="2522852"/>
+            <a:chExt cx="640378" cy="392393"/>
+          </a:xfrm>
+        </p:grpSpPr>
+        <p:sp>
+          <p:nvSpPr>
+            <p:cNvPr id="172" name="직사각형 171"/>
+            <p:cNvSpPr/>
+            <p:nvPr/>
+          </p:nvSpPr>
+          <p:spPr>
+            <a:xfrm>
+              <a:off x="5455622" y="2522852"/>
+              <a:ext cx="640378" cy="392393"/>
+            </a:xfrm>
+            <a:prstGeom prst="rect">
+              <a:avLst/>
+            </a:prstGeom>
+            <a:noFill/>
+            <a:ln>
+              <a:solidFill>
+                <a:schemeClr val="tx1">
+                  <a:lumMod val="50000"/>
+                  <a:lumOff val="50000"/>
+                </a:schemeClr>
+              </a:solidFill>
+            </a:ln>
+          </p:spPr>
+          <p:style>
+            <a:lnRef idx="2">
+              <a:schemeClr val="accent1">
+                <a:shade val="50000"/>
+              </a:schemeClr>
+            </a:lnRef>
+            <a:fillRef idx="1">
+              <a:schemeClr val="accent1"/>
+            </a:fillRef>
+            <a:effectRef idx="0">
+              <a:schemeClr val="accent1"/>
+            </a:effectRef>
+            <a:fontRef idx="minor">
+              <a:schemeClr val="lt1"/>
+            </a:fontRef>
+          </p:style>
+          <p:txBody>
+            <a:bodyPr rtlCol="0" anchor="ctr"/>
+            <a:lstStyle/>
+            <a:p>
+              <a:pPr algn="ctr"/>
+              <a:endParaRPr lang="ko-KR" altLang="en-US"/>
+            </a:p>
+          </p:txBody>
+        </p:sp>
+        <p:cxnSp>
+          <p:nvCxnSpPr>
+            <p:cNvPr id="173" name="직선 연결선 172"/>
+            <p:cNvCxnSpPr>
+              <a:cxnSpLocks/>
+            </p:cNvCxnSpPr>
+            <p:nvPr/>
+          </p:nvCxnSpPr>
+          <p:spPr>
+            <a:xfrm flipH="1">
+              <a:off x="5455622" y="2522852"/>
+              <a:ext cx="640378" cy="392393"/>
+            </a:xfrm>
+            <a:prstGeom prst="line">
+              <a:avLst/>
+            </a:prstGeom>
+            <a:ln>
+              <a:solidFill>
+                <a:schemeClr val="tx1">
+                  <a:lumMod val="50000"/>
+                  <a:lumOff val="50000"/>
+                </a:schemeClr>
+              </a:solidFill>
+            </a:ln>
+          </p:spPr>
+          <p:style>
+            <a:lnRef idx="1">
+              <a:schemeClr val="accent1"/>
+            </a:lnRef>
+            <a:fillRef idx="0">
+              <a:schemeClr val="accent1"/>
+            </a:fillRef>
+            <a:effectRef idx="0">
+              <a:schemeClr val="accent1"/>
+            </a:effectRef>
+            <a:fontRef idx="minor">
+              <a:schemeClr val="tx1"/>
+            </a:fontRef>
+          </p:style>
+        </p:cxnSp>
+      </p:grpSp>
+      <p:grpSp>
+        <p:nvGrpSpPr>
+          <p:cNvPr id="174" name="그룹 173"/>
+          <p:cNvGrpSpPr/>
+          <p:nvPr/>
+        </p:nvGrpSpPr>
+        <p:grpSpPr>
+          <a:xfrm>
+            <a:off x="3606526" y="1586598"/>
+            <a:ext cx="320189" cy="250349"/>
+            <a:chOff x="5455622" y="2522852"/>
+            <a:chExt cx="640378" cy="392393"/>
+          </a:xfrm>
+        </p:grpSpPr>
+        <p:sp>
+          <p:nvSpPr>
+            <p:cNvPr id="175" name="직사각형 174"/>
+            <p:cNvSpPr/>
+            <p:nvPr/>
+          </p:nvSpPr>
+          <p:spPr>
+            <a:xfrm>
+              <a:off x="5455622" y="2522852"/>
+              <a:ext cx="640378" cy="392393"/>
+            </a:xfrm>
+            <a:prstGeom prst="rect">
+              <a:avLst/>
+            </a:prstGeom>
+            <a:noFill/>
+            <a:ln>
+              <a:solidFill>
+                <a:schemeClr val="tx1">
+                  <a:lumMod val="50000"/>
+                  <a:lumOff val="50000"/>
+                </a:schemeClr>
+              </a:solidFill>
+            </a:ln>
+          </p:spPr>
+          <p:style>
+            <a:lnRef idx="2">
+              <a:schemeClr val="accent1">
+                <a:shade val="50000"/>
+              </a:schemeClr>
+            </a:lnRef>
+            <a:fillRef idx="1">
+              <a:schemeClr val="accent1"/>
+            </a:fillRef>
+            <a:effectRef idx="0">
+              <a:schemeClr val="accent1"/>
+            </a:effectRef>
+            <a:fontRef idx="minor">
+              <a:schemeClr val="lt1"/>
+            </a:fontRef>
+          </p:style>
+          <p:txBody>
+            <a:bodyPr rtlCol="0" anchor="ctr"/>
+            <a:lstStyle/>
+            <a:p>
+              <a:pPr algn="ctr"/>
+              <a:endParaRPr lang="ko-KR" altLang="en-US"/>
+            </a:p>
+          </p:txBody>
+        </p:sp>
+        <p:cxnSp>
+          <p:nvCxnSpPr>
+            <p:cNvPr id="176" name="직선 연결선 175"/>
+            <p:cNvCxnSpPr>
+              <a:cxnSpLocks/>
+            </p:cNvCxnSpPr>
+            <p:nvPr/>
+          </p:nvCxnSpPr>
+          <p:spPr>
+            <a:xfrm flipH="1">
+              <a:off x="5455622" y="2522852"/>
+              <a:ext cx="640378" cy="392393"/>
+            </a:xfrm>
+            <a:prstGeom prst="line">
+              <a:avLst/>
+            </a:prstGeom>
+            <a:ln>
+              <a:solidFill>
+                <a:schemeClr val="tx1">
+                  <a:lumMod val="50000"/>
+                  <a:lumOff val="50000"/>
+                </a:schemeClr>
+              </a:solidFill>
+            </a:ln>
+          </p:spPr>
+          <p:style>
+            <a:lnRef idx="1">
+              <a:schemeClr val="accent1"/>
+            </a:lnRef>
+            <a:fillRef idx="0">
+              <a:schemeClr val="accent1"/>
+            </a:fillRef>
+            <a:effectRef idx="0">
+              <a:schemeClr val="accent1"/>
+            </a:effectRef>
+            <a:fontRef idx="minor">
+              <a:schemeClr val="tx1"/>
+            </a:fontRef>
+          </p:style>
+        </p:cxnSp>
+      </p:grpSp>
+      <p:grpSp>
+        <p:nvGrpSpPr>
+          <p:cNvPr id="177" name="그룹 176"/>
+          <p:cNvGrpSpPr/>
+          <p:nvPr/>
+        </p:nvGrpSpPr>
+        <p:grpSpPr>
+          <a:xfrm>
+            <a:off x="2925051" y="1588526"/>
+            <a:ext cx="320189" cy="250349"/>
+            <a:chOff x="5455622" y="2522852"/>
+            <a:chExt cx="640378" cy="392393"/>
+          </a:xfrm>
+        </p:grpSpPr>
+        <p:sp>
+          <p:nvSpPr>
+            <p:cNvPr id="178" name="직사각형 177"/>
+            <p:cNvSpPr/>
+            <p:nvPr/>
+          </p:nvSpPr>
+          <p:spPr>
+            <a:xfrm>
+              <a:off x="5455622" y="2522852"/>
+              <a:ext cx="640378" cy="392393"/>
+            </a:xfrm>
+            <a:prstGeom prst="rect">
+              <a:avLst/>
+            </a:prstGeom>
+            <a:noFill/>
+            <a:ln>
+              <a:solidFill>
+                <a:schemeClr val="tx1">
+                  <a:lumMod val="50000"/>
+                  <a:lumOff val="50000"/>
+                </a:schemeClr>
+              </a:solidFill>
+            </a:ln>
+          </p:spPr>
+          <p:style>
+            <a:lnRef idx="2">
+              <a:schemeClr val="accent1">
+                <a:shade val="50000"/>
+              </a:schemeClr>
+            </a:lnRef>
+            <a:fillRef idx="1">
+              <a:schemeClr val="accent1"/>
+            </a:fillRef>
+            <a:effectRef idx="0">
+              <a:schemeClr val="accent1"/>
+            </a:effectRef>
+            <a:fontRef idx="minor">
+              <a:schemeClr val="lt1"/>
+            </a:fontRef>
+          </p:style>
+          <p:txBody>
+            <a:bodyPr rtlCol="0" anchor="ctr"/>
+            <a:lstStyle/>
+            <a:p>
+              <a:pPr algn="ctr"/>
+              <a:endParaRPr lang="ko-KR" altLang="en-US"/>
+            </a:p>
+          </p:txBody>
+        </p:sp>
+        <p:cxnSp>
+          <p:nvCxnSpPr>
+            <p:cNvPr id="179" name="직선 연결선 178"/>
+            <p:cNvCxnSpPr>
+              <a:cxnSpLocks/>
+            </p:cNvCxnSpPr>
+            <p:nvPr/>
+          </p:nvCxnSpPr>
+          <p:spPr>
+            <a:xfrm flipH="1">
+              <a:off x="5455622" y="2522852"/>
+              <a:ext cx="640378" cy="392393"/>
+            </a:xfrm>
+            <a:prstGeom prst="line">
+              <a:avLst/>
+            </a:prstGeom>
+            <a:ln>
+              <a:solidFill>
+                <a:schemeClr val="tx1">
+                  <a:lumMod val="50000"/>
+                  <a:lumOff val="50000"/>
+                </a:schemeClr>
+              </a:solidFill>
+            </a:ln>
+          </p:spPr>
+          <p:style>
+            <a:lnRef idx="1">
+              <a:schemeClr val="accent1"/>
+            </a:lnRef>
+            <a:fillRef idx="0">
+              <a:schemeClr val="accent1"/>
+            </a:fillRef>
+            <a:effectRef idx="0">
+              <a:schemeClr val="accent1"/>
+            </a:effectRef>
+            <a:fontRef idx="minor">
+              <a:schemeClr val="tx1"/>
+            </a:fontRef>
+          </p:style>
+        </p:cxnSp>
+      </p:grpSp>
+      <p:grpSp>
+        <p:nvGrpSpPr>
+          <p:cNvPr id="180" name="그룹 179"/>
+          <p:cNvGrpSpPr/>
+          <p:nvPr/>
+        </p:nvGrpSpPr>
+        <p:grpSpPr>
+          <a:xfrm>
+            <a:off x="4213858" y="1597853"/>
+            <a:ext cx="532953" cy="250349"/>
+            <a:chOff x="5455622" y="2522852"/>
+            <a:chExt cx="640378" cy="392393"/>
+          </a:xfrm>
+        </p:grpSpPr>
+        <p:sp>
+          <p:nvSpPr>
+            <p:cNvPr id="181" name="직사각형 180"/>
+            <p:cNvSpPr/>
+            <p:nvPr/>
+          </p:nvSpPr>
+          <p:spPr>
+            <a:xfrm>
+              <a:off x="5455622" y="2522852"/>
+              <a:ext cx="640378" cy="392393"/>
+            </a:xfrm>
+            <a:prstGeom prst="rect">
+              <a:avLst/>
+            </a:prstGeom>
+            <a:noFill/>
+            <a:ln>
+              <a:solidFill>
+                <a:schemeClr val="tx1">
+                  <a:lumMod val="50000"/>
+                  <a:lumOff val="50000"/>
+                </a:schemeClr>
+              </a:solidFill>
+            </a:ln>
+          </p:spPr>
+          <p:style>
+            <a:lnRef idx="2">
+              <a:schemeClr val="accent1">
+                <a:shade val="50000"/>
+              </a:schemeClr>
+            </a:lnRef>
+            <a:fillRef idx="1">
+              <a:schemeClr val="accent1"/>
+            </a:fillRef>
+            <a:effectRef idx="0">
+              <a:schemeClr val="accent1"/>
+            </a:effectRef>
+            <a:fontRef idx="minor">
+              <a:schemeClr val="lt1"/>
+            </a:fontRef>
+          </p:style>
+          <p:txBody>
+            <a:bodyPr rtlCol="0" anchor="ctr"/>
+            <a:lstStyle/>
+            <a:p>
+              <a:pPr algn="ctr"/>
+              <a:endParaRPr lang="ko-KR" altLang="en-US"/>
+            </a:p>
+          </p:txBody>
+        </p:sp>
+        <p:cxnSp>
+          <p:nvCxnSpPr>
+            <p:cNvPr id="183" name="직선 연결선 182"/>
+            <p:cNvCxnSpPr>
+              <a:cxnSpLocks/>
+            </p:cNvCxnSpPr>
+            <p:nvPr/>
+          </p:nvCxnSpPr>
+          <p:spPr>
+            <a:xfrm flipH="1">
+              <a:off x="5455622" y="2522852"/>
+              <a:ext cx="640378" cy="392393"/>
+            </a:xfrm>
+            <a:prstGeom prst="line">
+              <a:avLst/>
+            </a:prstGeom>
+            <a:ln>
+              <a:solidFill>
+                <a:schemeClr val="tx1">
+                  <a:lumMod val="50000"/>
+                  <a:lumOff val="50000"/>
+                </a:schemeClr>
+              </a:solidFill>
+            </a:ln>
+          </p:spPr>
+          <p:style>
+            <a:lnRef idx="1">
+              <a:schemeClr val="accent1"/>
+            </a:lnRef>
+            <a:fillRef idx="0">
+              <a:schemeClr val="accent1"/>
+            </a:fillRef>
+            <a:effectRef idx="0">
+              <a:schemeClr val="accent1"/>
+            </a:effectRef>
+            <a:fontRef idx="minor">
+              <a:schemeClr val="tx1"/>
+            </a:fontRef>
+          </p:style>
+        </p:cxnSp>
+      </p:grpSp>
+      <p:sp>
+        <p:nvSpPr>
+          <p:cNvPr id="222" name="직사각형 221"/>
+          <p:cNvSpPr/>
+          <p:nvPr/>
+        </p:nvSpPr>
+        <p:spPr>
+          <a:xfrm>
+            <a:off x="2131387" y="6131852"/>
+            <a:ext cx="3540722" cy="340901"/>
+          </a:xfrm>
+          <a:prstGeom prst="rect">
+            <a:avLst/>
+          </a:prstGeom>
+          <a:solidFill>
+            <a:schemeClr val="bg1">
+              <a:lumMod val="95000"/>
+            </a:schemeClr>
+          </a:solidFill>
+          <a:ln>
+            <a:solidFill>
+              <a:schemeClr val="tx1">
+                <a:lumMod val="50000"/>
+                <a:lumOff val="50000"/>
+              </a:schemeClr>
+            </a:solidFill>
+          </a:ln>
+        </p:spPr>
+        <p:style>
+          <a:lnRef idx="2">
+            <a:schemeClr val="accent1">
+              <a:shade val="50000"/>
+            </a:schemeClr>
+          </a:lnRef>
+          <a:fillRef idx="1">
+            <a:schemeClr val="accent1"/>
+          </a:fillRef>
+          <a:effectRef idx="0">
+            <a:schemeClr val="accent1"/>
+          </a:effectRef>
+          <a:fontRef idx="minor">
+            <a:schemeClr val="lt1"/>
+          </a:fontRef>
+        </p:style>
+        <p:txBody>
+          <a:bodyPr rtlCol="0" anchor="ctr"/>
+          <a:lstStyle/>
+          <a:p>
+            <a:pPr algn="ctr"/>
+            <a:endParaRPr lang="ko-KR" altLang="en-US"/>
+          </a:p>
+        </p:txBody>
+      </p:sp>
+      <p:sp>
+        <p:nvSpPr>
+          <p:cNvPr id="227" name="TextBox 226"/>
+          <p:cNvSpPr txBox="1"/>
+          <p:nvPr/>
+        </p:nvSpPr>
+        <p:spPr>
+          <a:xfrm>
+            <a:off x="3617834" y="6155595"/>
+            <a:ext cx="486348" cy="293414"/>
+          </a:xfrm>
+          <a:prstGeom prst="rect">
+            <a:avLst/>
+          </a:prstGeom>
+          <a:noFill/>
+        </p:spPr>
+        <p:txBody>
+          <a:bodyPr wrap="square" rtlCol="0">
+            <a:spAutoFit/>
+          </a:bodyPr>
+          <a:lstStyle/>
+          <a:p>
+            <a:pPr algn="ctr">
+              <a:lnSpc>
+                <a:spcPct val="150000"/>
+              </a:lnSpc>
+            </a:pPr>
+            <a:r>
+              <a:rPr lang="ko-KR" altLang="en-US" sz="1000" dirty="0" smtClean="0">
+                <a:solidFill>
+                  <a:schemeClr val="bg1">
+                    <a:lumMod val="65000"/>
+                  </a:schemeClr>
+                </a:solidFill>
+              </a:rPr>
+              <a:t>광고</a:t>
+            </a:r>
+            <a:endParaRPr lang="en-US" altLang="ko-KR" sz="1000" dirty="0" smtClean="0">
+              <a:solidFill>
+                <a:schemeClr val="bg1">
+                  <a:lumMod val="65000"/>
+                </a:schemeClr>
+              </a:solidFill>
+            </a:endParaRPr>
+          </a:p>
+        </p:txBody>
+      </p:sp>
+      <p:sp>
+        <p:nvSpPr>
+          <p:cNvPr id="229" name="TextBox 228"/>
+          <p:cNvSpPr txBox="1"/>
+          <p:nvPr/>
+        </p:nvSpPr>
+        <p:spPr>
+          <a:xfrm>
+            <a:off x="2325443" y="1129958"/>
+            <a:ext cx="453970" cy="253916"/>
+          </a:xfrm>
+          <a:prstGeom prst="rect">
+            <a:avLst/>
+          </a:prstGeom>
+          <a:noFill/>
+        </p:spPr>
+        <p:txBody>
+          <a:bodyPr wrap="none" rtlCol="0">
+            <a:spAutoFit/>
+          </a:bodyPr>
+          <a:lstStyle/>
+          <a:p>
+            <a:r>
+              <a:rPr lang="ko-KR" altLang="en-US" sz="1050" b="1" dirty="0">
+                <a:solidFill>
+                  <a:schemeClr val="bg1">
+                    <a:lumMod val="65000"/>
+                  </a:schemeClr>
+                </a:solidFill>
+              </a:rPr>
+              <a:t>로고</a:t>
+            </a:r>
+          </a:p>
+        </p:txBody>
+      </p:sp>
+      <p:sp>
+        <p:nvSpPr>
+          <p:cNvPr id="230" name="직사각형 229"/>
+          <p:cNvSpPr/>
+          <p:nvPr/>
+        </p:nvSpPr>
+        <p:spPr>
+          <a:xfrm>
+            <a:off x="2238651" y="1064567"/>
+            <a:ext cx="640378" cy="392393"/>
+          </a:xfrm>
+          <a:prstGeom prst="rect">
+            <a:avLst/>
+          </a:prstGeom>
+          <a:noFill/>
+          <a:ln>
+            <a:solidFill>
+              <a:schemeClr val="tx1">
+                <a:lumMod val="50000"/>
+                <a:lumOff val="50000"/>
+              </a:schemeClr>
+            </a:solidFill>
+          </a:ln>
+        </p:spPr>
+        <p:style>
+          <a:lnRef idx="2">
+            <a:schemeClr val="accent1">
+              <a:shade val="50000"/>
+            </a:schemeClr>
+          </a:lnRef>
+          <a:fillRef idx="1">
+            <a:schemeClr val="accent1"/>
+          </a:fillRef>
+          <a:effectRef idx="0">
+            <a:schemeClr val="accent1"/>
+          </a:effectRef>
+          <a:fontRef idx="minor">
+            <a:schemeClr val="lt1"/>
+          </a:fontRef>
+        </p:style>
+        <p:txBody>
+          <a:bodyPr rtlCol="0" anchor="ctr"/>
+          <a:lstStyle/>
+          <a:p>
+            <a:pPr algn="ctr"/>
+            <a:endParaRPr lang="ko-KR" altLang="en-US"/>
+          </a:p>
+        </p:txBody>
+      </p:sp>
+      <p:cxnSp>
+        <p:nvCxnSpPr>
+          <p:cNvPr id="231" name="직선 연결선 230"/>
+          <p:cNvCxnSpPr>
+            <a:cxnSpLocks/>
+          </p:cNvCxnSpPr>
+          <p:nvPr/>
+        </p:nvCxnSpPr>
+        <p:spPr>
+          <a:xfrm flipH="1">
+            <a:off x="2238651" y="1064567"/>
+            <a:ext cx="640378" cy="392393"/>
+          </a:xfrm>
+          <a:prstGeom prst="line">
+            <a:avLst/>
+          </a:prstGeom>
+          <a:ln>
+            <a:solidFill>
+              <a:schemeClr val="tx1">
+                <a:lumMod val="50000"/>
+                <a:lumOff val="50000"/>
+              </a:schemeClr>
+            </a:solidFill>
+          </a:ln>
+        </p:spPr>
+        <p:style>
+          <a:lnRef idx="1">
+            <a:schemeClr val="accent1"/>
+          </a:lnRef>
+          <a:fillRef idx="0">
+            <a:schemeClr val="accent1"/>
+          </a:fillRef>
+          <a:effectRef idx="0">
+            <a:schemeClr val="accent1"/>
+          </a:effectRef>
+          <a:fontRef idx="minor">
+            <a:schemeClr val="tx1"/>
+          </a:fontRef>
+        </p:style>
+      </p:cxnSp>
+      <p:sp>
+        <p:nvSpPr>
+          <p:cNvPr id="236" name="TextBox 235"/>
+          <p:cNvSpPr txBox="1"/>
+          <p:nvPr/>
+        </p:nvSpPr>
+        <p:spPr>
+          <a:xfrm>
+            <a:off x="4927172" y="1588931"/>
+            <a:ext cx="723275" cy="253916"/>
+          </a:xfrm>
+          <a:prstGeom prst="rect">
+            <a:avLst/>
+          </a:prstGeom>
+          <a:noFill/>
+        </p:spPr>
+        <p:txBody>
+          <a:bodyPr wrap="none" rtlCol="0">
+            <a:spAutoFit/>
+          </a:bodyPr>
+          <a:lstStyle/>
+          <a:p>
+            <a:r>
+              <a:rPr lang="ko-KR" altLang="en-US" sz="1050" b="1" dirty="0" err="1" smtClean="0">
+                <a:solidFill>
+                  <a:schemeClr val="bg1">
+                    <a:lumMod val="65000"/>
+                  </a:schemeClr>
+                </a:solidFill>
+              </a:rPr>
+              <a:t>즐겨찾기</a:t>
+            </a:r>
+            <a:endParaRPr lang="ko-KR" altLang="en-US" sz="1050" b="1" dirty="0">
+              <a:solidFill>
+                <a:schemeClr val="bg1">
+                  <a:lumMod val="65000"/>
+                </a:schemeClr>
+              </a:solidFill>
+            </a:endParaRPr>
+          </a:p>
+        </p:txBody>
+      </p:sp>
+      <p:grpSp>
+        <p:nvGrpSpPr>
+          <p:cNvPr id="237" name="그룹 236"/>
+          <p:cNvGrpSpPr/>
+          <p:nvPr/>
+        </p:nvGrpSpPr>
+        <p:grpSpPr>
+          <a:xfrm>
+            <a:off x="5025596" y="1597853"/>
+            <a:ext cx="532953" cy="250349"/>
+            <a:chOff x="5455622" y="2522852"/>
+            <a:chExt cx="640378" cy="392393"/>
+          </a:xfrm>
+        </p:grpSpPr>
+        <p:sp>
+          <p:nvSpPr>
+            <p:cNvPr id="238" name="직사각형 237"/>
+            <p:cNvSpPr/>
+            <p:nvPr/>
+          </p:nvSpPr>
+          <p:spPr>
+            <a:xfrm>
+              <a:off x="5455622" y="2522852"/>
+              <a:ext cx="640378" cy="392393"/>
+            </a:xfrm>
+            <a:prstGeom prst="rect">
+              <a:avLst/>
+            </a:prstGeom>
+            <a:noFill/>
+            <a:ln>
+              <a:solidFill>
+                <a:schemeClr val="tx1">
+                  <a:lumMod val="50000"/>
+                  <a:lumOff val="50000"/>
+                </a:schemeClr>
+              </a:solidFill>
+            </a:ln>
+          </p:spPr>
+          <p:style>
+            <a:lnRef idx="2">
+              <a:schemeClr val="accent1">
+                <a:shade val="50000"/>
+              </a:schemeClr>
+            </a:lnRef>
+            <a:fillRef idx="1">
+              <a:schemeClr val="accent1"/>
+            </a:fillRef>
+            <a:effectRef idx="0">
+              <a:schemeClr val="accent1"/>
+            </a:effectRef>
+            <a:fontRef idx="minor">
+              <a:schemeClr val="lt1"/>
+            </a:fontRef>
+          </p:style>
+          <p:txBody>
+            <a:bodyPr rtlCol="0" anchor="ctr"/>
+            <a:lstStyle/>
+            <a:p>
+              <a:pPr algn="ctr"/>
+              <a:endParaRPr lang="ko-KR" altLang="en-US"/>
+            </a:p>
+          </p:txBody>
+        </p:sp>
+        <p:cxnSp>
+          <p:nvCxnSpPr>
+            <p:cNvPr id="256" name="직선 연결선 255"/>
+            <p:cNvCxnSpPr>
+              <a:cxnSpLocks/>
+            </p:cNvCxnSpPr>
+            <p:nvPr/>
+          </p:nvCxnSpPr>
+          <p:spPr>
+            <a:xfrm flipH="1">
+              <a:off x="5455622" y="2522852"/>
+              <a:ext cx="640378" cy="392393"/>
+            </a:xfrm>
+            <a:prstGeom prst="line">
+              <a:avLst/>
+            </a:prstGeom>
+            <a:ln>
+              <a:solidFill>
+                <a:schemeClr val="tx1">
+                  <a:lumMod val="50000"/>
+                  <a:lumOff val="50000"/>
+                </a:schemeClr>
+              </a:solidFill>
+            </a:ln>
+          </p:spPr>
+          <p:style>
+            <a:lnRef idx="1">
+              <a:schemeClr val="accent1"/>
+            </a:lnRef>
+            <a:fillRef idx="0">
+              <a:schemeClr val="accent1"/>
+            </a:fillRef>
+            <a:effectRef idx="0">
+              <a:schemeClr val="accent1"/>
+            </a:effectRef>
+            <a:fontRef idx="minor">
+              <a:schemeClr val="tx1"/>
+            </a:fontRef>
+          </p:style>
+        </p:cxnSp>
+      </p:grpSp>
+      <p:sp>
+        <p:nvSpPr>
+          <p:cNvPr id="257" name="직사각형 256"/>
+          <p:cNvSpPr/>
+          <p:nvPr/>
+        </p:nvSpPr>
+        <p:spPr>
+          <a:xfrm>
+            <a:off x="2181865" y="4911707"/>
+            <a:ext cx="3362760" cy="284433"/>
+          </a:xfrm>
+          <a:prstGeom prst="rect">
+            <a:avLst/>
+          </a:prstGeom>
+          <a:solidFill>
+            <a:schemeClr val="bg1">
+              <a:lumMod val="95000"/>
+            </a:schemeClr>
+          </a:solidFill>
+          <a:ln>
+            <a:solidFill>
+              <a:schemeClr val="tx1">
+                <a:lumMod val="50000"/>
+                <a:lumOff val="50000"/>
+              </a:schemeClr>
+            </a:solidFill>
+          </a:ln>
+        </p:spPr>
+        <p:style>
+          <a:lnRef idx="2">
+            <a:schemeClr val="accent1">
+              <a:shade val="50000"/>
+            </a:schemeClr>
+          </a:lnRef>
+          <a:fillRef idx="1">
+            <a:schemeClr val="accent1"/>
+          </a:fillRef>
+          <a:effectRef idx="0">
+            <a:schemeClr val="accent1"/>
+          </a:effectRef>
+          <a:fontRef idx="minor">
+            <a:schemeClr val="lt1"/>
+          </a:fontRef>
+        </p:style>
+        <p:txBody>
+          <a:bodyPr rtlCol="0" anchor="ctr"/>
+          <a:lstStyle/>
+          <a:p>
+            <a:pPr algn="ctr"/>
+            <a:endParaRPr lang="ko-KR" altLang="en-US"/>
+          </a:p>
+        </p:txBody>
+      </p:sp>
+      <p:sp>
+        <p:nvSpPr>
+          <p:cNvPr id="258" name="TextBox 257"/>
+          <p:cNvSpPr txBox="1"/>
+          <p:nvPr/>
+        </p:nvSpPr>
+        <p:spPr>
+          <a:xfrm>
+            <a:off x="3253627" y="4915187"/>
+            <a:ext cx="797584" cy="293414"/>
+          </a:xfrm>
+          <a:prstGeom prst="rect">
+            <a:avLst/>
+          </a:prstGeom>
+          <a:noFill/>
+        </p:spPr>
+        <p:txBody>
+          <a:bodyPr wrap="square" rtlCol="0">
+            <a:spAutoFit/>
+          </a:bodyPr>
+          <a:lstStyle/>
+          <a:p>
+            <a:pPr algn="ctr">
+              <a:lnSpc>
+                <a:spcPct val="150000"/>
+              </a:lnSpc>
+            </a:pPr>
+            <a:r>
+              <a:rPr lang="ko-KR" altLang="en-US" sz="1000" b="1" dirty="0" smtClean="0">
+                <a:solidFill>
+                  <a:schemeClr val="bg1">
+                    <a:lumMod val="65000"/>
+                  </a:schemeClr>
+                </a:solidFill>
+              </a:rPr>
+              <a:t>광고</a:t>
+            </a:r>
+            <a:endParaRPr lang="en-US" altLang="ko-KR" sz="1000" b="1" dirty="0" smtClean="0">
+              <a:solidFill>
+                <a:schemeClr val="bg1">
+                  <a:lumMod val="65000"/>
+                </a:schemeClr>
+              </a:solidFill>
+            </a:endParaRPr>
+          </a:p>
+        </p:txBody>
+      </p:sp>
+      <p:sp>
+        <p:nvSpPr>
+          <p:cNvPr id="259" name="직사각형 258"/>
+          <p:cNvSpPr/>
+          <p:nvPr/>
+        </p:nvSpPr>
+        <p:spPr>
+          <a:xfrm>
+            <a:off x="2181865" y="5237075"/>
+            <a:ext cx="3362760" cy="884034"/>
+          </a:xfrm>
+          <a:prstGeom prst="rect">
+            <a:avLst/>
+          </a:prstGeom>
+          <a:solidFill>
+            <a:schemeClr val="bg1">
+              <a:lumMod val="95000"/>
+            </a:schemeClr>
+          </a:solidFill>
+          <a:ln>
+            <a:solidFill>
+              <a:schemeClr val="tx1">
+                <a:lumMod val="50000"/>
+                <a:lumOff val="50000"/>
+              </a:schemeClr>
+            </a:solidFill>
+          </a:ln>
+        </p:spPr>
+        <p:style>
+          <a:lnRef idx="2">
+            <a:schemeClr val="accent1">
+              <a:shade val="50000"/>
+            </a:schemeClr>
+          </a:lnRef>
+          <a:fillRef idx="1">
+            <a:schemeClr val="accent1"/>
+          </a:fillRef>
+          <a:effectRef idx="0">
+            <a:schemeClr val="accent1"/>
+          </a:effectRef>
+          <a:fontRef idx="minor">
+            <a:schemeClr val="lt1"/>
+          </a:fontRef>
+        </p:style>
+        <p:txBody>
+          <a:bodyPr rtlCol="0" anchor="ctr"/>
+          <a:lstStyle/>
+          <a:p>
+            <a:pPr algn="ctr"/>
+            <a:endParaRPr lang="ko-KR" altLang="en-US" sz="1050" dirty="0">
+              <a:solidFill>
+                <a:schemeClr val="tx1"/>
+              </a:solidFill>
+            </a:endParaRPr>
+          </a:p>
+        </p:txBody>
+      </p:sp>
+      <p:sp>
+        <p:nvSpPr>
+          <p:cNvPr id="260" name="직사각형 259"/>
+          <p:cNvSpPr/>
+          <p:nvPr/>
+        </p:nvSpPr>
+        <p:spPr>
+          <a:xfrm>
+            <a:off x="2256981" y="5269484"/>
+            <a:ext cx="2489829" cy="252782"/>
+          </a:xfrm>
+          <a:prstGeom prst="rect">
+            <a:avLst/>
+          </a:prstGeom>
+          <a:solidFill>
+            <a:schemeClr val="bg1"/>
+          </a:solidFill>
+          <a:ln>
+            <a:solidFill>
+              <a:schemeClr val="tx1">
+                <a:lumMod val="50000"/>
+                <a:lumOff val="50000"/>
+              </a:schemeClr>
+            </a:solidFill>
+          </a:ln>
+        </p:spPr>
+        <p:style>
+          <a:lnRef idx="2">
+            <a:schemeClr val="accent1">
+              <a:shade val="50000"/>
+            </a:schemeClr>
+          </a:lnRef>
+          <a:fillRef idx="1">
+            <a:schemeClr val="accent1"/>
+          </a:fillRef>
+          <a:effectRef idx="0">
+            <a:schemeClr val="accent1"/>
+          </a:effectRef>
+          <a:fontRef idx="minor">
+            <a:schemeClr val="lt1"/>
+          </a:fontRef>
+        </p:style>
+        <p:txBody>
+          <a:bodyPr rtlCol="0" anchor="ctr"/>
+          <a:lstStyle/>
+          <a:p>
+            <a:r>
+              <a:rPr lang="en-US" altLang="ko-KR" sz="1050" dirty="0" smtClean="0">
+                <a:solidFill>
+                  <a:schemeClr val="bg1">
+                    <a:lumMod val="75000"/>
+                  </a:schemeClr>
+                </a:solidFill>
+              </a:rPr>
+              <a:t>Add a Comments</a:t>
+            </a:r>
+            <a:endParaRPr lang="ko-KR" altLang="en-US" sz="1050" dirty="0">
+              <a:solidFill>
+                <a:schemeClr val="bg1">
+                  <a:lumMod val="75000"/>
+                </a:schemeClr>
+              </a:solidFill>
+            </a:endParaRPr>
+          </a:p>
+        </p:txBody>
+      </p:sp>
+      <p:sp>
+        <p:nvSpPr>
+          <p:cNvPr id="261" name="직사각형 260"/>
+          <p:cNvSpPr/>
+          <p:nvPr/>
+        </p:nvSpPr>
+        <p:spPr>
+          <a:xfrm>
+            <a:off x="4846372" y="5286299"/>
+            <a:ext cx="630394" cy="243192"/>
+          </a:xfrm>
+          <a:prstGeom prst="rect">
+            <a:avLst/>
+          </a:prstGeom>
+          <a:solidFill>
+            <a:schemeClr val="bg1">
+              <a:lumMod val="95000"/>
+            </a:schemeClr>
+          </a:solidFill>
+          <a:ln>
+            <a:solidFill>
+              <a:schemeClr val="tx1">
+                <a:lumMod val="50000"/>
+                <a:lumOff val="50000"/>
+              </a:schemeClr>
+            </a:solidFill>
+          </a:ln>
+        </p:spPr>
+        <p:style>
+          <a:lnRef idx="2">
+            <a:schemeClr val="accent1">
+              <a:shade val="50000"/>
+            </a:schemeClr>
+          </a:lnRef>
+          <a:fillRef idx="1">
+            <a:schemeClr val="accent1"/>
+          </a:fillRef>
+          <a:effectRef idx="0">
+            <a:schemeClr val="accent1"/>
+          </a:effectRef>
+          <a:fontRef idx="minor">
+            <a:schemeClr val="lt1"/>
+          </a:fontRef>
+        </p:style>
+        <p:txBody>
+          <a:bodyPr rtlCol="0" anchor="ctr"/>
+          <a:lstStyle/>
+          <a:p>
+            <a:pPr algn="ctr"/>
+            <a:r>
+              <a:rPr lang="ko-KR" altLang="en-US" sz="1050" dirty="0" smtClean="0">
+                <a:solidFill>
+                  <a:schemeClr val="tx1"/>
+                </a:solidFill>
+              </a:rPr>
+              <a:t>게시</a:t>
+            </a:r>
+            <a:endParaRPr lang="ko-KR" altLang="en-US" sz="1050" dirty="0">
+              <a:solidFill>
+                <a:schemeClr val="tx1"/>
+              </a:solidFill>
+            </a:endParaRPr>
+          </a:p>
+        </p:txBody>
+      </p:sp>
+      <p:sp>
+        <p:nvSpPr>
+          <p:cNvPr id="262" name="TextBox 261"/>
+          <p:cNvSpPr txBox="1"/>
+          <p:nvPr/>
+        </p:nvSpPr>
+        <p:spPr>
+          <a:xfrm>
+            <a:off x="2291634" y="5576119"/>
+            <a:ext cx="1531188" cy="253916"/>
+          </a:xfrm>
+          <a:prstGeom prst="rect">
+            <a:avLst/>
+          </a:prstGeom>
+          <a:noFill/>
+        </p:spPr>
+        <p:txBody>
+          <a:bodyPr wrap="none" rtlCol="0">
+            <a:spAutoFit/>
+          </a:bodyPr>
+          <a:lstStyle/>
+          <a:p>
+            <a:r>
+              <a:rPr lang="ko-KR" altLang="en-US" sz="1050" b="1" smtClean="0"/>
+              <a:t>제목제목제목제목제목</a:t>
+            </a:r>
+            <a:endParaRPr lang="ko-KR" altLang="en-US" sz="1050" b="1" dirty="0"/>
+          </a:p>
+        </p:txBody>
+      </p:sp>
+      <p:sp>
+        <p:nvSpPr>
+          <p:cNvPr id="263" name="TextBox 262"/>
+          <p:cNvSpPr txBox="1"/>
+          <p:nvPr/>
+        </p:nvSpPr>
+        <p:spPr>
+          <a:xfrm>
+            <a:off x="2318998" y="5769565"/>
+            <a:ext cx="1107996" cy="184666"/>
+          </a:xfrm>
+          <a:prstGeom prst="rect">
+            <a:avLst/>
+          </a:prstGeom>
+          <a:noFill/>
+        </p:spPr>
+        <p:txBody>
+          <a:bodyPr wrap="none" rtlCol="0">
+            <a:spAutoFit/>
+          </a:bodyPr>
+          <a:lstStyle/>
+          <a:p>
+            <a:r>
+              <a:rPr lang="en-US" altLang="ko-KR" sz="600" dirty="0" smtClean="0"/>
+              <a:t>223.62.***.*** | 2017-05-01</a:t>
+            </a:r>
+            <a:endParaRPr lang="ko-KR" altLang="en-US" sz="600" dirty="0"/>
+          </a:p>
+        </p:txBody>
+      </p:sp>
+      <p:sp>
+        <p:nvSpPr>
+          <p:cNvPr id="228" name="직사각형 227"/>
+          <p:cNvSpPr/>
+          <p:nvPr/>
+        </p:nvSpPr>
+        <p:spPr>
+          <a:xfrm>
+            <a:off x="2114000" y="5208600"/>
+            <a:ext cx="3595934" cy="1009695"/>
+          </a:xfrm>
+          <a:prstGeom prst="rect">
+            <a:avLst/>
+          </a:prstGeom>
+          <a:noFill/>
+          <a:ln w="28575">
+            <a:solidFill>
+              <a:srgbClr val="FF0000"/>
+            </a:solidFill>
+          </a:ln>
+        </p:spPr>
+        <p:style>
+          <a:lnRef idx="2">
+            <a:schemeClr val="accent1">
+              <a:shade val="50000"/>
+            </a:schemeClr>
+          </a:lnRef>
+          <a:fillRef idx="1">
+            <a:schemeClr val="accent1"/>
+          </a:fillRef>
+          <a:effectRef idx="0">
+            <a:schemeClr val="accent1"/>
+          </a:effectRef>
+          <a:fontRef idx="minor">
+            <a:schemeClr val="lt1"/>
+          </a:fontRef>
+        </p:style>
+        <p:txBody>
+          <a:bodyPr rtlCol="0" anchor="ctr"/>
+          <a:lstStyle/>
+          <a:p>
+            <a:pPr algn="ctr"/>
+            <a:endParaRPr lang="ko-KR" altLang="en-US"/>
+          </a:p>
+        </p:txBody>
+      </p:sp>
+      <p:sp>
+        <p:nvSpPr>
+          <p:cNvPr id="58" name="TextBox 57"/>
+          <p:cNvSpPr txBox="1"/>
+          <p:nvPr/>
+        </p:nvSpPr>
+        <p:spPr>
+          <a:xfrm>
+            <a:off x="2388213" y="2257053"/>
+            <a:ext cx="1531188" cy="253916"/>
+          </a:xfrm>
+          <a:prstGeom prst="rect">
+            <a:avLst/>
+          </a:prstGeom>
+          <a:noFill/>
+        </p:spPr>
+        <p:txBody>
+          <a:bodyPr wrap="none" rtlCol="0">
+            <a:spAutoFit/>
+          </a:bodyPr>
+          <a:lstStyle/>
+          <a:p>
+            <a:r>
+              <a:rPr lang="ko-KR" altLang="en-US" sz="1050" b="1" dirty="0" smtClean="0"/>
+              <a:t>제목제목제목제목제목</a:t>
+            </a:r>
+            <a:endParaRPr lang="ko-KR" altLang="en-US" sz="1050" b="1" dirty="0"/>
+          </a:p>
+        </p:txBody>
+      </p:sp>
+      <p:sp>
+        <p:nvSpPr>
+          <p:cNvPr id="59" name="TextBox 58"/>
+          <p:cNvSpPr txBox="1"/>
+          <p:nvPr/>
+        </p:nvSpPr>
+        <p:spPr>
+          <a:xfrm>
+            <a:off x="4059859" y="2254172"/>
+            <a:ext cx="891591" cy="253916"/>
+          </a:xfrm>
+          <a:prstGeom prst="rect">
+            <a:avLst/>
+          </a:prstGeom>
+          <a:noFill/>
+        </p:spPr>
+        <p:txBody>
+          <a:bodyPr wrap="none" rtlCol="0">
+            <a:spAutoFit/>
+          </a:bodyPr>
+          <a:lstStyle/>
+          <a:p>
+            <a:r>
+              <a:rPr lang="en-US" altLang="ko-KR" sz="1050" b="1" dirty="0"/>
+              <a:t>123123123</a:t>
+            </a:r>
+            <a:endParaRPr lang="ko-KR" altLang="en-US" sz="1050" b="1" dirty="0"/>
+          </a:p>
+        </p:txBody>
+      </p:sp>
+      <p:sp>
+        <p:nvSpPr>
+          <p:cNvPr id="60" name="TextBox 59"/>
+          <p:cNvSpPr txBox="1"/>
+          <p:nvPr/>
+        </p:nvSpPr>
+        <p:spPr>
+          <a:xfrm>
+            <a:off x="5052085" y="2254172"/>
+            <a:ext cx="534121" cy="253916"/>
+          </a:xfrm>
+          <a:prstGeom prst="rect">
+            <a:avLst/>
+          </a:prstGeom>
+          <a:noFill/>
+        </p:spPr>
+        <p:txBody>
+          <a:bodyPr wrap="none" rtlCol="0">
+            <a:spAutoFit/>
+          </a:bodyPr>
+          <a:lstStyle/>
+          <a:p>
+            <a:r>
+              <a:rPr lang="en-US" altLang="ko-KR" sz="1050" b="1" dirty="0"/>
+              <a:t>00:00</a:t>
+            </a:r>
+            <a:endParaRPr lang="ko-KR" altLang="en-US" sz="1050" b="1" dirty="0"/>
+          </a:p>
+        </p:txBody>
+      </p:sp>
+      <p:cxnSp>
+        <p:nvCxnSpPr>
+          <p:cNvPr id="61" name="직선 화살표 연결선 60"/>
+          <p:cNvCxnSpPr/>
+          <p:nvPr/>
+        </p:nvCxnSpPr>
+        <p:spPr>
+          <a:xfrm flipH="1">
+            <a:off x="2181865" y="2384011"/>
+            <a:ext cx="229812" cy="0"/>
+          </a:xfrm>
+          <a:prstGeom prst="straightConnector1">
+            <a:avLst/>
+          </a:prstGeom>
+          <a:ln w="19050">
+            <a:solidFill>
+              <a:schemeClr val="tx1">
+                <a:lumMod val="50000"/>
+                <a:lumOff val="50000"/>
+              </a:schemeClr>
+            </a:solidFill>
+            <a:tailEnd type="arrow"/>
+          </a:ln>
+        </p:spPr>
+        <p:style>
+          <a:lnRef idx="1">
+            <a:schemeClr val="accent1"/>
+          </a:lnRef>
+          <a:fillRef idx="0">
+            <a:schemeClr val="accent1"/>
+          </a:fillRef>
+          <a:effectRef idx="0">
+            <a:schemeClr val="accent1"/>
+          </a:effectRef>
+          <a:fontRef idx="minor">
+            <a:schemeClr val="tx1"/>
+          </a:fontRef>
+        </p:style>
+      </p:cxnSp>
+    </p:spTree>
+    <p:extLst>
+      <p:ext uri="{BB962C8B-B14F-4D97-AF65-F5344CB8AC3E}">
+        <p14:creationId xmlns:p14="http://schemas.microsoft.com/office/powerpoint/2010/main" val="3554081005"/>
+      </p:ext>
+    </p:extLst>
+  </p:cSld>
+  <p:clrMapOvr>
+    <a:masterClrMapping/>
+  </p:clrMapOvr>
+</p:sld>
+</file>
+
+<file path=ppt/slides/slide16.xml><?xml version="1.0" encoding="utf-8"?>
 <p:sld xmlns:a="http://schemas.openxmlformats.org/drawingml/2006/main" xmlns:r="http://schemas.openxmlformats.org/officeDocument/2006/relationships" xmlns:p="http://schemas.openxmlformats.org/presentationml/2006/main">
   <p:cSld>
     <p:spTree>
@@ -21771,11 +27038,7 @@
             </a:pPr>
             <a:r>
               <a:rPr lang="ko-KR" altLang="en-US" sz="1400" b="1" dirty="0" smtClean="0"/>
-              <a:t>페이지 </a:t>
-            </a:r>
-            <a:r>
-              <a:rPr lang="ko-KR" altLang="en-US" sz="1400" b="1" dirty="0" smtClean="0"/>
-              <a:t>구성</a:t>
+              <a:t>페이지 구성</a:t>
             </a:r>
             <a:endParaRPr lang="en-US" altLang="ko-KR" sz="1400" b="1" dirty="0" smtClean="0"/>
           </a:p>
@@ -22316,11 +27579,7 @@
             </a:r>
             <a:r>
               <a:rPr lang="ko-KR" altLang="en-US" sz="1000" b="1" dirty="0" smtClean="0"/>
-              <a:t>유효 </a:t>
-            </a:r>
-            <a:r>
-              <a:rPr lang="ko-KR" altLang="en-US" sz="1000" b="1" dirty="0" smtClean="0"/>
-              <a:t>선별</a:t>
+              <a:t>유효 선별</a:t>
             </a:r>
             <a:endParaRPr lang="en-US" altLang="ko-KR" sz="1000" b="1" dirty="0" smtClean="0"/>
           </a:p>
@@ -23432,13 +28691,8 @@
             </a:pPr>
             <a:r>
               <a:rPr lang="en-US" altLang="ko-KR" sz="1000" b="1" dirty="0" smtClean="0"/>
-              <a:t>2) </a:t>
-            </a:r>
-            <a:r>
-              <a:rPr lang="en-US" altLang="ko-KR" sz="1000" b="1" dirty="0" smtClean="0"/>
-              <a:t>Shared – server data</a:t>
-            </a:r>
-            <a:endParaRPr lang="en-US" altLang="ko-KR" sz="1000" b="1" dirty="0" smtClean="0"/>
+              <a:t>2) Shared – server data</a:t>
+            </a:r>
           </a:p>
           <a:p>
             <a:pPr>
@@ -23605,13 +28859,8 @@
             </a:pPr>
             <a:r>
               <a:rPr lang="en-US" altLang="ko-KR" sz="1000" b="1" dirty="0" smtClean="0"/>
-              <a:t>3) </a:t>
-            </a:r>
-            <a:r>
-              <a:rPr lang="en-US" altLang="ko-KR" sz="1000" b="1" dirty="0" smtClean="0"/>
-              <a:t>Local data</a:t>
-            </a:r>
-            <a:endParaRPr lang="en-US" altLang="ko-KR" sz="1000" b="1" dirty="0" smtClean="0"/>
+              <a:t>3) Local data</a:t>
+            </a:r>
           </a:p>
           <a:p>
             <a:pPr lvl="0">
@@ -23983,15 +29232,7 @@
             </a:r>
             <a:r>
               <a:rPr lang="ko-KR" altLang="en-US" sz="1000" dirty="0" smtClean="0"/>
-              <a:t>초 </a:t>
-            </a:r>
-            <a:r>
-              <a:rPr lang="ko-KR" altLang="en-US" sz="1000" dirty="0" smtClean="0"/>
-              <a:t>정도 </a:t>
-            </a:r>
-            <a:r>
-              <a:rPr lang="ko-KR" altLang="en-US" sz="1000" dirty="0" smtClean="0"/>
-              <a:t>노출하며</a:t>
+              <a:t>초 정도 노출하며</a:t>
             </a:r>
             <a:r>
               <a:rPr lang="en-US" altLang="ko-KR" sz="1000" dirty="0" smtClean="0"/>
@@ -24049,15 +29290,7 @@
             </a:r>
             <a:r>
               <a:rPr lang="ko-KR" altLang="en-US" sz="1000" dirty="0" smtClean="0"/>
-              <a:t>페이지 </a:t>
-            </a:r>
-            <a:r>
-              <a:rPr lang="ko-KR" altLang="en-US" sz="1000" dirty="0" smtClean="0"/>
-              <a:t>종료 </a:t>
-            </a:r>
-            <a:r>
-              <a:rPr lang="ko-KR" altLang="en-US" sz="1000" dirty="0" smtClean="0"/>
-              <a:t>되며</a:t>
+              <a:t>페이지 종료 되며</a:t>
             </a:r>
             <a:r>
               <a:rPr lang="en-US" altLang="ko-KR" sz="1000" dirty="0" smtClean="0"/>
@@ -24278,18 +29511,17 @@
               <a:t>  - main </a:t>
             </a:r>
             <a:r>
-              <a:rPr lang="ko-KR" altLang="en-US" sz="1000" dirty="0" err="1" smtClean="0"/>
-              <a:t>페이지와는별도의</a:t>
-            </a:r>
-            <a:r>
               <a:rPr lang="ko-KR" altLang="en-US" sz="1000" dirty="0" smtClean="0"/>
-              <a:t> 페이지에서 보여진다</a:t>
+              <a:t>페이지와는 별도의 </a:t>
+            </a:r>
+            <a:r>
+              <a:rPr lang="ko-KR" altLang="en-US" sz="1000" dirty="0" smtClean="0"/>
+              <a:t>페이지에서 보여진다</a:t>
             </a:r>
             <a:r>
               <a:rPr lang="en-US" altLang="ko-KR" sz="1000" dirty="0" smtClean="0"/>
               <a:t>.</a:t>
             </a:r>
-            <a:endParaRPr lang="en-US" altLang="ko-KR" sz="1000" dirty="0" smtClean="0"/>
           </a:p>
         </p:txBody>
       </p:sp>
@@ -24995,11 +30227,7 @@
             </a:pPr>
             <a:r>
               <a:rPr lang="ko-KR" altLang="en-US" sz="1000" dirty="0" smtClean="0"/>
-              <a:t>본 어플리케이션에서 </a:t>
-            </a:r>
-            <a:r>
-              <a:rPr lang="ko-KR" altLang="en-US" sz="1000" dirty="0" smtClean="0"/>
-              <a:t>처리하는 동영상을 </a:t>
+              <a:t>본 어플리케이션에서 처리하는 동영상을 </a:t>
             </a:r>
             <a:r>
               <a:rPr lang="ko-KR" altLang="en-US" sz="1000" dirty="0" err="1" smtClean="0"/>
@@ -25081,11 +30309,7 @@
             </a:pPr>
             <a:r>
               <a:rPr lang="en-US" altLang="ko-KR" sz="1000" dirty="0" smtClean="0"/>
-              <a:t>   </a:t>
-            </a:r>
-            <a:r>
-              <a:rPr lang="en-US" altLang="ko-KR" sz="1000" dirty="0" smtClean="0"/>
-              <a:t>- </a:t>
+              <a:t>   - </a:t>
             </a:r>
             <a:r>
               <a:rPr lang="ko-KR" altLang="en-US" sz="1000" dirty="0" smtClean="0"/>
@@ -25145,11 +30369,7 @@
             </a:pPr>
             <a:r>
               <a:rPr lang="en-US" altLang="ko-KR" sz="1000" b="1" dirty="0" smtClean="0"/>
-              <a:t>2) </a:t>
-            </a:r>
-            <a:r>
-              <a:rPr lang="en-US" altLang="ko-KR" sz="1000" b="1" dirty="0" smtClean="0"/>
-              <a:t>BJ</a:t>
+              <a:t>2) BJ</a:t>
             </a:r>
           </a:p>
           <a:p>
@@ -25160,11 +30380,7 @@
             </a:pPr>
             <a:r>
               <a:rPr lang="en-US" altLang="ko-KR" sz="1000" dirty="0" smtClean="0"/>
-              <a:t>   </a:t>
-            </a:r>
-            <a:r>
-              <a:rPr lang="en-US" altLang="ko-KR" sz="1000" dirty="0" smtClean="0"/>
-              <a:t>- </a:t>
+              <a:t>   - </a:t>
             </a:r>
             <a:r>
               <a:rPr lang="ko-KR" altLang="en-US" sz="1000" dirty="0" err="1" smtClean="0"/>
@@ -25208,11 +30424,7 @@
             </a:pPr>
             <a:r>
               <a:rPr lang="en-US" altLang="ko-KR" sz="1000" b="1" dirty="0" smtClean="0"/>
-              <a:t>3</a:t>
-            </a:r>
-            <a:r>
-              <a:rPr lang="en-US" altLang="ko-KR" sz="1000" b="1" dirty="0" smtClean="0"/>
-              <a:t>) </a:t>
+              <a:t>3) </a:t>
             </a:r>
             <a:r>
               <a:rPr lang="ko-KR" altLang="en-US" sz="1000" b="1" dirty="0" smtClean="0"/>
@@ -25347,7 +30559,7 @@
           <p:nvPr>
             <p:extLst>
               <p:ext uri="{D42A27DB-BD31-4B8C-83A1-F6EECF244321}">
-                <p14:modId xmlns:p14="http://schemas.microsoft.com/office/powerpoint/2010/main" val="3532763352"/>
+                <p14:modId xmlns:p14="http://schemas.microsoft.com/office/powerpoint/2010/main" val="3955839698"/>
               </p:ext>
             </p:extLst>
           </p:nvPr>
@@ -26780,7 +31992,17 @@
                         <a:t> 등록한 링크를 </a:t>
                       </a:r>
                       <a:r>
-                        <a:rPr lang="ko-KR" altLang="en-US" sz="1000" b="0" i="0" u="none" strike="noStrike" dirty="0" err="1">
+                        <a:rPr lang="en-US" altLang="ko-KR" sz="1000" b="0" i="0" u="none" strike="noStrike" dirty="0" smtClean="0">
+                          <a:solidFill>
+                            <a:srgbClr val="000000"/>
+                          </a:solidFill>
+                          <a:effectLst/>
+                          <a:latin typeface="맑은 고딕"/>
+                        </a:rPr>
+                        <a:t>‘</a:t>
+                      </a:r>
+                      <a:r>
+                        <a:rPr lang="ko-KR" altLang="en-US" sz="1000" b="0" i="0" u="none" strike="noStrike" dirty="0" err="1" smtClean="0">
                           <a:solidFill>
                             <a:srgbClr val="000000"/>
                           </a:solidFill>
@@ -26790,6 +32012,16 @@
                         <a:t>즐겨찾기한</a:t>
                       </a:r>
                       <a:r>
+                        <a:rPr lang="ko-KR" altLang="en-US" sz="1000" b="0" i="0" u="none" strike="noStrike" dirty="0" smtClean="0">
+                          <a:solidFill>
+                            <a:srgbClr val="000000"/>
+                          </a:solidFill>
+                          <a:effectLst/>
+                          <a:latin typeface="맑은 고딕"/>
+                        </a:rPr>
+                        <a:t> </a:t>
+                      </a:r>
+                      <a:r>
                         <a:rPr lang="ko-KR" altLang="en-US" sz="1000" b="0" i="0" u="none" strike="noStrike" dirty="0">
                           <a:solidFill>
                             <a:srgbClr val="000000"/>
@@ -26797,7 +32029,7 @@
                           <a:effectLst/>
                           <a:latin typeface="맑은 고딕"/>
                         </a:rPr>
-                        <a:t> 시간 </a:t>
+                        <a:t>시간 </a:t>
                       </a:r>
                       <a:r>
                         <a:rPr lang="ko-KR" altLang="en-US" sz="1000" b="0" i="0" u="none" strike="noStrike" dirty="0" smtClean="0">
@@ -26807,7 +32039,27 @@
                           <a:effectLst/>
                           <a:latin typeface="맑은 고딕"/>
                         </a:rPr>
-                        <a:t>순서로</a:t>
+                        <a:t>순서</a:t>
+                      </a:r>
+                      <a:r>
+                        <a:rPr lang="en-US" altLang="ko-KR" sz="1000" b="0" i="0" u="none" strike="noStrike" dirty="0" smtClean="0">
+                          <a:solidFill>
+                            <a:srgbClr val="000000"/>
+                          </a:solidFill>
+                          <a:effectLst/>
+                          <a:latin typeface="맑은 고딕"/>
+                        </a:rPr>
+                        <a:t>’</a:t>
+                      </a:r>
+                      <a:r>
+                        <a:rPr lang="ko-KR" altLang="en-US" sz="1000" b="0" i="0" u="none" strike="noStrike" dirty="0" smtClean="0">
+                          <a:solidFill>
+                            <a:srgbClr val="000000"/>
+                          </a:solidFill>
+                          <a:effectLst/>
+                          <a:latin typeface="맑은 고딕"/>
+                        </a:rPr>
+                        <a:t>로</a:t>
                       </a:r>
                       <a:r>
                         <a:rPr lang="ko-KR" altLang="en-US" sz="1000" b="0" i="0" u="none" strike="noStrike" baseline="0" dirty="0" smtClean="0">
@@ -27086,11 +32338,7 @@
             </a:pPr>
             <a:r>
               <a:rPr lang="ko-KR" altLang="en-US" sz="1000" dirty="0" smtClean="0"/>
-              <a:t>어플리케이션 </a:t>
-            </a:r>
-            <a:r>
-              <a:rPr lang="ko-KR" altLang="en-US" sz="1000" dirty="0" smtClean="0"/>
-              <a:t>광고되는 목록에 대해 설명한다</a:t>
+              <a:t>어플리케이션 광고되는 목록에 대해 설명한다</a:t>
             </a:r>
             <a:r>
               <a:rPr lang="en-US" altLang="ko-KR" sz="1000" dirty="0" smtClean="0"/>
@@ -27131,11 +32379,7 @@
             </a:pPr>
             <a:r>
               <a:rPr lang="en-US" altLang="ko-KR" sz="1000" dirty="0" smtClean="0"/>
-              <a:t>   </a:t>
-            </a:r>
-            <a:r>
-              <a:rPr lang="en-US" altLang="ko-KR" sz="1000" dirty="0" smtClean="0"/>
-              <a:t>- </a:t>
+              <a:t>   - </a:t>
             </a:r>
             <a:r>
               <a:rPr lang="ko-KR" altLang="en-US" sz="1000" dirty="0" smtClean="0"/>
@@ -27360,7 +32604,6 @@
               <a:rPr lang="en-US" altLang="ko-KR" sz="1000" dirty="0" smtClean="0"/>
               <a:t>.</a:t>
             </a:r>
-            <a:endParaRPr lang="en-US" altLang="ko-KR" sz="1000" dirty="0" smtClean="0"/>
           </a:p>
         </p:txBody>
       </p:sp>
@@ -31886,11 +37129,7 @@
           <a:p>
             <a:r>
               <a:rPr lang="en-US" altLang="ko-KR" sz="2000" b="1" dirty="0" smtClean="0"/>
-              <a:t>6. </a:t>
-            </a:r>
-            <a:r>
-              <a:rPr lang="en-US" altLang="ko-KR" sz="2000" b="1" dirty="0" smtClean="0"/>
-              <a:t>UI</a:t>
+              <a:t>6. UI</a:t>
             </a:r>
             <a:endParaRPr lang="ko-KR" altLang="en-US" sz="1400" dirty="0"/>
           </a:p>
@@ -31985,7 +37224,19 @@
             </a:pPr>
             <a:r>
               <a:rPr lang="ko-KR" altLang="en-US" sz="1000" dirty="0" smtClean="0"/>
-              <a:t>어플리케이션 내의 페이지 종류를 설명한다</a:t>
+              <a:t>어플리케이션 내의 </a:t>
+            </a:r>
+            <a:r>
+              <a:rPr lang="en-US" altLang="ko-KR" sz="1000" dirty="0" smtClean="0"/>
+              <a:t>main </a:t>
+            </a:r>
+            <a:r>
+              <a:rPr lang="ko-KR" altLang="en-US" sz="1000" dirty="0" smtClean="0"/>
+              <a:t>페이지를 </a:t>
+            </a:r>
+            <a:r>
+              <a:rPr lang="ko-KR" altLang="en-US" sz="1000" dirty="0" smtClean="0"/>
+              <a:t>설명한다</a:t>
             </a:r>
             <a:r>
               <a:rPr lang="en-US" altLang="ko-KR" sz="1000" dirty="0" smtClean="0"/>
@@ -32014,11 +37265,7 @@
             </a:r>
             <a:r>
               <a:rPr lang="ko-KR" altLang="en-US" sz="1000" b="1" dirty="0" smtClean="0"/>
-              <a:t>부모 </a:t>
-            </a:r>
-            <a:r>
-              <a:rPr lang="ko-KR" altLang="en-US" sz="1000" b="1" dirty="0" smtClean="0"/>
-              <a:t>탭 영역</a:t>
+              <a:t>부모 탭 영역</a:t>
             </a:r>
             <a:endParaRPr lang="en-US" altLang="ko-KR" sz="1000" b="1" dirty="0" smtClean="0"/>
           </a:p>
@@ -32099,7 +37346,6 @@
               <a:rPr lang="en-US" altLang="ko-KR" sz="1000" dirty="0" smtClean="0"/>
               <a:t>.</a:t>
             </a:r>
-            <a:endParaRPr lang="en-US" altLang="ko-KR" sz="1000" dirty="0" smtClean="0"/>
           </a:p>
           <a:p>
             <a:pPr>
@@ -32123,7 +37369,6 @@
               <a:rPr lang="en-US" altLang="ko-KR" sz="1000" dirty="0" smtClean="0"/>
               <a:t>.</a:t>
             </a:r>
-            <a:endParaRPr lang="en-US" altLang="ko-KR" sz="1000" dirty="0" smtClean="0"/>
           </a:p>
           <a:p>
             <a:pPr>
@@ -32321,11 +37566,7 @@
             </a:r>
             <a:r>
               <a:rPr lang="en-US" altLang="ko-KR" sz="1000" dirty="0" smtClean="0"/>
-              <a:t>, </a:t>
-            </a:r>
-            <a:r>
-              <a:rPr lang="en-US" altLang="ko-KR" sz="1000" dirty="0" smtClean="0"/>
-              <a:t>text</a:t>
+              <a:t>, text</a:t>
             </a:r>
             <a:r>
               <a:rPr lang="ko-KR" altLang="en-US" sz="1000" dirty="0" smtClean="0"/>
@@ -32356,11 +37597,7 @@
             </a:r>
             <a:r>
               <a:rPr lang="ko-KR" altLang="en-US" sz="1000" dirty="0" smtClean="0"/>
-              <a:t> 목록이 </a:t>
-            </a:r>
-            <a:r>
-              <a:rPr lang="ko-KR" altLang="en-US" sz="1000" dirty="0" smtClean="0"/>
-              <a:t>단 </a:t>
+              <a:t> 목록이 단 </a:t>
             </a:r>
             <a:r>
               <a:rPr lang="en-US" altLang="ko-KR" sz="1000" dirty="0" smtClean="0"/>
@@ -36336,11 +41573,7 @@
           <a:p>
             <a:r>
               <a:rPr lang="en-US" altLang="ko-KR" sz="2000" b="1" dirty="0" smtClean="0"/>
-              <a:t>6. </a:t>
-            </a:r>
-            <a:r>
-              <a:rPr lang="en-US" altLang="ko-KR" sz="2000" b="1" dirty="0" smtClean="0"/>
-              <a:t>UI</a:t>
+              <a:t>6. UI</a:t>
             </a:r>
             <a:endParaRPr lang="ko-KR" altLang="en-US" sz="1400" dirty="0"/>
           </a:p>
@@ -36434,11 +41667,19 @@
               <a:buChar char="•"/>
             </a:pPr>
             <a:r>
-              <a:rPr lang="ko-KR" altLang="en-US" sz="1000" dirty="0" smtClean="0"/>
-              <a:t>어플리케이션 내의 페이지 종류를 설명한다</a:t>
-            </a:r>
-            <a:r>
-              <a:rPr lang="en-US" altLang="ko-KR" sz="1000" dirty="0" smtClean="0"/>
+              <a:rPr lang="ko-KR" altLang="en-US" sz="1000" dirty="0"/>
+              <a:t>어플리케이션 내의 </a:t>
+            </a:r>
+            <a:r>
+              <a:rPr lang="en-US" altLang="ko-KR" sz="1000" dirty="0"/>
+              <a:t>main </a:t>
+            </a:r>
+            <a:r>
+              <a:rPr lang="ko-KR" altLang="en-US" sz="1000" dirty="0"/>
+              <a:t>페이지를 설명한다</a:t>
+            </a:r>
+            <a:r>
+              <a:rPr lang="en-US" altLang="ko-KR" sz="1000" dirty="0"/>
               <a:t>.</a:t>
             </a:r>
           </a:p>
@@ -36476,15 +41717,7 @@
             </a:pPr>
             <a:r>
               <a:rPr lang="en-US" altLang="ko-KR" sz="1000" dirty="0" smtClean="0"/>
-              <a:t>   </a:t>
-            </a:r>
-            <a:r>
-              <a:rPr lang="en-US" altLang="ko-KR" sz="1000" dirty="0" smtClean="0"/>
-              <a:t>- </a:t>
-            </a:r>
-            <a:r>
-              <a:rPr lang="en-US" altLang="ko-KR" sz="1000" dirty="0" smtClean="0"/>
-              <a:t>Main </a:t>
+              <a:t>   - Main </a:t>
             </a:r>
             <a:r>
               <a:rPr lang="ko-KR" altLang="en-US" sz="1000" dirty="0" smtClean="0"/>
@@ -40678,7 +45911,7 @@
   <a:extraClrSchemeLst/>
   <a:extLst>
     <a:ext uri="{05A4C25C-085E-4340-85A3-A5531E510DB2}">
-      <thm15:themeFamily xmlns:thm15="http://schemas.microsoft.com/office/thememl/2012/main" xmlns="" name="Office Theme" id="{62F939B6-93AF-4DB8-9C6B-D6C7DFDC589F}" vid="{4A3C46E8-61CC-4603-A589-7422A47A8E4A}"/>
+      <thm15:themeFamily xmlns="" xmlns:thm15="http://schemas.microsoft.com/office/thememl/2012/main" name="Office Theme" id="{62F939B6-93AF-4DB8-9C6B-D6C7DFDC589F}" vid="{4A3C46E8-61CC-4603-A589-7422A47A8E4A}"/>
     </a:ext>
   </a:extLst>
 </a:theme>
